--- a/01 GettingStarted.pptx
+++ b/01 GettingStarted.pptx
@@ -5,10 +5,10 @@
     <p:sldMasterId id="2147483648" r:id="rId5"/>
   </p:sldMasterIdLst>
   <p:notesMasterIdLst>
-    <p:notesMasterId r:id="rId63"/>
+    <p:notesMasterId r:id="rId62"/>
   </p:notesMasterIdLst>
   <p:handoutMasterIdLst>
-    <p:handoutMasterId r:id="rId64"/>
+    <p:handoutMasterId r:id="rId63"/>
   </p:handoutMasterIdLst>
   <p:sldIdLst>
     <p:sldId id="279" r:id="rId6"/>
@@ -59,15 +59,14 @@
     <p:sldId id="280" r:id="rId51"/>
     <p:sldId id="281" r:id="rId52"/>
     <p:sldId id="282" r:id="rId53"/>
-    <p:sldId id="283" r:id="rId54"/>
-    <p:sldId id="284" r:id="rId55"/>
-    <p:sldId id="285" r:id="rId56"/>
-    <p:sldId id="286" r:id="rId57"/>
-    <p:sldId id="287" r:id="rId58"/>
-    <p:sldId id="288" r:id="rId59"/>
-    <p:sldId id="296" r:id="rId60"/>
-    <p:sldId id="297" r:id="rId61"/>
-    <p:sldId id="475" r:id="rId62"/>
+    <p:sldId id="284" r:id="rId54"/>
+    <p:sldId id="285" r:id="rId55"/>
+    <p:sldId id="286" r:id="rId56"/>
+    <p:sldId id="287" r:id="rId57"/>
+    <p:sldId id="288" r:id="rId58"/>
+    <p:sldId id="296" r:id="rId59"/>
+    <p:sldId id="297" r:id="rId60"/>
+    <p:sldId id="475" r:id="rId61"/>
   </p:sldIdLst>
   <p:sldSz cx="9144000" cy="6858000" type="screen4x3"/>
   <p:notesSz cx="7315200" cy="9601200"/>
@@ -2080,7 +2079,7 @@
           <a:p>
             <a:fld id="{C5A2A3EB-BE87-4080-97A4-5341D2051EE4}" type="datetime1">
               <a:rPr lang="en-US" smtClean="0"/>
-              <a:t>9/4/2018</a:t>
+              <a:t>9/9/2018</a:t>
             </a:fld>
             <a:endParaRPr lang="en-US"/>
           </a:p>
@@ -7587,7 +7586,7 @@
         </p:nvSpPr>
         <p:spPr>
           <a:xfrm>
-            <a:off x="381000" y="1143000"/>
+            <a:off x="381000" y="1295400"/>
             <a:ext cx="8382000" cy="5181600"/>
           </a:xfrm>
         </p:spPr>
@@ -7598,83 +7597,87 @@
           <a:lstStyle/>
           <a:p>
             <a:r>
-              <a:rPr lang="en-US" dirty="0"/>
+              <a:rPr lang="en-US" sz="2400" dirty="0"/>
               <a:t>Basic Info</a:t>
             </a:r>
           </a:p>
           <a:p>
             <a:pPr lvl="1"/>
             <a:r>
-              <a:rPr lang="en-US" dirty="0"/>
+              <a:rPr lang="en-US" sz="2000" dirty="0"/>
               <a:t>What’s your name?</a:t>
             </a:r>
           </a:p>
           <a:p>
             <a:pPr lvl="1"/>
             <a:r>
-              <a:rPr lang="en-US" dirty="0"/>
+              <a:rPr lang="en-US" sz="2000" dirty="0"/>
               <a:t>Where do you work? (optional)</a:t>
             </a:r>
           </a:p>
           <a:p>
             <a:pPr lvl="1"/>
             <a:r>
-              <a:rPr lang="en-US" dirty="0"/>
+              <a:rPr lang="en-US" sz="2000" dirty="0"/>
               <a:t>How long have you been a developer?</a:t>
             </a:r>
+          </a:p>
+          <a:p>
+            <a:pPr lvl="1"/>
+            <a:endParaRPr lang="en-US" sz="2000" dirty="0"/>
           </a:p>
           <a:p>
             <a:pPr marL="347662" lvl="1" indent="0">
               <a:buNone/>
             </a:pPr>
-            <a:endParaRPr lang="en-US" sz="800" dirty="0"/>
-          </a:p>
-          <a:p>
-            <a:r>
-              <a:rPr lang="en-US" dirty="0"/>
+            <a:endParaRPr lang="en-US" sz="700" dirty="0"/>
+          </a:p>
+          <a:p>
+            <a:r>
+              <a:rPr lang="en-US" sz="2400" dirty="0"/>
               <a:t>List skills with which you already feel comfortable</a:t>
             </a:r>
           </a:p>
           <a:p>
             <a:pPr lvl="1"/>
             <a:r>
-              <a:rPr lang="en-US" dirty="0"/>
+              <a:rPr lang="en-US" sz="2000" dirty="0"/>
               <a:t>.NET programming with C# or VB.NET</a:t>
             </a:r>
           </a:p>
           <a:p>
             <a:pPr lvl="1"/>
             <a:r>
-              <a:rPr lang="en-US" dirty="0"/>
+              <a:rPr lang="en-US" sz="2000" dirty="0"/>
               <a:t>SharePoint farm solution development</a:t>
             </a:r>
           </a:p>
           <a:p>
             <a:pPr lvl="1"/>
             <a:r>
-              <a:rPr lang="en-US" dirty="0"/>
-              <a:t>JavaScript, jQuery and Angular</a:t>
+              <a:rPr lang="en-US" sz="2000" dirty="0"/>
+              <a:t>JavaScript and TypeScript</a:t>
             </a:r>
           </a:p>
           <a:p>
             <a:pPr lvl="1"/>
             <a:r>
-              <a:rPr lang="en-US" dirty="0"/>
+              <a:rPr lang="en-US" sz="2000" dirty="0"/>
+              <a:t>jQuery, React and Angular</a:t>
+            </a:r>
+          </a:p>
+          <a:p>
+            <a:pPr lvl="1"/>
+            <a:r>
+              <a:rPr lang="en-US" sz="2000" dirty="0"/>
               <a:t>Programming with REST and OData</a:t>
             </a:r>
           </a:p>
           <a:p>
             <a:pPr lvl="1"/>
             <a:r>
-              <a:rPr lang="en-US" dirty="0"/>
+              <a:rPr lang="en-US" sz="2000" dirty="0"/>
               <a:t>Developing with ASP.NET MVC and Web API</a:t>
-            </a:r>
-          </a:p>
-          <a:p>
-            <a:pPr lvl="1"/>
-            <a:r>
-              <a:rPr lang="en-US" dirty="0"/>
-              <a:t>Developing with AngularJS using version 1.0, 1.5 or 2.0</a:t>
             </a:r>
           </a:p>
         </p:txBody>
@@ -12635,56 +12638,58 @@
         </p:nvSpPr>
         <p:spPr/>
         <p:txBody>
-          <a:bodyPr>
-            <a:normAutofit/>
-          </a:bodyPr>
+          <a:bodyPr/>
           <a:lstStyle/>
           <a:p>
             <a:r>
-              <a:rPr lang="en-US" sz="2400" dirty="0"/>
+              <a:rPr lang="en-US"/>
               <a:t>Getting an Azure Subscription</a:t>
             </a:r>
           </a:p>
           <a:p>
             <a:pPr lvl="1"/>
             <a:r>
-              <a:rPr lang="en-US" sz="2000" dirty="0"/>
+              <a:rPr lang="en-US"/>
               <a:t>Sign up with paid-for account</a:t>
             </a:r>
           </a:p>
           <a:p>
             <a:pPr lvl="1"/>
             <a:r>
-              <a:rPr lang="en-US" sz="2000" dirty="0"/>
+              <a:rPr lang="en-US"/>
               <a:t>Get free Azure subscription with a MSDN Subscription</a:t>
             </a:r>
           </a:p>
           <a:p>
             <a:pPr lvl="1"/>
             <a:r>
-              <a:rPr lang="en-US" sz="2000" dirty="0"/>
+              <a:rPr lang="en-US"/>
               <a:t>Sign up for free 30-day trial account</a:t>
             </a:r>
           </a:p>
           <a:p>
-            <a:r>
-              <a:rPr lang="en-US" sz="2400" dirty="0"/>
+            <a:endParaRPr lang="en-US"/>
+          </a:p>
+          <a:p>
+            <a:r>
+              <a:rPr lang="en-US"/>
               <a:t>Signing up for free trial account</a:t>
             </a:r>
           </a:p>
           <a:p>
             <a:pPr lvl="1"/>
             <a:r>
-              <a:rPr lang="en-US" sz="2000" dirty="0"/>
+              <a:rPr lang="en-US"/>
               <a:t>Navigate to Azure Portal using Office 365 credentials</a:t>
             </a:r>
           </a:p>
           <a:p>
             <a:pPr lvl="1"/>
             <a:r>
-              <a:rPr lang="en-US" sz="2000" dirty="0"/>
+              <a:rPr lang="en-US"/>
               <a:t>When prompted, sign up for a trial</a:t>
             </a:r>
+            <a:endParaRPr lang="en-US" dirty="0"/>
           </a:p>
         </p:txBody>
       </p:sp>
@@ -13682,232 +13687,6 @@
           <a:p>
             <a:r>
               <a:rPr lang="en-US" dirty="0"/>
-              <a:t>Parameter Arrays</a:t>
-            </a:r>
-          </a:p>
-        </p:txBody>
-      </p:sp>
-      <p:pic>
-        <p:nvPicPr>
-          <p:cNvPr id="4" name="Picture 3"/>
-          <p:cNvPicPr>
-            <a:picLocks noChangeAspect="1"/>
-          </p:cNvPicPr>
-          <p:nvPr/>
-        </p:nvPicPr>
-        <p:blipFill>
-          <a:blip r:embed="rId2"/>
-          <a:stretch>
-            <a:fillRect/>
-          </a:stretch>
-        </p:blipFill>
-        <p:spPr>
-          <a:xfrm>
-            <a:off x="533400" y="1524000"/>
-            <a:ext cx="6430950" cy="3426899"/>
-          </a:xfrm>
-          <a:prstGeom prst="rect">
-            <a:avLst/>
-          </a:prstGeom>
-          <a:ln>
-            <a:solidFill>
-              <a:schemeClr val="bg1">
-                <a:lumMod val="50000"/>
-              </a:schemeClr>
-            </a:solidFill>
-          </a:ln>
-        </p:spPr>
-      </p:pic>
-    </p:spTree>
-    <p:extLst>
-      <p:ext uri="{BB962C8B-B14F-4D97-AF65-F5344CB8AC3E}">
-        <p14:creationId xmlns:p14="http://schemas.microsoft.com/office/powerpoint/2010/main" val="896411988"/>
-      </p:ext>
-    </p:extLst>
-  </p:cSld>
-  <p:clrMapOvr>
-    <a:masterClrMapping/>
-  </p:clrMapOvr>
-</p:sld>
-</file>
-
-<file path=ppt/slides/slide5.xml><?xml version="1.0" encoding="utf-8"?>
-<p:sld xmlns:a="http://schemas.openxmlformats.org/drawingml/2006/main" xmlns:r="http://schemas.openxmlformats.org/officeDocument/2006/relationships" xmlns:p="http://schemas.openxmlformats.org/presentationml/2006/main">
-  <p:cSld>
-    <p:spTree>
-      <p:nvGrpSpPr>
-        <p:cNvPr id="1" name=""/>
-        <p:cNvGrpSpPr/>
-        <p:nvPr/>
-      </p:nvGrpSpPr>
-      <p:grpSpPr>
-        <a:xfrm>
-          <a:off x="0" y="0"/>
-          <a:ext cx="0" cy="0"/>
-          <a:chOff x="0" y="0"/>
-          <a:chExt cx="0" cy="0"/>
-        </a:xfrm>
-      </p:grpSpPr>
-      <p:sp>
-        <p:nvSpPr>
-          <p:cNvPr id="2" name="Title 1"/>
-          <p:cNvSpPr>
-            <a:spLocks noGrp="1"/>
-          </p:cNvSpPr>
-          <p:nvPr>
-            <p:ph type="title"/>
-          </p:nvPr>
-        </p:nvSpPr>
-        <p:spPr/>
-        <p:txBody>
-          <a:bodyPr/>
-          <a:lstStyle/>
-          <a:p>
-            <a:r>
-              <a:rPr lang="en-US"/>
-              <a:t>SharePoint App Add-in Model</a:t>
-            </a:r>
-            <a:endParaRPr lang="en-US" dirty="0"/>
-          </a:p>
-        </p:txBody>
-      </p:sp>
-      <p:sp>
-        <p:nvSpPr>
-          <p:cNvPr id="3" name="Content Placeholder 2"/>
-          <p:cNvSpPr>
-            <a:spLocks noGrp="1"/>
-          </p:cNvSpPr>
-          <p:nvPr>
-            <p:ph idx="1"/>
-          </p:nvPr>
-        </p:nvSpPr>
-        <p:spPr/>
-        <p:txBody>
-          <a:bodyPr>
-            <a:normAutofit/>
-          </a:bodyPr>
-          <a:lstStyle/>
-          <a:p>
-            <a:r>
-              <a:rPr lang="en-US" sz="2400" dirty="0"/>
-              <a:t>SharePoint 2013 introduced new development model</a:t>
-            </a:r>
-          </a:p>
-          <a:p>
-            <a:pPr lvl="1"/>
-            <a:r>
-              <a:rPr lang="en-US" sz="2000" dirty="0"/>
-              <a:t>Originally introduced as "SharePoint App” model</a:t>
-            </a:r>
-          </a:p>
-          <a:p>
-            <a:pPr lvl="1"/>
-            <a:r>
-              <a:rPr lang="en-US" sz="2000" dirty="0"/>
-              <a:t>Marketing folks renamed "SharePoint App” to "SharePoint Add-in”</a:t>
-            </a:r>
-          </a:p>
-          <a:p>
-            <a:pPr lvl="1"/>
-            <a:endParaRPr lang="en-US" sz="2000" dirty="0"/>
-          </a:p>
-          <a:p>
-            <a:r>
-              <a:rPr lang="en-US" sz="2400" dirty="0"/>
-              <a:t>Add-in model designed to replace farm solutions</a:t>
-            </a:r>
-          </a:p>
-          <a:p>
-            <a:pPr lvl="1"/>
-            <a:r>
-              <a:rPr lang="en-US" sz="2000" dirty="0"/>
-              <a:t>Add-ins designed to supported SPO and SharePoint on-premises</a:t>
-            </a:r>
-          </a:p>
-          <a:p>
-            <a:pPr lvl="1"/>
-            <a:r>
-              <a:rPr lang="en-US" sz="2000" dirty="0"/>
-              <a:t>Add-in code not allowed to run on SharePoint host server</a:t>
-            </a:r>
-          </a:p>
-          <a:p>
-            <a:pPr lvl="1"/>
-            <a:r>
-              <a:rPr lang="en-US" sz="2000" dirty="0"/>
-              <a:t>Add-in talks to SharePoint using REST and CSOM</a:t>
-            </a:r>
-          </a:p>
-          <a:p>
-            <a:pPr lvl="1"/>
-            <a:r>
-              <a:rPr lang="en-US" sz="2000" dirty="0"/>
-              <a:t>Add-in authenticates and establishes add-in identity</a:t>
-            </a:r>
-          </a:p>
-          <a:p>
-            <a:pPr lvl="1"/>
-            <a:r>
-              <a:rPr lang="en-US" sz="2000" dirty="0"/>
-              <a:t>Add-in has permissions independent of user</a:t>
-            </a:r>
-          </a:p>
-          <a:p>
-            <a:pPr lvl="1"/>
-            <a:r>
-              <a:rPr lang="en-US" sz="2000" dirty="0"/>
-              <a:t>Add-ins deployed to catalogs using publishing scheme</a:t>
-            </a:r>
-          </a:p>
-        </p:txBody>
-      </p:sp>
-    </p:spTree>
-    <p:extLst>
-      <p:ext uri="{BB962C8B-B14F-4D97-AF65-F5344CB8AC3E}">
-        <p14:creationId xmlns:p14="http://schemas.microsoft.com/office/powerpoint/2010/main" val="278137820"/>
-      </p:ext>
-    </p:extLst>
-  </p:cSld>
-  <p:clrMapOvr>
-    <a:masterClrMapping/>
-  </p:clrMapOvr>
-</p:sld>
-</file>
-
-<file path=ppt/slides/slide50.xml><?xml version="1.0" encoding="utf-8"?>
-<p:sld xmlns:a="http://schemas.openxmlformats.org/drawingml/2006/main" xmlns:r="http://schemas.openxmlformats.org/officeDocument/2006/relationships" xmlns:p="http://schemas.openxmlformats.org/presentationml/2006/main">
-  <p:cSld>
-    <p:spTree>
-      <p:nvGrpSpPr>
-        <p:cNvPr id="1" name=""/>
-        <p:cNvGrpSpPr/>
-        <p:nvPr/>
-      </p:nvGrpSpPr>
-      <p:grpSpPr>
-        <a:xfrm>
-          <a:off x="0" y="0"/>
-          <a:ext cx="0" cy="0"/>
-          <a:chOff x="0" y="0"/>
-          <a:chExt cx="0" cy="0"/>
-        </a:xfrm>
-      </p:grpSpPr>
-      <p:sp>
-        <p:nvSpPr>
-          <p:cNvPr id="2" name="Title 1"/>
-          <p:cNvSpPr>
-            <a:spLocks noGrp="1"/>
-          </p:cNvSpPr>
-          <p:nvPr>
-            <p:ph type="title"/>
-          </p:nvPr>
-        </p:nvSpPr>
-        <p:spPr/>
-        <p:txBody>
-          <a:bodyPr/>
-          <a:lstStyle/>
-          <a:p>
-            <a:r>
-              <a:rPr lang="en-US" dirty="0"/>
               <a:t>Arrow Function Syntax</a:t>
             </a:r>
           </a:p>
@@ -13995,7 +13774,150 @@
 </p:sld>
 </file>
 
-<file path=ppt/slides/slide51.xml><?xml version="1.0" encoding="utf-8"?>
+<file path=ppt/slides/slide5.xml><?xml version="1.0" encoding="utf-8"?>
+<p:sld xmlns:a="http://schemas.openxmlformats.org/drawingml/2006/main" xmlns:r="http://schemas.openxmlformats.org/officeDocument/2006/relationships" xmlns:p="http://schemas.openxmlformats.org/presentationml/2006/main">
+  <p:cSld>
+    <p:spTree>
+      <p:nvGrpSpPr>
+        <p:cNvPr id="1" name=""/>
+        <p:cNvGrpSpPr/>
+        <p:nvPr/>
+      </p:nvGrpSpPr>
+      <p:grpSpPr>
+        <a:xfrm>
+          <a:off x="0" y="0"/>
+          <a:ext cx="0" cy="0"/>
+          <a:chOff x="0" y="0"/>
+          <a:chExt cx="0" cy="0"/>
+        </a:xfrm>
+      </p:grpSpPr>
+      <p:sp>
+        <p:nvSpPr>
+          <p:cNvPr id="2" name="Title 1"/>
+          <p:cNvSpPr>
+            <a:spLocks noGrp="1"/>
+          </p:cNvSpPr>
+          <p:nvPr>
+            <p:ph type="title"/>
+          </p:nvPr>
+        </p:nvSpPr>
+        <p:spPr/>
+        <p:txBody>
+          <a:bodyPr/>
+          <a:lstStyle/>
+          <a:p>
+            <a:r>
+              <a:rPr lang="en-US"/>
+              <a:t>SharePoint App Add-in Model</a:t>
+            </a:r>
+            <a:endParaRPr lang="en-US" dirty="0"/>
+          </a:p>
+        </p:txBody>
+      </p:sp>
+      <p:sp>
+        <p:nvSpPr>
+          <p:cNvPr id="3" name="Content Placeholder 2"/>
+          <p:cNvSpPr>
+            <a:spLocks noGrp="1"/>
+          </p:cNvSpPr>
+          <p:nvPr>
+            <p:ph idx="1"/>
+          </p:nvPr>
+        </p:nvSpPr>
+        <p:spPr/>
+        <p:txBody>
+          <a:bodyPr>
+            <a:normAutofit/>
+          </a:bodyPr>
+          <a:lstStyle/>
+          <a:p>
+            <a:r>
+              <a:rPr lang="en-US" sz="2400" dirty="0"/>
+              <a:t>SharePoint 2013 introduced new development model</a:t>
+            </a:r>
+          </a:p>
+          <a:p>
+            <a:pPr lvl="1"/>
+            <a:r>
+              <a:rPr lang="en-US" sz="2000" dirty="0"/>
+              <a:t>Originally introduced as "SharePoint App” model</a:t>
+            </a:r>
+          </a:p>
+          <a:p>
+            <a:pPr lvl="1"/>
+            <a:r>
+              <a:rPr lang="en-US" sz="2000" dirty="0"/>
+              <a:t>Marketing folks renamed "SharePoint App” to "SharePoint Add-in”</a:t>
+            </a:r>
+          </a:p>
+          <a:p>
+            <a:pPr lvl="1"/>
+            <a:endParaRPr lang="en-US" sz="2000" dirty="0"/>
+          </a:p>
+          <a:p>
+            <a:r>
+              <a:rPr lang="en-US" sz="2400" dirty="0"/>
+              <a:t>Add-in model designed to replace farm solutions</a:t>
+            </a:r>
+          </a:p>
+          <a:p>
+            <a:pPr lvl="1"/>
+            <a:r>
+              <a:rPr lang="en-US" sz="2000" dirty="0"/>
+              <a:t>Add-ins designed to supported SPO and SharePoint on-premises</a:t>
+            </a:r>
+          </a:p>
+          <a:p>
+            <a:pPr lvl="1"/>
+            <a:r>
+              <a:rPr lang="en-US" sz="2000" dirty="0"/>
+              <a:t>Add-in code not allowed to run on SharePoint host server</a:t>
+            </a:r>
+          </a:p>
+          <a:p>
+            <a:pPr lvl="1"/>
+            <a:r>
+              <a:rPr lang="en-US" sz="2000" dirty="0"/>
+              <a:t>Add-in talks to SharePoint using REST and CSOM</a:t>
+            </a:r>
+          </a:p>
+          <a:p>
+            <a:pPr lvl="1"/>
+            <a:r>
+              <a:rPr lang="en-US" sz="2000" dirty="0"/>
+              <a:t>Add-in authenticates and establishes add-in identity</a:t>
+            </a:r>
+          </a:p>
+          <a:p>
+            <a:pPr lvl="1"/>
+            <a:r>
+              <a:rPr lang="en-US" sz="2000" dirty="0"/>
+              <a:t>Add-in has permissions independent of user</a:t>
+            </a:r>
+          </a:p>
+          <a:p>
+            <a:pPr lvl="1"/>
+            <a:r>
+              <a:rPr lang="en-US" sz="2000" dirty="0"/>
+              <a:t>Add-ins deployed to catalogs using publishing scheme</a:t>
+            </a:r>
+          </a:p>
+        </p:txBody>
+      </p:sp>
+    </p:spTree>
+    <p:extLst>
+      <p:ext uri="{BB962C8B-B14F-4D97-AF65-F5344CB8AC3E}">
+        <p14:creationId xmlns:p14="http://schemas.microsoft.com/office/powerpoint/2010/main" val="278137820"/>
+      </p:ext>
+    </p:extLst>
+  </p:cSld>
+  <p:clrMapOvr>
+    <a:masterClrMapping/>
+  </p:clrMapOvr>
+</p:sld>
+</file>
+
+<file path=ppt/slides/slide50.xml><?xml version="1.0" encoding="utf-8"?>
 <p:sld xmlns:a="http://schemas.openxmlformats.org/drawingml/2006/main" xmlns:r="http://schemas.openxmlformats.org/officeDocument/2006/relationships" xmlns:p="http://schemas.openxmlformats.org/presentationml/2006/main">
   <p:cSld>
     <p:spTree>
@@ -14158,7 +14080,7 @@
 </p:sld>
 </file>
 
-<file path=ppt/slides/slide52.xml><?xml version="1.0" encoding="utf-8"?>
+<file path=ppt/slides/slide51.xml><?xml version="1.0" encoding="utf-8"?>
 <p:sld xmlns:a="http://schemas.openxmlformats.org/drawingml/2006/main" xmlns:r="http://schemas.openxmlformats.org/officeDocument/2006/relationships" xmlns:p="http://schemas.openxmlformats.org/presentationml/2006/main">
   <p:cSld>
     <p:spTree>
@@ -14322,7 +14244,7 @@
 </p:sld>
 </file>
 
-<file path=ppt/slides/slide53.xml><?xml version="1.0" encoding="utf-8"?>
+<file path=ppt/slides/slide52.xml><?xml version="1.0" encoding="utf-8"?>
 <p:sld xmlns:a="http://schemas.openxmlformats.org/drawingml/2006/main" xmlns:r="http://schemas.openxmlformats.org/officeDocument/2006/relationships" xmlns:p="http://schemas.openxmlformats.org/presentationml/2006/main">
   <p:cSld>
     <p:spTree>
@@ -14534,7 +14456,7 @@
 </p:sld>
 </file>
 
-<file path=ppt/slides/slide54.xml><?xml version="1.0" encoding="utf-8"?>
+<file path=ppt/slides/slide53.xml><?xml version="1.0" encoding="utf-8"?>
 <p:sld xmlns:a="http://schemas.openxmlformats.org/drawingml/2006/main" xmlns:r="http://schemas.openxmlformats.org/officeDocument/2006/relationships" xmlns:p="http://schemas.openxmlformats.org/presentationml/2006/main">
   <p:cSld>
     <p:spTree>
@@ -14756,7 +14678,7 @@
 </p:sld>
 </file>
 
-<file path=ppt/slides/slide55.xml><?xml version="1.0" encoding="utf-8"?>
+<file path=ppt/slides/slide54.xml><?xml version="1.0" encoding="utf-8"?>
 <p:sld xmlns:a="http://schemas.openxmlformats.org/drawingml/2006/main" xmlns:r="http://schemas.openxmlformats.org/officeDocument/2006/relationships" xmlns:p="http://schemas.openxmlformats.org/presentationml/2006/main">
   <p:cSld>
     <p:spTree>
@@ -14949,7 +14871,7 @@
 </p:sld>
 </file>
 
-<file path=ppt/slides/slide56.xml><?xml version="1.0" encoding="utf-8"?>
+<file path=ppt/slides/slide55.xml><?xml version="1.0" encoding="utf-8"?>
 <p:sld xmlns:a="http://schemas.openxmlformats.org/drawingml/2006/main" xmlns:r="http://schemas.openxmlformats.org/officeDocument/2006/relationships" xmlns:p="http://schemas.openxmlformats.org/presentationml/2006/main">
   <p:cSld>
     <p:spTree>
@@ -15313,7 +15235,7 @@
 </p:sld>
 </file>
 
-<file path=ppt/slides/slide57.xml><?xml version="1.0" encoding="utf-8"?>
+<file path=ppt/slides/slide56.xml><?xml version="1.0" encoding="utf-8"?>
 <p:sld xmlns:a="http://schemas.openxmlformats.org/drawingml/2006/main" xmlns:r="http://schemas.openxmlformats.org/officeDocument/2006/relationships" xmlns:p="http://schemas.openxmlformats.org/presentationml/2006/main">
   <p:cSld>
     <p:spTree>
@@ -16122,7 +16044,7 @@
                   <a:schemeClr val="tx1"/>
                 </a:solidFill>
               </a:rPr>
-              <a:t>JavaScript</a:t>
+              <a:t>TypeScript</a:t>
             </a:r>
           </a:p>
         </p:txBody>
@@ -17764,6 +17686,126 @@
 </file>
 
 <file path=customXml/item1.xml><?xml version="1.0" encoding="utf-8"?>
+<p:properties xmlns:p="http://schemas.microsoft.com/office/2006/metadata/properties" xmlns:xsi="http://www.w3.org/2001/XMLSchema-instance">
+  <documentManagement/>
+</p:properties>
+</file>
+
+<file path=customXml/item2.xml><?xml version="1.0" encoding="utf-8"?>
+<ct:contentTypeSchema xmlns:ct="http://schemas.microsoft.com/office/2006/metadata/contentType" xmlns:ma="http://schemas.microsoft.com/office/2006/metadata/properties/metaAttributes" ct:_="" ma:_="" ma:contentTypeName="Document" ma:contentTypeID="0x01010043F7775CCE86F349BB7C51FB3CE6B150" ma:contentTypeVersion="0" ma:contentTypeDescription="Create a new document." ma:contentTypeScope="" ma:versionID="bb563817a2861b6b5994bd26a2ba9e40">
+  <xsd:schema xmlns:xsd="http://www.w3.org/2001/XMLSchema" xmlns:xs="http://www.w3.org/2001/XMLSchema" xmlns:p="http://schemas.microsoft.com/office/2006/metadata/properties" targetNamespace="http://schemas.microsoft.com/office/2006/metadata/properties" ma:root="true" ma:fieldsID="c64490b4aec6201516c3a874156f37b2">
+    <xsd:element name="properties">
+      <xsd:complexType>
+        <xsd:sequence>
+          <xsd:element name="documentManagement">
+            <xsd:complexType>
+              <xsd:all/>
+            </xsd:complexType>
+          </xsd:element>
+        </xsd:sequence>
+      </xsd:complexType>
+    </xsd:element>
+  </xsd:schema>
+  <xsd:schema xmlns="http://schemas.openxmlformats.org/package/2006/metadata/core-properties" xmlns:xsd="http://www.w3.org/2001/XMLSchema" xmlns:xsi="http://www.w3.org/2001/XMLSchema-instance" xmlns:dc="http://purl.org/dc/elements/1.1/" xmlns:dcterms="http://purl.org/dc/terms/" xmlns:odoc="http://schemas.microsoft.com/internal/obd" targetNamespace="http://schemas.openxmlformats.org/package/2006/metadata/core-properties" elementFormDefault="qualified" attributeFormDefault="unqualified" blockDefault="#all">
+    <xsd:import namespace="http://purl.org/dc/elements/1.1/" schemaLocation="http://dublincore.org/schemas/xmls/qdc/2003/04/02/dc.xsd"/>
+    <xsd:import namespace="http://purl.org/dc/terms/" schemaLocation="http://dublincore.org/schemas/xmls/qdc/2003/04/02/dcterms.xsd"/>
+    <xsd:element name="coreProperties" type="CT_coreProperties"/>
+    <xsd:complexType name="CT_coreProperties">
+      <xsd:all>
+        <xsd:element ref="dc:creator" minOccurs="0" maxOccurs="1"/>
+        <xsd:element ref="dcterms:created" minOccurs="0" maxOccurs="1"/>
+        <xsd:element ref="dc:identifier" minOccurs="0" maxOccurs="1"/>
+        <xsd:element name="contentType" minOccurs="0" maxOccurs="1" type="xsd:string" ma:index="0" ma:displayName="Content Type"/>
+        <xsd:element ref="dc:title" minOccurs="0" maxOccurs="1" ma:index="4" ma:displayName="Title"/>
+        <xsd:element ref="dc:subject" minOccurs="0" maxOccurs="1"/>
+        <xsd:element ref="dc:description" minOccurs="0" maxOccurs="1"/>
+        <xsd:element name="keywords" minOccurs="0" maxOccurs="1" type="xsd:string"/>
+        <xsd:element ref="dc:language" minOccurs="0" maxOccurs="1"/>
+        <xsd:element name="category" minOccurs="0" maxOccurs="1" type="xsd:string"/>
+        <xsd:element name="version" minOccurs="0" maxOccurs="1" type="xsd:string"/>
+        <xsd:element name="revision" minOccurs="0" maxOccurs="1" type="xsd:string">
+          <xsd:annotation>
+            <xsd:documentation>
+                        This value indicates the number of saves or revisions. The application is responsible for updating this value after each revision.
+                    </xsd:documentation>
+          </xsd:annotation>
+        </xsd:element>
+        <xsd:element name="lastModifiedBy" minOccurs="0" maxOccurs="1" type="xsd:string"/>
+        <xsd:element ref="dcterms:modified" minOccurs="0" maxOccurs="1"/>
+        <xsd:element name="contentStatus" minOccurs="0" maxOccurs="1" type="xsd:string"/>
+      </xsd:all>
+    </xsd:complexType>
+  </xsd:schema>
+  <xs:schema xmlns:pc="http://schemas.microsoft.com/office/infopath/2007/PartnerControls" xmlns:xs="http://www.w3.org/2001/XMLSchema" targetNamespace="http://schemas.microsoft.com/office/infopath/2007/PartnerControls" elementFormDefault="qualified" attributeFormDefault="unqualified">
+    <xs:element name="Person">
+      <xs:complexType>
+        <xs:sequence>
+          <xs:element ref="pc:DisplayName" minOccurs="0"/>
+          <xs:element ref="pc:AccountId" minOccurs="0"/>
+          <xs:element ref="pc:AccountType" minOccurs="0"/>
+        </xs:sequence>
+      </xs:complexType>
+    </xs:element>
+    <xs:element name="DisplayName" type="xs:string"/>
+    <xs:element name="AccountId" type="xs:string"/>
+    <xs:element name="AccountType" type="xs:string"/>
+    <xs:element name="BDCAssociatedEntity">
+      <xs:complexType>
+        <xs:sequence>
+          <xs:element ref="pc:BDCEntity" minOccurs="0" maxOccurs="unbounded"/>
+        </xs:sequence>
+        <xs:attribute ref="pc:EntityNamespace"/>
+        <xs:attribute ref="pc:EntityName"/>
+        <xs:attribute ref="pc:SystemInstanceName"/>
+        <xs:attribute ref="pc:AssociationName"/>
+      </xs:complexType>
+    </xs:element>
+    <xs:attribute name="EntityNamespace" type="xs:string"/>
+    <xs:attribute name="EntityName" type="xs:string"/>
+    <xs:attribute name="SystemInstanceName" type="xs:string"/>
+    <xs:attribute name="AssociationName" type="xs:string"/>
+    <xs:element name="BDCEntity">
+      <xs:complexType>
+        <xs:sequence>
+          <xs:element ref="pc:EntityDisplayName" minOccurs="0"/>
+          <xs:element ref="pc:EntityInstanceReference" minOccurs="0"/>
+          <xs:element ref="pc:EntityId1" minOccurs="0"/>
+          <xs:element ref="pc:EntityId2" minOccurs="0"/>
+          <xs:element ref="pc:EntityId3" minOccurs="0"/>
+          <xs:element ref="pc:EntityId4" minOccurs="0"/>
+          <xs:element ref="pc:EntityId5" minOccurs="0"/>
+        </xs:sequence>
+      </xs:complexType>
+    </xs:element>
+    <xs:element name="EntityDisplayName" type="xs:string"/>
+    <xs:element name="EntityInstanceReference" type="xs:string"/>
+    <xs:element name="EntityId1" type="xs:string"/>
+    <xs:element name="EntityId2" type="xs:string"/>
+    <xs:element name="EntityId3" type="xs:string"/>
+    <xs:element name="EntityId4" type="xs:string"/>
+    <xs:element name="EntityId5" type="xs:string"/>
+    <xs:element name="Terms">
+      <xs:complexType>
+        <xs:sequence>
+          <xs:element ref="pc:TermInfo" minOccurs="0" maxOccurs="unbounded"/>
+        </xs:sequence>
+      </xs:complexType>
+    </xs:element>
+    <xs:element name="TermInfo">
+      <xs:complexType>
+        <xs:sequence>
+          <xs:element ref="pc:TermName" minOccurs="0"/>
+          <xs:element ref="pc:TermId" minOccurs="0"/>
+        </xs:sequence>
+      </xs:complexType>
+    </xs:element>
+    <xs:element name="TermName" type="xs:string"/>
+    <xs:element name="TermId" type="xs:string"/>
+  </xs:schema>
+</ct:contentTypeSchema>
+</file>
+
+<file path=customXml/item3.xml><?xml version="1.0" encoding="utf-8"?>
 <outs:outSpaceData xmlns:outs="http://schemas.microsoft.com/office/2009/outspace/metadata">
   <outs:relatedDates>
     <outs:relatedDate>
@@ -17913,126 +17955,6 @@
 </outs:outSpaceData>
 </file>
 
-<file path=customXml/item2.xml><?xml version="1.0" encoding="utf-8"?>
-<p:properties xmlns:p="http://schemas.microsoft.com/office/2006/metadata/properties" xmlns:xsi="http://www.w3.org/2001/XMLSchema-instance">
-  <documentManagement/>
-</p:properties>
-</file>
-
-<file path=customXml/item3.xml><?xml version="1.0" encoding="utf-8"?>
-<ct:contentTypeSchema xmlns:ct="http://schemas.microsoft.com/office/2006/metadata/contentType" xmlns:ma="http://schemas.microsoft.com/office/2006/metadata/properties/metaAttributes" ct:_="" ma:_="" ma:contentTypeName="Document" ma:contentTypeID="0x01010043F7775CCE86F349BB7C51FB3CE6B150" ma:contentTypeVersion="0" ma:contentTypeDescription="Create a new document." ma:contentTypeScope="" ma:versionID="bb563817a2861b6b5994bd26a2ba9e40">
-  <xsd:schema xmlns:xsd="http://www.w3.org/2001/XMLSchema" xmlns:xs="http://www.w3.org/2001/XMLSchema" xmlns:p="http://schemas.microsoft.com/office/2006/metadata/properties" targetNamespace="http://schemas.microsoft.com/office/2006/metadata/properties" ma:root="true" ma:fieldsID="c64490b4aec6201516c3a874156f37b2">
-    <xsd:element name="properties">
-      <xsd:complexType>
-        <xsd:sequence>
-          <xsd:element name="documentManagement">
-            <xsd:complexType>
-              <xsd:all/>
-            </xsd:complexType>
-          </xsd:element>
-        </xsd:sequence>
-      </xsd:complexType>
-    </xsd:element>
-  </xsd:schema>
-  <xsd:schema xmlns="http://schemas.openxmlformats.org/package/2006/metadata/core-properties" xmlns:xsd="http://www.w3.org/2001/XMLSchema" xmlns:xsi="http://www.w3.org/2001/XMLSchema-instance" xmlns:dc="http://purl.org/dc/elements/1.1/" xmlns:dcterms="http://purl.org/dc/terms/" xmlns:odoc="http://schemas.microsoft.com/internal/obd" targetNamespace="http://schemas.openxmlformats.org/package/2006/metadata/core-properties" elementFormDefault="qualified" attributeFormDefault="unqualified" blockDefault="#all">
-    <xsd:import namespace="http://purl.org/dc/elements/1.1/" schemaLocation="http://dublincore.org/schemas/xmls/qdc/2003/04/02/dc.xsd"/>
-    <xsd:import namespace="http://purl.org/dc/terms/" schemaLocation="http://dublincore.org/schemas/xmls/qdc/2003/04/02/dcterms.xsd"/>
-    <xsd:element name="coreProperties" type="CT_coreProperties"/>
-    <xsd:complexType name="CT_coreProperties">
-      <xsd:all>
-        <xsd:element ref="dc:creator" minOccurs="0" maxOccurs="1"/>
-        <xsd:element ref="dcterms:created" minOccurs="0" maxOccurs="1"/>
-        <xsd:element ref="dc:identifier" minOccurs="0" maxOccurs="1"/>
-        <xsd:element name="contentType" minOccurs="0" maxOccurs="1" type="xsd:string" ma:index="0" ma:displayName="Content Type"/>
-        <xsd:element ref="dc:title" minOccurs="0" maxOccurs="1" ma:index="4" ma:displayName="Title"/>
-        <xsd:element ref="dc:subject" minOccurs="0" maxOccurs="1"/>
-        <xsd:element ref="dc:description" minOccurs="0" maxOccurs="1"/>
-        <xsd:element name="keywords" minOccurs="0" maxOccurs="1" type="xsd:string"/>
-        <xsd:element ref="dc:language" minOccurs="0" maxOccurs="1"/>
-        <xsd:element name="category" minOccurs="0" maxOccurs="1" type="xsd:string"/>
-        <xsd:element name="version" minOccurs="0" maxOccurs="1" type="xsd:string"/>
-        <xsd:element name="revision" minOccurs="0" maxOccurs="1" type="xsd:string">
-          <xsd:annotation>
-            <xsd:documentation>
-                        This value indicates the number of saves or revisions. The application is responsible for updating this value after each revision.
-                    </xsd:documentation>
-          </xsd:annotation>
-        </xsd:element>
-        <xsd:element name="lastModifiedBy" minOccurs="0" maxOccurs="1" type="xsd:string"/>
-        <xsd:element ref="dcterms:modified" minOccurs="0" maxOccurs="1"/>
-        <xsd:element name="contentStatus" minOccurs="0" maxOccurs="1" type="xsd:string"/>
-      </xsd:all>
-    </xsd:complexType>
-  </xsd:schema>
-  <xs:schema xmlns:pc="http://schemas.microsoft.com/office/infopath/2007/PartnerControls" xmlns:xs="http://www.w3.org/2001/XMLSchema" targetNamespace="http://schemas.microsoft.com/office/infopath/2007/PartnerControls" elementFormDefault="qualified" attributeFormDefault="unqualified">
-    <xs:element name="Person">
-      <xs:complexType>
-        <xs:sequence>
-          <xs:element ref="pc:DisplayName" minOccurs="0"/>
-          <xs:element ref="pc:AccountId" minOccurs="0"/>
-          <xs:element ref="pc:AccountType" minOccurs="0"/>
-        </xs:sequence>
-      </xs:complexType>
-    </xs:element>
-    <xs:element name="DisplayName" type="xs:string"/>
-    <xs:element name="AccountId" type="xs:string"/>
-    <xs:element name="AccountType" type="xs:string"/>
-    <xs:element name="BDCAssociatedEntity">
-      <xs:complexType>
-        <xs:sequence>
-          <xs:element ref="pc:BDCEntity" minOccurs="0" maxOccurs="unbounded"/>
-        </xs:sequence>
-        <xs:attribute ref="pc:EntityNamespace"/>
-        <xs:attribute ref="pc:EntityName"/>
-        <xs:attribute ref="pc:SystemInstanceName"/>
-        <xs:attribute ref="pc:AssociationName"/>
-      </xs:complexType>
-    </xs:element>
-    <xs:attribute name="EntityNamespace" type="xs:string"/>
-    <xs:attribute name="EntityName" type="xs:string"/>
-    <xs:attribute name="SystemInstanceName" type="xs:string"/>
-    <xs:attribute name="AssociationName" type="xs:string"/>
-    <xs:element name="BDCEntity">
-      <xs:complexType>
-        <xs:sequence>
-          <xs:element ref="pc:EntityDisplayName" minOccurs="0"/>
-          <xs:element ref="pc:EntityInstanceReference" minOccurs="0"/>
-          <xs:element ref="pc:EntityId1" minOccurs="0"/>
-          <xs:element ref="pc:EntityId2" minOccurs="0"/>
-          <xs:element ref="pc:EntityId3" minOccurs="0"/>
-          <xs:element ref="pc:EntityId4" minOccurs="0"/>
-          <xs:element ref="pc:EntityId5" minOccurs="0"/>
-        </xs:sequence>
-      </xs:complexType>
-    </xs:element>
-    <xs:element name="EntityDisplayName" type="xs:string"/>
-    <xs:element name="EntityInstanceReference" type="xs:string"/>
-    <xs:element name="EntityId1" type="xs:string"/>
-    <xs:element name="EntityId2" type="xs:string"/>
-    <xs:element name="EntityId3" type="xs:string"/>
-    <xs:element name="EntityId4" type="xs:string"/>
-    <xs:element name="EntityId5" type="xs:string"/>
-    <xs:element name="Terms">
-      <xs:complexType>
-        <xs:sequence>
-          <xs:element ref="pc:TermInfo" minOccurs="0" maxOccurs="unbounded"/>
-        </xs:sequence>
-      </xs:complexType>
-    </xs:element>
-    <xs:element name="TermInfo">
-      <xs:complexType>
-        <xs:sequence>
-          <xs:element ref="pc:TermName" minOccurs="0"/>
-          <xs:element ref="pc:TermId" minOccurs="0"/>
-        </xs:sequence>
-      </xs:complexType>
-    </xs:element>
-    <xs:element name="TermName" type="xs:string"/>
-    <xs:element name="TermId" type="xs:string"/>
-  </xs:schema>
-</ct:contentTypeSchema>
-</file>
-
 <file path=customXml/item4.xml><?xml version="1.0" encoding="utf-8"?>
 <?mso-contentType ?>
 <FormTemplates xmlns="http://schemas.microsoft.com/sharepoint/v3/contenttype/forms">
@@ -18043,14 +17965,6 @@
 </file>
 
 <file path=customXml/itemProps1.xml><?xml version="1.0" encoding="utf-8"?>
-<ds:datastoreItem xmlns:ds="http://schemas.openxmlformats.org/officeDocument/2006/customXml" ds:itemID="{8865FC99-B6BD-4E98-8312-F4F432C217EA}">
-  <ds:schemaRefs>
-    <ds:schemaRef ds:uri="http://schemas.microsoft.com/office/2009/outspace/metadata"/>
-  </ds:schemaRefs>
-</ds:datastoreItem>
-</file>
-
-<file path=customXml/itemProps2.xml><?xml version="1.0" encoding="utf-8"?>
 <ds:datastoreItem xmlns:ds="http://schemas.openxmlformats.org/officeDocument/2006/customXml" ds:itemID="{A5547237-B119-45CA-BEFC-A2DA2BDB03E7}">
   <ds:schemaRefs>
     <ds:schemaRef ds:uri="http://schemas.microsoft.com/office/2006/documentManagement/types"/>
@@ -18065,7 +17979,7 @@
 </ds:datastoreItem>
 </file>
 
-<file path=customXml/itemProps3.xml><?xml version="1.0" encoding="utf-8"?>
+<file path=customXml/itemProps2.xml><?xml version="1.0" encoding="utf-8"?>
 <ds:datastoreItem xmlns:ds="http://schemas.openxmlformats.org/officeDocument/2006/customXml" ds:itemID="{E31B5E98-6A59-4EC7-A18B-B1626004080B}">
   <ds:schemaRefs>
     <ds:schemaRef ds:uri="http://schemas.microsoft.com/office/2006/metadata/contentType"/>
@@ -18081,6 +17995,14 @@
 </ds:datastoreItem>
 </file>
 
+<file path=customXml/itemProps3.xml><?xml version="1.0" encoding="utf-8"?>
+<ds:datastoreItem xmlns:ds="http://schemas.openxmlformats.org/officeDocument/2006/customXml" ds:itemID="{8865FC99-B6BD-4E98-8312-F4F432C217EA}">
+  <ds:schemaRefs>
+    <ds:schemaRef ds:uri="http://schemas.microsoft.com/office/2009/outspace/metadata"/>
+  </ds:schemaRefs>
+</ds:datastoreItem>
+</file>
+
 <file path=customXml/itemProps4.xml><?xml version="1.0" encoding="utf-8"?>
 <ds:datastoreItem xmlns:ds="http://schemas.openxmlformats.org/officeDocument/2006/customXml" ds:itemID="{6034B84F-8F8E-48B7-9EFF-C7DE1A66BD73}">
   <ds:schemaRefs>

--- a/01 GettingStarted.pptx
+++ b/01 GettingStarted.pptx
@@ -2079,7 +2079,7 @@
           <a:p>
             <a:fld id="{C5A2A3EB-BE87-4080-97A4-5341D2051EE4}" type="datetime1">
               <a:rPr lang="en-US" smtClean="0"/>
-              <a:t>9/9/2018</a:t>
+              <a:t>11/11/2018</a:t>
             </a:fld>
             <a:endParaRPr lang="en-US"/>
           </a:p>
@@ -6139,55 +6139,69 @@
           <a:p>
             <a:r>
               <a:rPr lang="en-US" dirty="0"/>
-              <a:t>Obtain an Office 365 developer account</a:t>
-            </a:r>
-          </a:p>
-          <a:p>
+              <a:t>Create an Office 365 trial tenant for development</a:t>
+            </a:r>
+          </a:p>
+          <a:p>
+            <a:pPr lvl="1"/>
             <a:r>
               <a:rPr lang="en-US" dirty="0"/>
-              <a:t>Create an Office 365 Developer Site</a:t>
-            </a:r>
-          </a:p>
-          <a:p>
+              <a:t>In truth, you are really creating an Azure AD tenant</a:t>
+            </a:r>
+          </a:p>
+          <a:p>
+            <a:pPr lvl="1"/>
             <a:r>
               <a:rPr lang="en-US" dirty="0"/>
-              <a:t>Obtain a Windows Azure subscription</a:t>
-            </a:r>
-          </a:p>
-          <a:p>
+              <a:t>Create global tenant admin user account for developing</a:t>
+            </a:r>
+          </a:p>
+          <a:p>
+            <a:pPr lvl="1"/>
             <a:r>
               <a:rPr lang="en-US" dirty="0"/>
-              <a:t>Develop solutions remotely with Visual Studio</a:t>
-            </a:r>
-          </a:p>
-          <a:p>
-            <a:endParaRPr lang="en-US" dirty="0"/>
-          </a:p>
-          <a:p>
+              <a:t>Create non-admin user accounts for testing</a:t>
+            </a:r>
+          </a:p>
+          <a:p>
+            <a:pPr lvl="1"/>
             <a:r>
               <a:rPr lang="en-US" dirty="0"/>
-              <a:t>Getting around inside your Office 365 Tenancy</a:t>
+              <a:t>Create SharePoint Online sites for developing &amp; testing</a:t>
             </a:r>
           </a:p>
           <a:p>
             <a:pPr lvl="1"/>
             <a:r>
               <a:rPr lang="en-US" dirty="0"/>
-              <a:t>Office 365 administrative tools</a:t>
+              <a:t>Obtain a Microsoft Azure subscription</a:t>
+            </a:r>
+          </a:p>
+          <a:p>
+            <a:r>
+              <a:rPr lang="en-US" dirty="0"/>
+              <a:t>Getting around inside your Azure AD Tenant</a:t>
             </a:r>
           </a:p>
           <a:p>
             <a:pPr lvl="1"/>
             <a:r>
               <a:rPr lang="en-US" dirty="0"/>
-              <a:t>SharePoint administrative tools</a:t>
+              <a:t>Microsoft 365 administrative tools</a:t>
             </a:r>
           </a:p>
           <a:p>
             <a:pPr lvl="1"/>
             <a:r>
               <a:rPr lang="en-US" dirty="0"/>
-              <a:t>Azure Management Portal</a:t>
+              <a:t>Azure Portal</a:t>
+            </a:r>
+          </a:p>
+          <a:p>
+            <a:pPr lvl="1"/>
+            <a:r>
+              <a:rPr lang="en-US" dirty="0"/>
+              <a:t>SharePoint admin center</a:t>
             </a:r>
           </a:p>
           <a:p>
@@ -7670,7 +7684,7 @@
             <a:pPr lvl="1"/>
             <a:r>
               <a:rPr lang="en-US" sz="2000" dirty="0"/>
-              <a:t>Programming with REST and OData</a:t>
+              <a:t>Programming with HTTP Requests, REST and OData</a:t>
             </a:r>
           </a:p>
           <a:p>
@@ -17686,126 +17700,6 @@
 </file>
 
 <file path=customXml/item1.xml><?xml version="1.0" encoding="utf-8"?>
-<p:properties xmlns:p="http://schemas.microsoft.com/office/2006/metadata/properties" xmlns:xsi="http://www.w3.org/2001/XMLSchema-instance">
-  <documentManagement/>
-</p:properties>
-</file>
-
-<file path=customXml/item2.xml><?xml version="1.0" encoding="utf-8"?>
-<ct:contentTypeSchema xmlns:ct="http://schemas.microsoft.com/office/2006/metadata/contentType" xmlns:ma="http://schemas.microsoft.com/office/2006/metadata/properties/metaAttributes" ct:_="" ma:_="" ma:contentTypeName="Document" ma:contentTypeID="0x01010043F7775CCE86F349BB7C51FB3CE6B150" ma:contentTypeVersion="0" ma:contentTypeDescription="Create a new document." ma:contentTypeScope="" ma:versionID="bb563817a2861b6b5994bd26a2ba9e40">
-  <xsd:schema xmlns:xsd="http://www.w3.org/2001/XMLSchema" xmlns:xs="http://www.w3.org/2001/XMLSchema" xmlns:p="http://schemas.microsoft.com/office/2006/metadata/properties" targetNamespace="http://schemas.microsoft.com/office/2006/metadata/properties" ma:root="true" ma:fieldsID="c64490b4aec6201516c3a874156f37b2">
-    <xsd:element name="properties">
-      <xsd:complexType>
-        <xsd:sequence>
-          <xsd:element name="documentManagement">
-            <xsd:complexType>
-              <xsd:all/>
-            </xsd:complexType>
-          </xsd:element>
-        </xsd:sequence>
-      </xsd:complexType>
-    </xsd:element>
-  </xsd:schema>
-  <xsd:schema xmlns="http://schemas.openxmlformats.org/package/2006/metadata/core-properties" xmlns:xsd="http://www.w3.org/2001/XMLSchema" xmlns:xsi="http://www.w3.org/2001/XMLSchema-instance" xmlns:dc="http://purl.org/dc/elements/1.1/" xmlns:dcterms="http://purl.org/dc/terms/" xmlns:odoc="http://schemas.microsoft.com/internal/obd" targetNamespace="http://schemas.openxmlformats.org/package/2006/metadata/core-properties" elementFormDefault="qualified" attributeFormDefault="unqualified" blockDefault="#all">
-    <xsd:import namespace="http://purl.org/dc/elements/1.1/" schemaLocation="http://dublincore.org/schemas/xmls/qdc/2003/04/02/dc.xsd"/>
-    <xsd:import namespace="http://purl.org/dc/terms/" schemaLocation="http://dublincore.org/schemas/xmls/qdc/2003/04/02/dcterms.xsd"/>
-    <xsd:element name="coreProperties" type="CT_coreProperties"/>
-    <xsd:complexType name="CT_coreProperties">
-      <xsd:all>
-        <xsd:element ref="dc:creator" minOccurs="0" maxOccurs="1"/>
-        <xsd:element ref="dcterms:created" minOccurs="0" maxOccurs="1"/>
-        <xsd:element ref="dc:identifier" minOccurs="0" maxOccurs="1"/>
-        <xsd:element name="contentType" minOccurs="0" maxOccurs="1" type="xsd:string" ma:index="0" ma:displayName="Content Type"/>
-        <xsd:element ref="dc:title" minOccurs="0" maxOccurs="1" ma:index="4" ma:displayName="Title"/>
-        <xsd:element ref="dc:subject" minOccurs="0" maxOccurs="1"/>
-        <xsd:element ref="dc:description" minOccurs="0" maxOccurs="1"/>
-        <xsd:element name="keywords" minOccurs="0" maxOccurs="1" type="xsd:string"/>
-        <xsd:element ref="dc:language" minOccurs="0" maxOccurs="1"/>
-        <xsd:element name="category" minOccurs="0" maxOccurs="1" type="xsd:string"/>
-        <xsd:element name="version" minOccurs="0" maxOccurs="1" type="xsd:string"/>
-        <xsd:element name="revision" minOccurs="0" maxOccurs="1" type="xsd:string">
-          <xsd:annotation>
-            <xsd:documentation>
-                        This value indicates the number of saves or revisions. The application is responsible for updating this value after each revision.
-                    </xsd:documentation>
-          </xsd:annotation>
-        </xsd:element>
-        <xsd:element name="lastModifiedBy" minOccurs="0" maxOccurs="1" type="xsd:string"/>
-        <xsd:element ref="dcterms:modified" minOccurs="0" maxOccurs="1"/>
-        <xsd:element name="contentStatus" minOccurs="0" maxOccurs="1" type="xsd:string"/>
-      </xsd:all>
-    </xsd:complexType>
-  </xsd:schema>
-  <xs:schema xmlns:pc="http://schemas.microsoft.com/office/infopath/2007/PartnerControls" xmlns:xs="http://www.w3.org/2001/XMLSchema" targetNamespace="http://schemas.microsoft.com/office/infopath/2007/PartnerControls" elementFormDefault="qualified" attributeFormDefault="unqualified">
-    <xs:element name="Person">
-      <xs:complexType>
-        <xs:sequence>
-          <xs:element ref="pc:DisplayName" minOccurs="0"/>
-          <xs:element ref="pc:AccountId" minOccurs="0"/>
-          <xs:element ref="pc:AccountType" minOccurs="0"/>
-        </xs:sequence>
-      </xs:complexType>
-    </xs:element>
-    <xs:element name="DisplayName" type="xs:string"/>
-    <xs:element name="AccountId" type="xs:string"/>
-    <xs:element name="AccountType" type="xs:string"/>
-    <xs:element name="BDCAssociatedEntity">
-      <xs:complexType>
-        <xs:sequence>
-          <xs:element ref="pc:BDCEntity" minOccurs="0" maxOccurs="unbounded"/>
-        </xs:sequence>
-        <xs:attribute ref="pc:EntityNamespace"/>
-        <xs:attribute ref="pc:EntityName"/>
-        <xs:attribute ref="pc:SystemInstanceName"/>
-        <xs:attribute ref="pc:AssociationName"/>
-      </xs:complexType>
-    </xs:element>
-    <xs:attribute name="EntityNamespace" type="xs:string"/>
-    <xs:attribute name="EntityName" type="xs:string"/>
-    <xs:attribute name="SystemInstanceName" type="xs:string"/>
-    <xs:attribute name="AssociationName" type="xs:string"/>
-    <xs:element name="BDCEntity">
-      <xs:complexType>
-        <xs:sequence>
-          <xs:element ref="pc:EntityDisplayName" minOccurs="0"/>
-          <xs:element ref="pc:EntityInstanceReference" minOccurs="0"/>
-          <xs:element ref="pc:EntityId1" minOccurs="0"/>
-          <xs:element ref="pc:EntityId2" minOccurs="0"/>
-          <xs:element ref="pc:EntityId3" minOccurs="0"/>
-          <xs:element ref="pc:EntityId4" minOccurs="0"/>
-          <xs:element ref="pc:EntityId5" minOccurs="0"/>
-        </xs:sequence>
-      </xs:complexType>
-    </xs:element>
-    <xs:element name="EntityDisplayName" type="xs:string"/>
-    <xs:element name="EntityInstanceReference" type="xs:string"/>
-    <xs:element name="EntityId1" type="xs:string"/>
-    <xs:element name="EntityId2" type="xs:string"/>
-    <xs:element name="EntityId3" type="xs:string"/>
-    <xs:element name="EntityId4" type="xs:string"/>
-    <xs:element name="EntityId5" type="xs:string"/>
-    <xs:element name="Terms">
-      <xs:complexType>
-        <xs:sequence>
-          <xs:element ref="pc:TermInfo" minOccurs="0" maxOccurs="unbounded"/>
-        </xs:sequence>
-      </xs:complexType>
-    </xs:element>
-    <xs:element name="TermInfo">
-      <xs:complexType>
-        <xs:sequence>
-          <xs:element ref="pc:TermName" minOccurs="0"/>
-          <xs:element ref="pc:TermId" minOccurs="0"/>
-        </xs:sequence>
-      </xs:complexType>
-    </xs:element>
-    <xs:element name="TermName" type="xs:string"/>
-    <xs:element name="TermId" type="xs:string"/>
-  </xs:schema>
-</ct:contentTypeSchema>
-</file>
-
-<file path=customXml/item3.xml><?xml version="1.0" encoding="utf-8"?>
 <outs:outSpaceData xmlns:outs="http://schemas.microsoft.com/office/2009/outspace/metadata">
   <outs:relatedDates>
     <outs:relatedDate>
@@ -17955,6 +17849,126 @@
 </outs:outSpaceData>
 </file>
 
+<file path=customXml/item2.xml><?xml version="1.0" encoding="utf-8"?>
+<p:properties xmlns:p="http://schemas.microsoft.com/office/2006/metadata/properties" xmlns:xsi="http://www.w3.org/2001/XMLSchema-instance">
+  <documentManagement/>
+</p:properties>
+</file>
+
+<file path=customXml/item3.xml><?xml version="1.0" encoding="utf-8"?>
+<ct:contentTypeSchema xmlns:ct="http://schemas.microsoft.com/office/2006/metadata/contentType" xmlns:ma="http://schemas.microsoft.com/office/2006/metadata/properties/metaAttributes" ct:_="" ma:_="" ma:contentTypeName="Document" ma:contentTypeID="0x01010043F7775CCE86F349BB7C51FB3CE6B150" ma:contentTypeVersion="0" ma:contentTypeDescription="Create a new document." ma:contentTypeScope="" ma:versionID="bb563817a2861b6b5994bd26a2ba9e40">
+  <xsd:schema xmlns:xsd="http://www.w3.org/2001/XMLSchema" xmlns:xs="http://www.w3.org/2001/XMLSchema" xmlns:p="http://schemas.microsoft.com/office/2006/metadata/properties" targetNamespace="http://schemas.microsoft.com/office/2006/metadata/properties" ma:root="true" ma:fieldsID="c64490b4aec6201516c3a874156f37b2">
+    <xsd:element name="properties">
+      <xsd:complexType>
+        <xsd:sequence>
+          <xsd:element name="documentManagement">
+            <xsd:complexType>
+              <xsd:all/>
+            </xsd:complexType>
+          </xsd:element>
+        </xsd:sequence>
+      </xsd:complexType>
+    </xsd:element>
+  </xsd:schema>
+  <xsd:schema xmlns="http://schemas.openxmlformats.org/package/2006/metadata/core-properties" xmlns:xsd="http://www.w3.org/2001/XMLSchema" xmlns:xsi="http://www.w3.org/2001/XMLSchema-instance" xmlns:dc="http://purl.org/dc/elements/1.1/" xmlns:dcterms="http://purl.org/dc/terms/" xmlns:odoc="http://schemas.microsoft.com/internal/obd" targetNamespace="http://schemas.openxmlformats.org/package/2006/metadata/core-properties" elementFormDefault="qualified" attributeFormDefault="unqualified" blockDefault="#all">
+    <xsd:import namespace="http://purl.org/dc/elements/1.1/" schemaLocation="http://dublincore.org/schemas/xmls/qdc/2003/04/02/dc.xsd"/>
+    <xsd:import namespace="http://purl.org/dc/terms/" schemaLocation="http://dublincore.org/schemas/xmls/qdc/2003/04/02/dcterms.xsd"/>
+    <xsd:element name="coreProperties" type="CT_coreProperties"/>
+    <xsd:complexType name="CT_coreProperties">
+      <xsd:all>
+        <xsd:element ref="dc:creator" minOccurs="0" maxOccurs="1"/>
+        <xsd:element ref="dcterms:created" minOccurs="0" maxOccurs="1"/>
+        <xsd:element ref="dc:identifier" minOccurs="0" maxOccurs="1"/>
+        <xsd:element name="contentType" minOccurs="0" maxOccurs="1" type="xsd:string" ma:index="0" ma:displayName="Content Type"/>
+        <xsd:element ref="dc:title" minOccurs="0" maxOccurs="1" ma:index="4" ma:displayName="Title"/>
+        <xsd:element ref="dc:subject" minOccurs="0" maxOccurs="1"/>
+        <xsd:element ref="dc:description" minOccurs="0" maxOccurs="1"/>
+        <xsd:element name="keywords" minOccurs="0" maxOccurs="1" type="xsd:string"/>
+        <xsd:element ref="dc:language" minOccurs="0" maxOccurs="1"/>
+        <xsd:element name="category" minOccurs="0" maxOccurs="1" type="xsd:string"/>
+        <xsd:element name="version" minOccurs="0" maxOccurs="1" type="xsd:string"/>
+        <xsd:element name="revision" minOccurs="0" maxOccurs="1" type="xsd:string">
+          <xsd:annotation>
+            <xsd:documentation>
+                        This value indicates the number of saves or revisions. The application is responsible for updating this value after each revision.
+                    </xsd:documentation>
+          </xsd:annotation>
+        </xsd:element>
+        <xsd:element name="lastModifiedBy" minOccurs="0" maxOccurs="1" type="xsd:string"/>
+        <xsd:element ref="dcterms:modified" minOccurs="0" maxOccurs="1"/>
+        <xsd:element name="contentStatus" minOccurs="0" maxOccurs="1" type="xsd:string"/>
+      </xsd:all>
+    </xsd:complexType>
+  </xsd:schema>
+  <xs:schema xmlns:pc="http://schemas.microsoft.com/office/infopath/2007/PartnerControls" xmlns:xs="http://www.w3.org/2001/XMLSchema" targetNamespace="http://schemas.microsoft.com/office/infopath/2007/PartnerControls" elementFormDefault="qualified" attributeFormDefault="unqualified">
+    <xs:element name="Person">
+      <xs:complexType>
+        <xs:sequence>
+          <xs:element ref="pc:DisplayName" minOccurs="0"/>
+          <xs:element ref="pc:AccountId" minOccurs="0"/>
+          <xs:element ref="pc:AccountType" minOccurs="0"/>
+        </xs:sequence>
+      </xs:complexType>
+    </xs:element>
+    <xs:element name="DisplayName" type="xs:string"/>
+    <xs:element name="AccountId" type="xs:string"/>
+    <xs:element name="AccountType" type="xs:string"/>
+    <xs:element name="BDCAssociatedEntity">
+      <xs:complexType>
+        <xs:sequence>
+          <xs:element ref="pc:BDCEntity" minOccurs="0" maxOccurs="unbounded"/>
+        </xs:sequence>
+        <xs:attribute ref="pc:EntityNamespace"/>
+        <xs:attribute ref="pc:EntityName"/>
+        <xs:attribute ref="pc:SystemInstanceName"/>
+        <xs:attribute ref="pc:AssociationName"/>
+      </xs:complexType>
+    </xs:element>
+    <xs:attribute name="EntityNamespace" type="xs:string"/>
+    <xs:attribute name="EntityName" type="xs:string"/>
+    <xs:attribute name="SystemInstanceName" type="xs:string"/>
+    <xs:attribute name="AssociationName" type="xs:string"/>
+    <xs:element name="BDCEntity">
+      <xs:complexType>
+        <xs:sequence>
+          <xs:element ref="pc:EntityDisplayName" minOccurs="0"/>
+          <xs:element ref="pc:EntityInstanceReference" minOccurs="0"/>
+          <xs:element ref="pc:EntityId1" minOccurs="0"/>
+          <xs:element ref="pc:EntityId2" minOccurs="0"/>
+          <xs:element ref="pc:EntityId3" minOccurs="0"/>
+          <xs:element ref="pc:EntityId4" minOccurs="0"/>
+          <xs:element ref="pc:EntityId5" minOccurs="0"/>
+        </xs:sequence>
+      </xs:complexType>
+    </xs:element>
+    <xs:element name="EntityDisplayName" type="xs:string"/>
+    <xs:element name="EntityInstanceReference" type="xs:string"/>
+    <xs:element name="EntityId1" type="xs:string"/>
+    <xs:element name="EntityId2" type="xs:string"/>
+    <xs:element name="EntityId3" type="xs:string"/>
+    <xs:element name="EntityId4" type="xs:string"/>
+    <xs:element name="EntityId5" type="xs:string"/>
+    <xs:element name="Terms">
+      <xs:complexType>
+        <xs:sequence>
+          <xs:element ref="pc:TermInfo" minOccurs="0" maxOccurs="unbounded"/>
+        </xs:sequence>
+      </xs:complexType>
+    </xs:element>
+    <xs:element name="TermInfo">
+      <xs:complexType>
+        <xs:sequence>
+          <xs:element ref="pc:TermName" minOccurs="0"/>
+          <xs:element ref="pc:TermId" minOccurs="0"/>
+        </xs:sequence>
+      </xs:complexType>
+    </xs:element>
+    <xs:element name="TermName" type="xs:string"/>
+    <xs:element name="TermId" type="xs:string"/>
+  </xs:schema>
+</ct:contentTypeSchema>
+</file>
+
 <file path=customXml/item4.xml><?xml version="1.0" encoding="utf-8"?>
 <?mso-contentType ?>
 <FormTemplates xmlns="http://schemas.microsoft.com/sharepoint/v3/contenttype/forms">
@@ -17965,6 +17979,14 @@
 </file>
 
 <file path=customXml/itemProps1.xml><?xml version="1.0" encoding="utf-8"?>
+<ds:datastoreItem xmlns:ds="http://schemas.openxmlformats.org/officeDocument/2006/customXml" ds:itemID="{8865FC99-B6BD-4E98-8312-F4F432C217EA}">
+  <ds:schemaRefs>
+    <ds:schemaRef ds:uri="http://schemas.microsoft.com/office/2009/outspace/metadata"/>
+  </ds:schemaRefs>
+</ds:datastoreItem>
+</file>
+
+<file path=customXml/itemProps2.xml><?xml version="1.0" encoding="utf-8"?>
 <ds:datastoreItem xmlns:ds="http://schemas.openxmlformats.org/officeDocument/2006/customXml" ds:itemID="{A5547237-B119-45CA-BEFC-A2DA2BDB03E7}">
   <ds:schemaRefs>
     <ds:schemaRef ds:uri="http://schemas.microsoft.com/office/2006/documentManagement/types"/>
@@ -17979,7 +18001,7 @@
 </ds:datastoreItem>
 </file>
 
-<file path=customXml/itemProps2.xml><?xml version="1.0" encoding="utf-8"?>
+<file path=customXml/itemProps3.xml><?xml version="1.0" encoding="utf-8"?>
 <ds:datastoreItem xmlns:ds="http://schemas.openxmlformats.org/officeDocument/2006/customXml" ds:itemID="{E31B5E98-6A59-4EC7-A18B-B1626004080B}">
   <ds:schemaRefs>
     <ds:schemaRef ds:uri="http://schemas.microsoft.com/office/2006/metadata/contentType"/>
@@ -17995,14 +18017,6 @@
 </ds:datastoreItem>
 </file>
 
-<file path=customXml/itemProps3.xml><?xml version="1.0" encoding="utf-8"?>
-<ds:datastoreItem xmlns:ds="http://schemas.openxmlformats.org/officeDocument/2006/customXml" ds:itemID="{8865FC99-B6BD-4E98-8312-F4F432C217EA}">
-  <ds:schemaRefs>
-    <ds:schemaRef ds:uri="http://schemas.microsoft.com/office/2009/outspace/metadata"/>
-  </ds:schemaRefs>
-</ds:datastoreItem>
-</file>
-
 <file path=customXml/itemProps4.xml><?xml version="1.0" encoding="utf-8"?>
 <ds:datastoreItem xmlns:ds="http://schemas.openxmlformats.org/officeDocument/2006/customXml" ds:itemID="{6034B84F-8F8E-48B7-9EFF-C7DE1A66BD73}">
   <ds:schemaRefs>

--- a/01 GettingStarted.pptx
+++ b/01 GettingStarted.pptx
@@ -40,18 +40,18 @@
     <p:sldId id="346" r:id="rId32"/>
     <p:sldId id="347" r:id="rId33"/>
     <p:sldId id="349" r:id="rId34"/>
-    <p:sldId id="357" r:id="rId35"/>
-    <p:sldId id="358" r:id="rId36"/>
-    <p:sldId id="359" r:id="rId37"/>
-    <p:sldId id="369" r:id="rId38"/>
-    <p:sldId id="371" r:id="rId39"/>
-    <p:sldId id="373" r:id="rId40"/>
-    <p:sldId id="374" r:id="rId41"/>
-    <p:sldId id="375" r:id="rId42"/>
-    <p:sldId id="376" r:id="rId43"/>
-    <p:sldId id="377" r:id="rId44"/>
-    <p:sldId id="473" r:id="rId45"/>
-    <p:sldId id="437" r:id="rId46"/>
+    <p:sldId id="350" r:id="rId35"/>
+    <p:sldId id="357" r:id="rId36"/>
+    <p:sldId id="358" r:id="rId37"/>
+    <p:sldId id="359" r:id="rId38"/>
+    <p:sldId id="369" r:id="rId39"/>
+    <p:sldId id="371" r:id="rId40"/>
+    <p:sldId id="373" r:id="rId41"/>
+    <p:sldId id="374" r:id="rId42"/>
+    <p:sldId id="375" r:id="rId43"/>
+    <p:sldId id="376" r:id="rId44"/>
+    <p:sldId id="377" r:id="rId45"/>
+    <p:sldId id="473" r:id="rId46"/>
     <p:sldId id="440" r:id="rId47"/>
     <p:sldId id="398" r:id="rId48"/>
     <p:sldId id="455" r:id="rId49"/>
@@ -2079,7 +2079,7 @@
           <a:p>
             <a:fld id="{C5A2A3EB-BE87-4080-97A4-5341D2051EE4}" type="datetime1">
               <a:rPr lang="en-US" smtClean="0"/>
-              <a:t>11/11/2018</a:t>
+              <a:t>1/8/2019</a:t>
             </a:fld>
             <a:endParaRPr lang="en-US"/>
           </a:p>
@@ -9727,6 +9727,94 @@
           <a:p>
             <a:r>
               <a:rPr lang="en-US" dirty="0"/>
+              <a:t>User Authentication (SPO)</a:t>
+            </a:r>
+          </a:p>
+        </p:txBody>
+      </p:sp>
+      <p:pic>
+        <p:nvPicPr>
+          <p:cNvPr id="4" name="Picture 3"/>
+          <p:cNvPicPr>
+            <a:picLocks noChangeAspect="1"/>
+          </p:cNvPicPr>
+          <p:nvPr/>
+        </p:nvPicPr>
+        <p:blipFill>
+          <a:blip r:embed="rId2"/>
+          <a:stretch>
+            <a:fillRect/>
+          </a:stretch>
+        </p:blipFill>
+        <p:spPr>
+          <a:xfrm>
+            <a:off x="609600" y="1524000"/>
+            <a:ext cx="7173226" cy="4788313"/>
+          </a:xfrm>
+          <a:prstGeom prst="rect">
+            <a:avLst/>
+          </a:prstGeom>
+          <a:solidFill>
+            <a:schemeClr val="bg1">
+              <a:lumMod val="50000"/>
+            </a:schemeClr>
+          </a:solidFill>
+          <a:ln>
+            <a:solidFill>
+              <a:schemeClr val="bg1">
+                <a:lumMod val="50000"/>
+              </a:schemeClr>
+            </a:solidFill>
+          </a:ln>
+        </p:spPr>
+      </p:pic>
+    </p:spTree>
+    <p:extLst>
+      <p:ext uri="{BB962C8B-B14F-4D97-AF65-F5344CB8AC3E}">
+        <p14:creationId xmlns:p14="http://schemas.microsoft.com/office/powerpoint/2010/main" val="3923535907"/>
+      </p:ext>
+    </p:extLst>
+  </p:cSld>
+  <p:clrMapOvr>
+    <a:masterClrMapping/>
+  </p:clrMapOvr>
+</p:sld>
+</file>
+
+<file path=ppt/slides/slide31.xml><?xml version="1.0" encoding="utf-8"?>
+<p:sld xmlns:a="http://schemas.openxmlformats.org/drawingml/2006/main" xmlns:r="http://schemas.openxmlformats.org/officeDocument/2006/relationships" xmlns:p="http://schemas.openxmlformats.org/presentationml/2006/main">
+  <p:cSld>
+    <p:spTree>
+      <p:nvGrpSpPr>
+        <p:cNvPr id="1" name=""/>
+        <p:cNvGrpSpPr/>
+        <p:nvPr/>
+      </p:nvGrpSpPr>
+      <p:grpSpPr>
+        <a:xfrm>
+          <a:off x="0" y="0"/>
+          <a:ext cx="0" cy="0"/>
+          <a:chOff x="0" y="0"/>
+          <a:chExt cx="0" cy="0"/>
+        </a:xfrm>
+      </p:grpSpPr>
+      <p:sp>
+        <p:nvSpPr>
+          <p:cNvPr id="2" name="Title 1"/>
+          <p:cNvSpPr>
+            <a:spLocks noGrp="1"/>
+          </p:cNvSpPr>
+          <p:nvPr>
+            <p:ph type="title"/>
+          </p:nvPr>
+        </p:nvSpPr>
+        <p:spPr/>
+        <p:txBody>
+          <a:bodyPr/>
+          <a:lstStyle/>
+          <a:p>
+            <a:r>
+              <a:rPr lang="en-US" dirty="0"/>
               <a:t>Coding with Lambda Expressions</a:t>
             </a:r>
           </a:p>
@@ -10549,7 +10637,7 @@
 </p:sld>
 </file>
 
-<file path=ppt/slides/slide31.xml><?xml version="1.0" encoding="utf-8"?>
+<file path=ppt/slides/slide32.xml><?xml version="1.0" encoding="utf-8"?>
 <p:sld xmlns:a="http://schemas.openxmlformats.org/drawingml/2006/main" xmlns:r="http://schemas.openxmlformats.org/officeDocument/2006/relationships" xmlns:p="http://schemas.openxmlformats.org/presentationml/2006/main">
   <p:cSld>
     <p:spTree>
@@ -10890,7 +10978,7 @@
 </p:sld>
 </file>
 
-<file path=ppt/slides/slide32.xml><?xml version="1.0" encoding="utf-8"?>
+<file path=ppt/slides/slide33.xml><?xml version="1.0" encoding="utf-8"?>
 <p:sld xmlns:a="http://schemas.openxmlformats.org/drawingml/2006/main" xmlns:r="http://schemas.openxmlformats.org/officeDocument/2006/relationships" xmlns:p="http://schemas.openxmlformats.org/presentationml/2006/main">
   <p:cSld>
     <p:spTree>
@@ -11088,7 +11176,7 @@
 </p:sld>
 </file>
 
-<file path=ppt/slides/slide33.xml><?xml version="1.0" encoding="utf-8"?>
+<file path=ppt/slides/slide34.xml><?xml version="1.0" encoding="utf-8"?>
 <p:sld xmlns:a="http://schemas.openxmlformats.org/drawingml/2006/main" xmlns:r="http://schemas.openxmlformats.org/officeDocument/2006/relationships" xmlns:p="http://schemas.openxmlformats.org/presentationml/2006/main">
   <p:cSld>
     <p:spTree>
@@ -11172,7 +11260,7 @@
 </p:sld>
 </file>
 
-<file path=ppt/slides/slide34.xml><?xml version="1.0" encoding="utf-8"?>
+<file path=ppt/slides/slide35.xml><?xml version="1.0" encoding="utf-8"?>
 <p:sld xmlns:a="http://schemas.openxmlformats.org/drawingml/2006/main" xmlns:r="http://schemas.openxmlformats.org/officeDocument/2006/relationships" xmlns:p="http://schemas.openxmlformats.org/presentationml/2006/main">
   <p:cSld>
     <p:spTree>
@@ -11260,7 +11348,7 @@
 </p:sld>
 </file>
 
-<file path=ppt/slides/slide35.xml><?xml version="1.0" encoding="utf-8"?>
+<file path=ppt/slides/slide36.xml><?xml version="1.0" encoding="utf-8"?>
 <p:sld xmlns:a="http://schemas.openxmlformats.org/drawingml/2006/main" xmlns:r="http://schemas.openxmlformats.org/officeDocument/2006/relationships" xmlns:p="http://schemas.openxmlformats.org/presentationml/2006/main">
   <p:cSld>
     <p:spTree>
@@ -11343,7 +11431,7 @@
 </p:sld>
 </file>
 
-<file path=ppt/slides/slide36.xml><?xml version="1.0" encoding="utf-8"?>
+<file path=ppt/slides/slide37.xml><?xml version="1.0" encoding="utf-8"?>
 <p:sld xmlns:a="http://schemas.openxmlformats.org/drawingml/2006/main" xmlns:r="http://schemas.openxmlformats.org/officeDocument/2006/relationships" xmlns:p="http://schemas.openxmlformats.org/presentationml/2006/main">
   <p:cSld>
     <p:spTree>
@@ -11426,7 +11514,7 @@
 </p:sld>
 </file>
 
-<file path=ppt/slides/slide37.xml><?xml version="1.0" encoding="utf-8"?>
+<file path=ppt/slides/slide38.xml><?xml version="1.0" encoding="utf-8"?>
 <p:sld xmlns:a="http://schemas.openxmlformats.org/drawingml/2006/main" xmlns:r="http://schemas.openxmlformats.org/officeDocument/2006/relationships" xmlns:p="http://schemas.openxmlformats.org/presentationml/2006/main">
   <p:cSld>
     <p:spTree>
@@ -11510,7 +11598,7 @@
 </p:sld>
 </file>
 
-<file path=ppt/slides/slide38.xml><?xml version="1.0" encoding="utf-8"?>
+<file path=ppt/slides/slide39.xml><?xml version="1.0" encoding="utf-8"?>
 <p:sld xmlns:a="http://schemas.openxmlformats.org/drawingml/2006/main" xmlns:r="http://schemas.openxmlformats.org/officeDocument/2006/relationships" xmlns:p="http://schemas.openxmlformats.org/presentationml/2006/main">
   <p:cSld>
     <p:spTree>
@@ -11603,90 +11691,6 @@
     <p:extLst>
       <p:ext uri="{BB962C8B-B14F-4D97-AF65-F5344CB8AC3E}">
         <p14:creationId xmlns:p14="http://schemas.microsoft.com/office/powerpoint/2010/main" val="1735521413"/>
-      </p:ext>
-    </p:extLst>
-  </p:cSld>
-  <p:clrMapOvr>
-    <a:masterClrMapping/>
-  </p:clrMapOvr>
-</p:sld>
-</file>
-
-<file path=ppt/slides/slide39.xml><?xml version="1.0" encoding="utf-8"?>
-<p:sld xmlns:a="http://schemas.openxmlformats.org/drawingml/2006/main" xmlns:r="http://schemas.openxmlformats.org/officeDocument/2006/relationships" xmlns:p="http://schemas.openxmlformats.org/presentationml/2006/main">
-  <p:cSld>
-    <p:spTree>
-      <p:nvGrpSpPr>
-        <p:cNvPr id="1" name=""/>
-        <p:cNvGrpSpPr/>
-        <p:nvPr/>
-      </p:nvGrpSpPr>
-      <p:grpSpPr>
-        <a:xfrm>
-          <a:off x="0" y="0"/>
-          <a:ext cx="0" cy="0"/>
-          <a:chOff x="0" y="0"/>
-          <a:chExt cx="0" cy="0"/>
-        </a:xfrm>
-      </p:grpSpPr>
-      <p:sp>
-        <p:nvSpPr>
-          <p:cNvPr id="2" name="Title 1"/>
-          <p:cNvSpPr>
-            <a:spLocks noGrp="1"/>
-          </p:cNvSpPr>
-          <p:nvPr>
-            <p:ph type="title"/>
-          </p:nvPr>
-        </p:nvSpPr>
-        <p:spPr/>
-        <p:txBody>
-          <a:bodyPr/>
-          <a:lstStyle/>
-          <a:p>
-            <a:r>
-              <a:rPr lang="en-US" dirty="0"/>
-              <a:t>Creating List with Content Type</a:t>
-            </a:r>
-          </a:p>
-        </p:txBody>
-      </p:sp>
-      <p:pic>
-        <p:nvPicPr>
-          <p:cNvPr id="4" name="Picture 3"/>
-          <p:cNvPicPr>
-            <a:picLocks noChangeAspect="1"/>
-          </p:cNvPicPr>
-          <p:nvPr/>
-        </p:nvPicPr>
-        <p:blipFill>
-          <a:blip r:embed="rId2"/>
-          <a:stretch>
-            <a:fillRect/>
-          </a:stretch>
-        </p:blipFill>
-        <p:spPr>
-          <a:xfrm>
-            <a:off x="609600" y="1447800"/>
-            <a:ext cx="7543800" cy="4876523"/>
-          </a:xfrm>
-          <a:prstGeom prst="rect">
-            <a:avLst/>
-          </a:prstGeom>
-          <a:noFill/>
-          <a:ln>
-            <a:solidFill>
-              <a:schemeClr val="bg1">
-                <a:lumMod val="50000"/>
-              </a:schemeClr>
-            </a:solidFill>
-          </a:ln>
-        </p:spPr>
-      </p:pic>
-    </p:spTree>
-    <p:extLst>
-      <p:ext uri="{BB962C8B-B14F-4D97-AF65-F5344CB8AC3E}">
-        <p14:creationId xmlns:p14="http://schemas.microsoft.com/office/powerpoint/2010/main" val="3017496853"/>
       </p:ext>
     </p:extLst>
   </p:cSld>
@@ -12169,82 +12173,48 @@
           <a:lstStyle/>
           <a:p>
             <a:r>
-              <a:rPr lang="en-US"/>
-              <a:t>Agenda</a:t>
-            </a:r>
-            <a:endParaRPr lang="en-US" dirty="0"/>
-          </a:p>
-        </p:txBody>
-      </p:sp>
-      <p:sp>
-        <p:nvSpPr>
-          <p:cNvPr id="3" name="Content Placeholder 2"/>
-          <p:cNvSpPr>
-            <a:spLocks noGrp="1"/>
-          </p:cNvSpPr>
-          <p:nvPr>
-            <p:ph idx="1"/>
-          </p:nvPr>
-        </p:nvSpPr>
-        <p:spPr/>
-        <p:txBody>
-          <a:bodyPr>
-            <a:normAutofit/>
-          </a:bodyPr>
-          <a:lstStyle/>
-          <a:p>
-            <a:pPr lvl="0">
-              <a:buFont typeface="Wingdings" panose="05000000000000000000" pitchFamily="2" charset="2"/>
-              <a:buChar char="ü"/>
-            </a:pPr>
-            <a:r>
-              <a:rPr lang="en-US" sz="2400" dirty="0"/>
-              <a:t>Understanding SharePoint Development Strategies</a:t>
-            </a:r>
-          </a:p>
-          <a:p>
-            <a:pPr lvl="0">
-              <a:buFont typeface="Wingdings" panose="05000000000000000000" pitchFamily="2" charset="2"/>
-              <a:buChar char="ü"/>
-            </a:pPr>
-            <a:r>
-              <a:rPr lang="en-US" sz="2400" dirty="0"/>
-              <a:t>Creating a SharePoint Development Environment</a:t>
-            </a:r>
-          </a:p>
-          <a:p>
-            <a:pPr lvl="0">
-              <a:buFont typeface="Wingdings" panose="05000000000000000000" pitchFamily="2" charset="2"/>
-              <a:buChar char="ü"/>
-            </a:pPr>
-            <a:r>
-              <a:rPr lang="en-US" sz="2400" dirty="0"/>
-              <a:t>Programming the Client-side Object Model (CSOM)</a:t>
-            </a:r>
-          </a:p>
-          <a:p>
-            <a:pPr lvl="0">
-              <a:buFont typeface="Wingdings" panose="05000000000000000000" pitchFamily="2" charset="2"/>
-              <a:buChar char="Ø"/>
-            </a:pPr>
-            <a:r>
-              <a:rPr lang="en-US" sz="2400" dirty="0"/>
-              <a:t>Understanding Azure as a Development Platform</a:t>
-            </a:r>
-          </a:p>
-          <a:p>
-            <a:pPr lvl="0"/>
-            <a:r>
-              <a:rPr lang="en-US" sz="2400" dirty="0"/>
-              <a:t>Developing with TypeScript and Interfaces</a:t>
-            </a:r>
-          </a:p>
-        </p:txBody>
-      </p:sp>
+              <a:rPr lang="en-US" dirty="0"/>
+              <a:t>Creating List with Content Type</a:t>
+            </a:r>
+          </a:p>
+        </p:txBody>
+      </p:sp>
+      <p:pic>
+        <p:nvPicPr>
+          <p:cNvPr id="4" name="Picture 3"/>
+          <p:cNvPicPr>
+            <a:picLocks noChangeAspect="1"/>
+          </p:cNvPicPr>
+          <p:nvPr/>
+        </p:nvPicPr>
+        <p:blipFill>
+          <a:blip r:embed="rId2"/>
+          <a:stretch>
+            <a:fillRect/>
+          </a:stretch>
+        </p:blipFill>
+        <p:spPr>
+          <a:xfrm>
+            <a:off x="609600" y="1447800"/>
+            <a:ext cx="7543800" cy="4876523"/>
+          </a:xfrm>
+          <a:prstGeom prst="rect">
+            <a:avLst/>
+          </a:prstGeom>
+          <a:noFill/>
+          <a:ln>
+            <a:solidFill>
+              <a:schemeClr val="bg1">
+                <a:lumMod val="50000"/>
+              </a:schemeClr>
+            </a:solidFill>
+          </a:ln>
+        </p:spPr>
+      </p:pic>
     </p:spTree>
     <p:extLst>
       <p:ext uri="{BB962C8B-B14F-4D97-AF65-F5344CB8AC3E}">
-        <p14:creationId xmlns:p14="http://schemas.microsoft.com/office/powerpoint/2010/main" val="4011492360"/>
+        <p14:creationId xmlns:p14="http://schemas.microsoft.com/office/powerpoint/2010/main" val="3017496853"/>
       </p:ext>
     </p:extLst>
   </p:cSld>
@@ -12287,9 +12257,10 @@
           <a:lstStyle/>
           <a:p>
             <a:r>
-              <a:rPr lang="en-US" dirty="0"/>
-              <a:t>Cloud Computing Service Models</a:t>
-            </a:r>
+              <a:rPr lang="en-US"/>
+              <a:t>Agenda</a:t>
+            </a:r>
+            <a:endParaRPr lang="en-US" dirty="0"/>
           </a:p>
         </p:txBody>
       </p:sp>
@@ -12310,118 +12281,58 @@
           </a:bodyPr>
           <a:lstStyle/>
           <a:p>
-            <a:r>
-              <a:rPr lang="en-US" sz="2400" b="1" dirty="0">
-                <a:solidFill>
-                  <a:schemeClr val="accent6">
-                    <a:lumMod val="50000"/>
-                  </a:schemeClr>
-                </a:solidFill>
-              </a:rPr>
-              <a:t>SaaS</a:t>
-            </a:r>
+            <a:pPr lvl="0">
+              <a:buFont typeface="Wingdings" panose="05000000000000000000" pitchFamily="2" charset="2"/>
+              <a:buChar char="ü"/>
+            </a:pPr>
             <a:r>
               <a:rPr lang="en-US" sz="2400" dirty="0"/>
-              <a:t> – Software as a service</a:t>
-            </a:r>
-          </a:p>
-          <a:p>
-            <a:pPr lvl="1"/>
-            <a:r>
-              <a:rPr lang="en-US" sz="2000" dirty="0"/>
-              <a:t>Examples include Salesforce and Office 365</a:t>
-            </a:r>
-          </a:p>
-          <a:p>
-            <a:pPr lvl="1"/>
-            <a:endParaRPr lang="en-US" sz="2000" dirty="0"/>
-          </a:p>
-          <a:p>
-            <a:r>
-              <a:rPr lang="en-US" sz="2400" b="1" dirty="0">
-                <a:solidFill>
-                  <a:schemeClr val="accent6">
-                    <a:lumMod val="50000"/>
-                  </a:schemeClr>
-                </a:solidFill>
-              </a:rPr>
-              <a:t>PaaS</a:t>
-            </a:r>
+              <a:t>Understanding SharePoint Development Strategies</a:t>
+            </a:r>
+          </a:p>
+          <a:p>
+            <a:pPr lvl="0">
+              <a:buFont typeface="Wingdings" panose="05000000000000000000" pitchFamily="2" charset="2"/>
+              <a:buChar char="ü"/>
+            </a:pPr>
             <a:r>
               <a:rPr lang="en-US" sz="2400" dirty="0"/>
-              <a:t> – Platform as a service</a:t>
-            </a:r>
-          </a:p>
-          <a:p>
-            <a:pPr lvl="1"/>
-            <a:r>
-              <a:rPr lang="en-US" sz="2000" dirty="0"/>
-              <a:t>Examples include Azure Web Apps</a:t>
-            </a:r>
-          </a:p>
-          <a:p>
-            <a:pPr lvl="1"/>
-            <a:endParaRPr lang="en-US" sz="2000" dirty="0"/>
-          </a:p>
-          <a:p>
-            <a:r>
-              <a:rPr lang="en-US" sz="2400" b="1" dirty="0" err="1">
-                <a:solidFill>
-                  <a:schemeClr val="accent6">
-                    <a:lumMod val="50000"/>
-                  </a:schemeClr>
-                </a:solidFill>
-              </a:rPr>
-              <a:t>DaaS</a:t>
-            </a:r>
+              <a:t>Creating a SharePoint Development Environment</a:t>
+            </a:r>
+          </a:p>
+          <a:p>
+            <a:pPr lvl="0">
+              <a:buFont typeface="Wingdings" panose="05000000000000000000" pitchFamily="2" charset="2"/>
+              <a:buChar char="ü"/>
+            </a:pPr>
             <a:r>
               <a:rPr lang="en-US" sz="2400" dirty="0"/>
-              <a:t> – Database as a service</a:t>
-            </a:r>
-          </a:p>
-          <a:p>
-            <a:pPr lvl="1"/>
-            <a:r>
-              <a:rPr lang="en-US" sz="2000" dirty="0"/>
-              <a:t>Examples include Azure SQL databases</a:t>
-            </a:r>
-          </a:p>
-          <a:p>
-            <a:pPr lvl="1"/>
-            <a:endParaRPr lang="en-US" sz="2000" dirty="0"/>
-          </a:p>
-          <a:p>
-            <a:r>
-              <a:rPr lang="en-US" sz="2400" b="1" dirty="0">
-                <a:solidFill>
-                  <a:schemeClr val="accent6">
-                    <a:lumMod val="50000"/>
-                  </a:schemeClr>
-                </a:solidFill>
-              </a:rPr>
-              <a:t>IaaS</a:t>
-            </a:r>
+              <a:t>Programming the Client-side Object Model (CSOM)</a:t>
+            </a:r>
+          </a:p>
+          <a:p>
+            <a:pPr lvl="0">
+              <a:buFont typeface="Wingdings" panose="05000000000000000000" pitchFamily="2" charset="2"/>
+              <a:buChar char="Ø"/>
+            </a:pPr>
             <a:r>
               <a:rPr lang="en-US" sz="2400" dirty="0"/>
-              <a:t> – Infrastructure as a service</a:t>
-            </a:r>
-          </a:p>
-          <a:p>
-            <a:pPr lvl="1"/>
-            <a:r>
-              <a:rPr lang="en-US" sz="2000" dirty="0"/>
-              <a:t>Examples include Azure VMs and cloud services</a:t>
-            </a:r>
-          </a:p>
-          <a:p>
-            <a:endParaRPr lang="en-US" sz="2400" dirty="0"/>
+              <a:t>Understanding Azure as a Development Platform</a:t>
+            </a:r>
+          </a:p>
+          <a:p>
+            <a:pPr lvl="0"/>
+            <a:r>
+              <a:rPr lang="en-US" sz="2400" dirty="0"/>
+              <a:t>Developing with TypeScript and Interfaces</a:t>
+            </a:r>
           </a:p>
         </p:txBody>
       </p:sp>
     </p:spTree>
     <p:extLst>
       <p:ext uri="{BB962C8B-B14F-4D97-AF65-F5344CB8AC3E}">
-        <p14:creationId xmlns:p14="http://schemas.microsoft.com/office/powerpoint/2010/main" val="4173756802"/>
+        <p14:creationId xmlns:p14="http://schemas.microsoft.com/office/powerpoint/2010/main" val="4011492360"/>
       </p:ext>
     </p:extLst>
   </p:cSld>
@@ -13821,10 +13732,17 @@
           <a:lstStyle/>
           <a:p>
             <a:r>
-              <a:rPr lang="en-US"/>
-              <a:t>SharePoint App Add-in Model</a:t>
-            </a:r>
-            <a:endParaRPr lang="en-US" dirty="0"/>
+              <a:rPr lang="en-US" dirty="0"/>
+              <a:t>SharePoint </a:t>
+            </a:r>
+            <a:r>
+              <a:rPr lang="en-US" strike="sngStrike" dirty="0"/>
+              <a:t>App</a:t>
+            </a:r>
+            <a:r>
+              <a:rPr lang="en-US" dirty="0"/>
+              <a:t> Add-in Model</a:t>
+            </a:r>
           </a:p>
         </p:txBody>
       </p:sp>
@@ -17700,6 +17618,126 @@
 </file>
 
 <file path=customXml/item1.xml><?xml version="1.0" encoding="utf-8"?>
+<p:properties xmlns:p="http://schemas.microsoft.com/office/2006/metadata/properties" xmlns:xsi="http://www.w3.org/2001/XMLSchema-instance">
+  <documentManagement/>
+</p:properties>
+</file>
+
+<file path=customXml/item2.xml><?xml version="1.0" encoding="utf-8"?>
+<ct:contentTypeSchema xmlns:ct="http://schemas.microsoft.com/office/2006/metadata/contentType" xmlns:ma="http://schemas.microsoft.com/office/2006/metadata/properties/metaAttributes" ct:_="" ma:_="" ma:contentTypeName="Document" ma:contentTypeID="0x01010043F7775CCE86F349BB7C51FB3CE6B150" ma:contentTypeVersion="0" ma:contentTypeDescription="Create a new document." ma:contentTypeScope="" ma:versionID="bb563817a2861b6b5994bd26a2ba9e40">
+  <xsd:schema xmlns:xsd="http://www.w3.org/2001/XMLSchema" xmlns:xs="http://www.w3.org/2001/XMLSchema" xmlns:p="http://schemas.microsoft.com/office/2006/metadata/properties" targetNamespace="http://schemas.microsoft.com/office/2006/metadata/properties" ma:root="true" ma:fieldsID="c64490b4aec6201516c3a874156f37b2">
+    <xsd:element name="properties">
+      <xsd:complexType>
+        <xsd:sequence>
+          <xsd:element name="documentManagement">
+            <xsd:complexType>
+              <xsd:all/>
+            </xsd:complexType>
+          </xsd:element>
+        </xsd:sequence>
+      </xsd:complexType>
+    </xsd:element>
+  </xsd:schema>
+  <xsd:schema xmlns="http://schemas.openxmlformats.org/package/2006/metadata/core-properties" xmlns:xsd="http://www.w3.org/2001/XMLSchema" xmlns:xsi="http://www.w3.org/2001/XMLSchema-instance" xmlns:dc="http://purl.org/dc/elements/1.1/" xmlns:dcterms="http://purl.org/dc/terms/" xmlns:odoc="http://schemas.microsoft.com/internal/obd" targetNamespace="http://schemas.openxmlformats.org/package/2006/metadata/core-properties" elementFormDefault="qualified" attributeFormDefault="unqualified" blockDefault="#all">
+    <xsd:import namespace="http://purl.org/dc/elements/1.1/" schemaLocation="http://dublincore.org/schemas/xmls/qdc/2003/04/02/dc.xsd"/>
+    <xsd:import namespace="http://purl.org/dc/terms/" schemaLocation="http://dublincore.org/schemas/xmls/qdc/2003/04/02/dcterms.xsd"/>
+    <xsd:element name="coreProperties" type="CT_coreProperties"/>
+    <xsd:complexType name="CT_coreProperties">
+      <xsd:all>
+        <xsd:element ref="dc:creator" minOccurs="0" maxOccurs="1"/>
+        <xsd:element ref="dcterms:created" minOccurs="0" maxOccurs="1"/>
+        <xsd:element ref="dc:identifier" minOccurs="0" maxOccurs="1"/>
+        <xsd:element name="contentType" minOccurs="0" maxOccurs="1" type="xsd:string" ma:index="0" ma:displayName="Content Type"/>
+        <xsd:element ref="dc:title" minOccurs="0" maxOccurs="1" ma:index="4" ma:displayName="Title"/>
+        <xsd:element ref="dc:subject" minOccurs="0" maxOccurs="1"/>
+        <xsd:element ref="dc:description" minOccurs="0" maxOccurs="1"/>
+        <xsd:element name="keywords" minOccurs="0" maxOccurs="1" type="xsd:string"/>
+        <xsd:element ref="dc:language" minOccurs="0" maxOccurs="1"/>
+        <xsd:element name="category" minOccurs="0" maxOccurs="1" type="xsd:string"/>
+        <xsd:element name="version" minOccurs="0" maxOccurs="1" type="xsd:string"/>
+        <xsd:element name="revision" minOccurs="0" maxOccurs="1" type="xsd:string">
+          <xsd:annotation>
+            <xsd:documentation>
+                        This value indicates the number of saves or revisions. The application is responsible for updating this value after each revision.
+                    </xsd:documentation>
+          </xsd:annotation>
+        </xsd:element>
+        <xsd:element name="lastModifiedBy" minOccurs="0" maxOccurs="1" type="xsd:string"/>
+        <xsd:element ref="dcterms:modified" minOccurs="0" maxOccurs="1"/>
+        <xsd:element name="contentStatus" minOccurs="0" maxOccurs="1" type="xsd:string"/>
+      </xsd:all>
+    </xsd:complexType>
+  </xsd:schema>
+  <xs:schema xmlns:pc="http://schemas.microsoft.com/office/infopath/2007/PartnerControls" xmlns:xs="http://www.w3.org/2001/XMLSchema" targetNamespace="http://schemas.microsoft.com/office/infopath/2007/PartnerControls" elementFormDefault="qualified" attributeFormDefault="unqualified">
+    <xs:element name="Person">
+      <xs:complexType>
+        <xs:sequence>
+          <xs:element ref="pc:DisplayName" minOccurs="0"/>
+          <xs:element ref="pc:AccountId" minOccurs="0"/>
+          <xs:element ref="pc:AccountType" minOccurs="0"/>
+        </xs:sequence>
+      </xs:complexType>
+    </xs:element>
+    <xs:element name="DisplayName" type="xs:string"/>
+    <xs:element name="AccountId" type="xs:string"/>
+    <xs:element name="AccountType" type="xs:string"/>
+    <xs:element name="BDCAssociatedEntity">
+      <xs:complexType>
+        <xs:sequence>
+          <xs:element ref="pc:BDCEntity" minOccurs="0" maxOccurs="unbounded"/>
+        </xs:sequence>
+        <xs:attribute ref="pc:EntityNamespace"/>
+        <xs:attribute ref="pc:EntityName"/>
+        <xs:attribute ref="pc:SystemInstanceName"/>
+        <xs:attribute ref="pc:AssociationName"/>
+      </xs:complexType>
+    </xs:element>
+    <xs:attribute name="EntityNamespace" type="xs:string"/>
+    <xs:attribute name="EntityName" type="xs:string"/>
+    <xs:attribute name="SystemInstanceName" type="xs:string"/>
+    <xs:attribute name="AssociationName" type="xs:string"/>
+    <xs:element name="BDCEntity">
+      <xs:complexType>
+        <xs:sequence>
+          <xs:element ref="pc:EntityDisplayName" minOccurs="0"/>
+          <xs:element ref="pc:EntityInstanceReference" minOccurs="0"/>
+          <xs:element ref="pc:EntityId1" minOccurs="0"/>
+          <xs:element ref="pc:EntityId2" minOccurs="0"/>
+          <xs:element ref="pc:EntityId3" minOccurs="0"/>
+          <xs:element ref="pc:EntityId4" minOccurs="0"/>
+          <xs:element ref="pc:EntityId5" minOccurs="0"/>
+        </xs:sequence>
+      </xs:complexType>
+    </xs:element>
+    <xs:element name="EntityDisplayName" type="xs:string"/>
+    <xs:element name="EntityInstanceReference" type="xs:string"/>
+    <xs:element name="EntityId1" type="xs:string"/>
+    <xs:element name="EntityId2" type="xs:string"/>
+    <xs:element name="EntityId3" type="xs:string"/>
+    <xs:element name="EntityId4" type="xs:string"/>
+    <xs:element name="EntityId5" type="xs:string"/>
+    <xs:element name="Terms">
+      <xs:complexType>
+        <xs:sequence>
+          <xs:element ref="pc:TermInfo" minOccurs="0" maxOccurs="unbounded"/>
+        </xs:sequence>
+      </xs:complexType>
+    </xs:element>
+    <xs:element name="TermInfo">
+      <xs:complexType>
+        <xs:sequence>
+          <xs:element ref="pc:TermName" minOccurs="0"/>
+          <xs:element ref="pc:TermId" minOccurs="0"/>
+        </xs:sequence>
+      </xs:complexType>
+    </xs:element>
+    <xs:element name="TermName" type="xs:string"/>
+    <xs:element name="TermId" type="xs:string"/>
+  </xs:schema>
+</ct:contentTypeSchema>
+</file>
+
+<file path=customXml/item3.xml><?xml version="1.0" encoding="utf-8"?>
 <outs:outSpaceData xmlns:outs="http://schemas.microsoft.com/office/2009/outspace/metadata">
   <outs:relatedDates>
     <outs:relatedDate>
@@ -17849,126 +17887,6 @@
 </outs:outSpaceData>
 </file>
 
-<file path=customXml/item2.xml><?xml version="1.0" encoding="utf-8"?>
-<p:properties xmlns:p="http://schemas.microsoft.com/office/2006/metadata/properties" xmlns:xsi="http://www.w3.org/2001/XMLSchema-instance">
-  <documentManagement/>
-</p:properties>
-</file>
-
-<file path=customXml/item3.xml><?xml version="1.0" encoding="utf-8"?>
-<ct:contentTypeSchema xmlns:ct="http://schemas.microsoft.com/office/2006/metadata/contentType" xmlns:ma="http://schemas.microsoft.com/office/2006/metadata/properties/metaAttributes" ct:_="" ma:_="" ma:contentTypeName="Document" ma:contentTypeID="0x01010043F7775CCE86F349BB7C51FB3CE6B150" ma:contentTypeVersion="0" ma:contentTypeDescription="Create a new document." ma:contentTypeScope="" ma:versionID="bb563817a2861b6b5994bd26a2ba9e40">
-  <xsd:schema xmlns:xsd="http://www.w3.org/2001/XMLSchema" xmlns:xs="http://www.w3.org/2001/XMLSchema" xmlns:p="http://schemas.microsoft.com/office/2006/metadata/properties" targetNamespace="http://schemas.microsoft.com/office/2006/metadata/properties" ma:root="true" ma:fieldsID="c64490b4aec6201516c3a874156f37b2">
-    <xsd:element name="properties">
-      <xsd:complexType>
-        <xsd:sequence>
-          <xsd:element name="documentManagement">
-            <xsd:complexType>
-              <xsd:all/>
-            </xsd:complexType>
-          </xsd:element>
-        </xsd:sequence>
-      </xsd:complexType>
-    </xsd:element>
-  </xsd:schema>
-  <xsd:schema xmlns="http://schemas.openxmlformats.org/package/2006/metadata/core-properties" xmlns:xsd="http://www.w3.org/2001/XMLSchema" xmlns:xsi="http://www.w3.org/2001/XMLSchema-instance" xmlns:dc="http://purl.org/dc/elements/1.1/" xmlns:dcterms="http://purl.org/dc/terms/" xmlns:odoc="http://schemas.microsoft.com/internal/obd" targetNamespace="http://schemas.openxmlformats.org/package/2006/metadata/core-properties" elementFormDefault="qualified" attributeFormDefault="unqualified" blockDefault="#all">
-    <xsd:import namespace="http://purl.org/dc/elements/1.1/" schemaLocation="http://dublincore.org/schemas/xmls/qdc/2003/04/02/dc.xsd"/>
-    <xsd:import namespace="http://purl.org/dc/terms/" schemaLocation="http://dublincore.org/schemas/xmls/qdc/2003/04/02/dcterms.xsd"/>
-    <xsd:element name="coreProperties" type="CT_coreProperties"/>
-    <xsd:complexType name="CT_coreProperties">
-      <xsd:all>
-        <xsd:element ref="dc:creator" minOccurs="0" maxOccurs="1"/>
-        <xsd:element ref="dcterms:created" minOccurs="0" maxOccurs="1"/>
-        <xsd:element ref="dc:identifier" minOccurs="0" maxOccurs="1"/>
-        <xsd:element name="contentType" minOccurs="0" maxOccurs="1" type="xsd:string" ma:index="0" ma:displayName="Content Type"/>
-        <xsd:element ref="dc:title" minOccurs="0" maxOccurs="1" ma:index="4" ma:displayName="Title"/>
-        <xsd:element ref="dc:subject" minOccurs="0" maxOccurs="1"/>
-        <xsd:element ref="dc:description" minOccurs="0" maxOccurs="1"/>
-        <xsd:element name="keywords" minOccurs="0" maxOccurs="1" type="xsd:string"/>
-        <xsd:element ref="dc:language" minOccurs="0" maxOccurs="1"/>
-        <xsd:element name="category" minOccurs="0" maxOccurs="1" type="xsd:string"/>
-        <xsd:element name="version" minOccurs="0" maxOccurs="1" type="xsd:string"/>
-        <xsd:element name="revision" minOccurs="0" maxOccurs="1" type="xsd:string">
-          <xsd:annotation>
-            <xsd:documentation>
-                        This value indicates the number of saves or revisions. The application is responsible for updating this value after each revision.
-                    </xsd:documentation>
-          </xsd:annotation>
-        </xsd:element>
-        <xsd:element name="lastModifiedBy" minOccurs="0" maxOccurs="1" type="xsd:string"/>
-        <xsd:element ref="dcterms:modified" minOccurs="0" maxOccurs="1"/>
-        <xsd:element name="contentStatus" minOccurs="0" maxOccurs="1" type="xsd:string"/>
-      </xsd:all>
-    </xsd:complexType>
-  </xsd:schema>
-  <xs:schema xmlns:pc="http://schemas.microsoft.com/office/infopath/2007/PartnerControls" xmlns:xs="http://www.w3.org/2001/XMLSchema" targetNamespace="http://schemas.microsoft.com/office/infopath/2007/PartnerControls" elementFormDefault="qualified" attributeFormDefault="unqualified">
-    <xs:element name="Person">
-      <xs:complexType>
-        <xs:sequence>
-          <xs:element ref="pc:DisplayName" minOccurs="0"/>
-          <xs:element ref="pc:AccountId" minOccurs="0"/>
-          <xs:element ref="pc:AccountType" minOccurs="0"/>
-        </xs:sequence>
-      </xs:complexType>
-    </xs:element>
-    <xs:element name="DisplayName" type="xs:string"/>
-    <xs:element name="AccountId" type="xs:string"/>
-    <xs:element name="AccountType" type="xs:string"/>
-    <xs:element name="BDCAssociatedEntity">
-      <xs:complexType>
-        <xs:sequence>
-          <xs:element ref="pc:BDCEntity" minOccurs="0" maxOccurs="unbounded"/>
-        </xs:sequence>
-        <xs:attribute ref="pc:EntityNamespace"/>
-        <xs:attribute ref="pc:EntityName"/>
-        <xs:attribute ref="pc:SystemInstanceName"/>
-        <xs:attribute ref="pc:AssociationName"/>
-      </xs:complexType>
-    </xs:element>
-    <xs:attribute name="EntityNamespace" type="xs:string"/>
-    <xs:attribute name="EntityName" type="xs:string"/>
-    <xs:attribute name="SystemInstanceName" type="xs:string"/>
-    <xs:attribute name="AssociationName" type="xs:string"/>
-    <xs:element name="BDCEntity">
-      <xs:complexType>
-        <xs:sequence>
-          <xs:element ref="pc:EntityDisplayName" minOccurs="0"/>
-          <xs:element ref="pc:EntityInstanceReference" minOccurs="0"/>
-          <xs:element ref="pc:EntityId1" minOccurs="0"/>
-          <xs:element ref="pc:EntityId2" minOccurs="0"/>
-          <xs:element ref="pc:EntityId3" minOccurs="0"/>
-          <xs:element ref="pc:EntityId4" minOccurs="0"/>
-          <xs:element ref="pc:EntityId5" minOccurs="0"/>
-        </xs:sequence>
-      </xs:complexType>
-    </xs:element>
-    <xs:element name="EntityDisplayName" type="xs:string"/>
-    <xs:element name="EntityInstanceReference" type="xs:string"/>
-    <xs:element name="EntityId1" type="xs:string"/>
-    <xs:element name="EntityId2" type="xs:string"/>
-    <xs:element name="EntityId3" type="xs:string"/>
-    <xs:element name="EntityId4" type="xs:string"/>
-    <xs:element name="EntityId5" type="xs:string"/>
-    <xs:element name="Terms">
-      <xs:complexType>
-        <xs:sequence>
-          <xs:element ref="pc:TermInfo" minOccurs="0" maxOccurs="unbounded"/>
-        </xs:sequence>
-      </xs:complexType>
-    </xs:element>
-    <xs:element name="TermInfo">
-      <xs:complexType>
-        <xs:sequence>
-          <xs:element ref="pc:TermName" minOccurs="0"/>
-          <xs:element ref="pc:TermId" minOccurs="0"/>
-        </xs:sequence>
-      </xs:complexType>
-    </xs:element>
-    <xs:element name="TermName" type="xs:string"/>
-    <xs:element name="TermId" type="xs:string"/>
-  </xs:schema>
-</ct:contentTypeSchema>
-</file>
-
 <file path=customXml/item4.xml><?xml version="1.0" encoding="utf-8"?>
 <?mso-contentType ?>
 <FormTemplates xmlns="http://schemas.microsoft.com/sharepoint/v3/contenttype/forms">
@@ -17979,14 +17897,6 @@
 </file>
 
 <file path=customXml/itemProps1.xml><?xml version="1.0" encoding="utf-8"?>
-<ds:datastoreItem xmlns:ds="http://schemas.openxmlformats.org/officeDocument/2006/customXml" ds:itemID="{8865FC99-B6BD-4E98-8312-F4F432C217EA}">
-  <ds:schemaRefs>
-    <ds:schemaRef ds:uri="http://schemas.microsoft.com/office/2009/outspace/metadata"/>
-  </ds:schemaRefs>
-</ds:datastoreItem>
-</file>
-
-<file path=customXml/itemProps2.xml><?xml version="1.0" encoding="utf-8"?>
 <ds:datastoreItem xmlns:ds="http://schemas.openxmlformats.org/officeDocument/2006/customXml" ds:itemID="{A5547237-B119-45CA-BEFC-A2DA2BDB03E7}">
   <ds:schemaRefs>
     <ds:schemaRef ds:uri="http://schemas.microsoft.com/office/2006/documentManagement/types"/>
@@ -18001,7 +17911,7 @@
 </ds:datastoreItem>
 </file>
 
-<file path=customXml/itemProps3.xml><?xml version="1.0" encoding="utf-8"?>
+<file path=customXml/itemProps2.xml><?xml version="1.0" encoding="utf-8"?>
 <ds:datastoreItem xmlns:ds="http://schemas.openxmlformats.org/officeDocument/2006/customXml" ds:itemID="{E31B5E98-6A59-4EC7-A18B-B1626004080B}">
   <ds:schemaRefs>
     <ds:schemaRef ds:uri="http://schemas.microsoft.com/office/2006/metadata/contentType"/>
@@ -18017,6 +17927,14 @@
 </ds:datastoreItem>
 </file>
 
+<file path=customXml/itemProps3.xml><?xml version="1.0" encoding="utf-8"?>
+<ds:datastoreItem xmlns:ds="http://schemas.openxmlformats.org/officeDocument/2006/customXml" ds:itemID="{8865FC99-B6BD-4E98-8312-F4F432C217EA}">
+  <ds:schemaRefs>
+    <ds:schemaRef ds:uri="http://schemas.microsoft.com/office/2009/outspace/metadata"/>
+  </ds:schemaRefs>
+</ds:datastoreItem>
+</file>
+
 <file path=customXml/itemProps4.xml><?xml version="1.0" encoding="utf-8"?>
 <ds:datastoreItem xmlns:ds="http://schemas.openxmlformats.org/officeDocument/2006/customXml" ds:itemID="{6034B84F-8F8E-48B7-9EFF-C7DE1A66BD73}">
   <ds:schemaRefs>

--- a/01 GettingStarted.pptx
+++ b/01 GettingStarted.pptx
@@ -5,10 +5,10 @@
     <p:sldMasterId id="2147483648" r:id="rId5"/>
   </p:sldMasterIdLst>
   <p:notesMasterIdLst>
-    <p:notesMasterId r:id="rId62"/>
+    <p:notesMasterId r:id="rId61"/>
   </p:notesMasterIdLst>
   <p:handoutMasterIdLst>
-    <p:handoutMasterId r:id="rId63"/>
+    <p:handoutMasterId r:id="rId62"/>
   </p:handoutMasterIdLst>
   <p:sldIdLst>
     <p:sldId id="279" r:id="rId6"/>
@@ -23,50 +23,49 @@
     <p:sldId id="476" r:id="rId15"/>
     <p:sldId id="429" r:id="rId16"/>
     <p:sldId id="385" r:id="rId17"/>
-    <p:sldId id="386" r:id="rId18"/>
-    <p:sldId id="430" r:id="rId19"/>
-    <p:sldId id="432" r:id="rId20"/>
-    <p:sldId id="433" r:id="rId21"/>
-    <p:sldId id="410" r:id="rId22"/>
-    <p:sldId id="467" r:id="rId23"/>
-    <p:sldId id="468" r:id="rId24"/>
-    <p:sldId id="472" r:id="rId25"/>
-    <p:sldId id="339" r:id="rId26"/>
-    <p:sldId id="340" r:id="rId27"/>
-    <p:sldId id="342" r:id="rId28"/>
-    <p:sldId id="343" r:id="rId29"/>
-    <p:sldId id="344" r:id="rId30"/>
-    <p:sldId id="345" r:id="rId31"/>
-    <p:sldId id="346" r:id="rId32"/>
-    <p:sldId id="347" r:id="rId33"/>
-    <p:sldId id="349" r:id="rId34"/>
-    <p:sldId id="350" r:id="rId35"/>
-    <p:sldId id="357" r:id="rId36"/>
-    <p:sldId id="358" r:id="rId37"/>
-    <p:sldId id="359" r:id="rId38"/>
-    <p:sldId id="369" r:id="rId39"/>
-    <p:sldId id="371" r:id="rId40"/>
-    <p:sldId id="373" r:id="rId41"/>
-    <p:sldId id="374" r:id="rId42"/>
-    <p:sldId id="375" r:id="rId43"/>
-    <p:sldId id="376" r:id="rId44"/>
-    <p:sldId id="377" r:id="rId45"/>
-    <p:sldId id="473" r:id="rId46"/>
-    <p:sldId id="440" r:id="rId47"/>
-    <p:sldId id="398" r:id="rId48"/>
-    <p:sldId id="455" r:id="rId49"/>
-    <p:sldId id="474" r:id="rId50"/>
-    <p:sldId id="280" r:id="rId51"/>
-    <p:sldId id="281" r:id="rId52"/>
-    <p:sldId id="282" r:id="rId53"/>
-    <p:sldId id="284" r:id="rId54"/>
-    <p:sldId id="285" r:id="rId55"/>
-    <p:sldId id="286" r:id="rId56"/>
-    <p:sldId id="287" r:id="rId57"/>
-    <p:sldId id="288" r:id="rId58"/>
-    <p:sldId id="296" r:id="rId59"/>
-    <p:sldId id="297" r:id="rId60"/>
-    <p:sldId id="475" r:id="rId61"/>
+    <p:sldId id="430" r:id="rId18"/>
+    <p:sldId id="386" r:id="rId19"/>
+    <p:sldId id="433" r:id="rId20"/>
+    <p:sldId id="410" r:id="rId21"/>
+    <p:sldId id="467" r:id="rId22"/>
+    <p:sldId id="468" r:id="rId23"/>
+    <p:sldId id="472" r:id="rId24"/>
+    <p:sldId id="339" r:id="rId25"/>
+    <p:sldId id="340" r:id="rId26"/>
+    <p:sldId id="342" r:id="rId27"/>
+    <p:sldId id="343" r:id="rId28"/>
+    <p:sldId id="344" r:id="rId29"/>
+    <p:sldId id="345" r:id="rId30"/>
+    <p:sldId id="346" r:id="rId31"/>
+    <p:sldId id="347" r:id="rId32"/>
+    <p:sldId id="349" r:id="rId33"/>
+    <p:sldId id="350" r:id="rId34"/>
+    <p:sldId id="357" r:id="rId35"/>
+    <p:sldId id="358" r:id="rId36"/>
+    <p:sldId id="359" r:id="rId37"/>
+    <p:sldId id="369" r:id="rId38"/>
+    <p:sldId id="371" r:id="rId39"/>
+    <p:sldId id="373" r:id="rId40"/>
+    <p:sldId id="374" r:id="rId41"/>
+    <p:sldId id="375" r:id="rId42"/>
+    <p:sldId id="376" r:id="rId43"/>
+    <p:sldId id="377" r:id="rId44"/>
+    <p:sldId id="473" r:id="rId45"/>
+    <p:sldId id="440" r:id="rId46"/>
+    <p:sldId id="398" r:id="rId47"/>
+    <p:sldId id="455" r:id="rId48"/>
+    <p:sldId id="474" r:id="rId49"/>
+    <p:sldId id="280" r:id="rId50"/>
+    <p:sldId id="281" r:id="rId51"/>
+    <p:sldId id="282" r:id="rId52"/>
+    <p:sldId id="284" r:id="rId53"/>
+    <p:sldId id="285" r:id="rId54"/>
+    <p:sldId id="286" r:id="rId55"/>
+    <p:sldId id="287" r:id="rId56"/>
+    <p:sldId id="288" r:id="rId57"/>
+    <p:sldId id="296" r:id="rId58"/>
+    <p:sldId id="297" r:id="rId59"/>
+    <p:sldId id="475" r:id="rId60"/>
   </p:sldIdLst>
   <p:sldSz cx="9144000" cy="6858000" type="screen4x3"/>
   <p:notesSz cx="7315200" cy="9601200"/>
@@ -841,7 +840,7 @@
             <a:fld id="{073E6628-0705-4E34-90AA-D61A964D0AFD}" type="slidenum">
               <a:rPr lang="en-US" smtClean="0"/>
               <a:pPr/>
-              <a:t>22</a:t>
+              <a:t>21</a:t>
             </a:fld>
             <a:endParaRPr lang="en-US" dirty="0"/>
           </a:p>
@@ -1193,7 +1192,7 @@
           <a:p>
             <a:fld id="{9A8B9A9E-036D-4C4B-847D-A3893FA8F1DA}" type="slidenum">
               <a:rPr lang="en-US" smtClean="0"/>
-              <a:t>42</a:t>
+              <a:t>41</a:t>
             </a:fld>
             <a:endParaRPr lang="en-US"/>
           </a:p>
@@ -1449,7 +1448,7 @@
           <a:p>
             <a:fld id="{9A8B9A9E-036D-4C4B-847D-A3893FA8F1DA}" type="slidenum">
               <a:rPr lang="en-US" smtClean="0"/>
-              <a:t>44</a:t>
+              <a:t>43</a:t>
             </a:fld>
             <a:endParaRPr lang="en-US"/>
           </a:p>
@@ -2079,7 +2078,7 @@
           <a:p>
             <a:fld id="{C5A2A3EB-BE87-4080-97A4-5341D2051EE4}" type="datetime1">
               <a:rPr lang="en-US" smtClean="0"/>
-              <a:t>1/8/2019</a:t>
+              <a:t>4/21/2019</a:t>
             </a:fld>
             <a:endParaRPr lang="en-US"/>
           </a:p>
@@ -2421,22 +2420,6 @@
           <a:bodyPr/>
           <a:lstStyle/>
           <a:p>
-            <a:r>
-              <a:rPr lang="en-US" sz="2000" dirty="0"/>
-              <a:t>Once you have created your new Office 365 Enterprise E5 trial account, you should</a:t>
-            </a:r>
-            <a:r>
-              <a:rPr lang="en-US" sz="2000" baseline="0" dirty="0"/>
-              <a:t> become familiar with the process of navigating around inside the </a:t>
-            </a:r>
-            <a:r>
-              <a:rPr lang="en-US" sz="2000" dirty="0"/>
-              <a:t>Office 365 admin center.</a:t>
-            </a:r>
-            <a:r>
-              <a:rPr lang="en-US" sz="2000" baseline="0" dirty="0"/>
-              <a:t> For example, you need to learn how to add new user accounts. You should also learn how to view and create groups in Office 365. That’s because every Power BI group workspace is backed by an underlying Office 365 group. That means that you can use the Office 365 admin center to add and remove users from a Power BI group workspace.</a:t>
-            </a:r>
             <a:endParaRPr lang="en-US" dirty="0"/>
           </a:p>
         </p:txBody>
@@ -2444,7 +2427,7 @@
     </p:spTree>
     <p:extLst>
       <p:ext uri="{BB962C8B-B14F-4D97-AF65-F5344CB8AC3E}">
-        <p14:creationId xmlns:p14="http://schemas.microsoft.com/office/powerpoint/2010/main" val="1516302284"/>
+        <p14:creationId xmlns:p14="http://schemas.microsoft.com/office/powerpoint/2010/main" val="697568576"/>
       </p:ext>
     </p:extLst>
   </p:cSld>
@@ -2498,6 +2481,22 @@
           <a:bodyPr/>
           <a:lstStyle/>
           <a:p>
+            <a:r>
+              <a:rPr lang="en-US" sz="2000" dirty="0"/>
+              <a:t>Once you have created your new Office 365 Enterprise E5 trial account, you should</a:t>
+            </a:r>
+            <a:r>
+              <a:rPr lang="en-US" sz="2000" baseline="0" dirty="0"/>
+              <a:t> become familiar with the process of navigating around inside the </a:t>
+            </a:r>
+            <a:r>
+              <a:rPr lang="en-US" sz="2000" dirty="0"/>
+              <a:t>Microsoft 365 admin center.</a:t>
+            </a:r>
+            <a:r>
+              <a:rPr lang="en-US" sz="2000" baseline="0" dirty="0"/>
+              <a:t> For example, you need to learn how to add new user accounts. You should also learn how to view and create groups in Office 365. That’s because every Power BI group workspace is backed by an underlying Office 365 group. That means that you can use the Microsoft 365 admin center to add and remove users from a Power BI group workspace.</a:t>
+            </a:r>
             <a:endParaRPr lang="en-US" dirty="0"/>
           </a:p>
         </p:txBody>
@@ -2505,7 +2504,7 @@
     </p:spTree>
     <p:extLst>
       <p:ext uri="{BB962C8B-B14F-4D97-AF65-F5344CB8AC3E}">
-        <p14:creationId xmlns:p14="http://schemas.microsoft.com/office/powerpoint/2010/main" val="697568576"/>
+        <p14:creationId xmlns:p14="http://schemas.microsoft.com/office/powerpoint/2010/main" val="1516302284"/>
       </p:ext>
     </p:extLst>
   </p:cSld>
@@ -2750,7 +2749,7 @@
             <a:fld id="{073E6628-0705-4E34-90AA-D61A964D0AFD}" type="slidenum">
               <a:rPr lang="en-US" smtClean="0"/>
               <a:pPr/>
-              <a:t>21</a:t>
+              <a:t>20</a:t>
             </a:fld>
             <a:endParaRPr lang="en-US" dirty="0"/>
           </a:p>
@@ -6406,7 +6405,7 @@
           <a:p>
             <a:r>
               <a:rPr lang="en-US" dirty="0"/>
-              <a:t>Office 365 admin center</a:t>
+              <a:t>Office 365 Tenancies in SharePoint Online</a:t>
             </a:r>
           </a:p>
         </p:txBody>
@@ -6423,65 +6422,65 @@
         </p:nvSpPr>
         <p:spPr/>
         <p:txBody>
-          <a:bodyPr>
-            <a:normAutofit/>
-          </a:bodyPr>
+          <a:bodyPr/>
           <a:lstStyle/>
           <a:p>
             <a:r>
-              <a:rPr lang="en-US" sz="2400" dirty="0"/>
-              <a:t>Chores to accomplish in Office 365 admin center</a:t>
+              <a:rPr lang="en-US" dirty="0"/>
+              <a:t>Office 365 environment based on tenancies</a:t>
             </a:r>
           </a:p>
           <a:p>
             <a:pPr lvl="1"/>
             <a:r>
-              <a:rPr lang="en-US" sz="2000" dirty="0"/>
-              <a:t>Learn how to add secondary user accounts for testing</a:t>
+              <a:rPr lang="en-US" dirty="0"/>
+              <a:t>New tenancy is created for each customer organization</a:t>
             </a:r>
           </a:p>
           <a:p>
             <a:pPr lvl="1"/>
             <a:r>
-              <a:rPr lang="en-US" sz="2000" dirty="0"/>
-              <a:t>Learn how to view and manage groups</a:t>
-            </a:r>
-          </a:p>
-        </p:txBody>
-      </p:sp>
-      <p:pic>
-        <p:nvPicPr>
-          <p:cNvPr id="7" name="Picture 6"/>
-          <p:cNvPicPr>
-            <a:picLocks noChangeAspect="1"/>
-          </p:cNvPicPr>
-          <p:nvPr/>
-        </p:nvPicPr>
-        <p:blipFill>
-          <a:blip r:embed="rId3"/>
-          <a:stretch>
-            <a:fillRect/>
-          </a:stretch>
-        </p:blipFill>
-        <p:spPr>
-          <a:xfrm>
-            <a:off x="381000" y="2971800"/>
-            <a:ext cx="7991781" cy="2743200"/>
-          </a:xfrm>
-          <a:prstGeom prst="rect">
-            <a:avLst/>
-          </a:prstGeom>
-          <a:ln>
-            <a:solidFill>
-              <a:schemeClr val="tx1"/>
-            </a:solidFill>
-          </a:ln>
-        </p:spPr>
-      </p:pic>
+              <a:rPr lang="en-US" dirty="0"/>
+              <a:t>Tenancy provides scope for creating users and groups</a:t>
+            </a:r>
+          </a:p>
+          <a:p>
+            <a:pPr lvl="1"/>
+            <a:r>
+              <a:rPr lang="en-US" dirty="0"/>
+              <a:t>Tenancy provides scope for creating SharePoint sites</a:t>
+            </a:r>
+          </a:p>
+          <a:p>
+            <a:pPr lvl="1"/>
+            <a:r>
+              <a:rPr lang="en-US" dirty="0"/>
+              <a:t>Tenancy provides scope for Azure AD applications</a:t>
+            </a:r>
+          </a:p>
+          <a:p>
+            <a:pPr lvl="1"/>
+            <a:endParaRPr lang="en-US" dirty="0"/>
+          </a:p>
+          <a:p>
+            <a:r>
+              <a:rPr lang="en-US" dirty="0"/>
+              <a:t>Office 365 Developer should be tenant admin</a:t>
+            </a:r>
+          </a:p>
+          <a:p>
+            <a:pPr lvl="1"/>
+            <a:r>
+              <a:rPr lang="en-US" dirty="0"/>
+              <a:t>Provides permissions you need to develop and test</a:t>
+            </a:r>
+          </a:p>
+        </p:txBody>
+      </p:sp>
     </p:spTree>
     <p:extLst>
       <p:ext uri="{BB962C8B-B14F-4D97-AF65-F5344CB8AC3E}">
-        <p14:creationId xmlns:p14="http://schemas.microsoft.com/office/powerpoint/2010/main" val="2736410926"/>
+        <p14:creationId xmlns:p14="http://schemas.microsoft.com/office/powerpoint/2010/main" val="898168267"/>
       </p:ext>
     </p:extLst>
   </p:cSld>
@@ -6525,7 +6524,7 @@
           <a:p>
             <a:r>
               <a:rPr lang="en-US" dirty="0"/>
-              <a:t>Office 365 Tenancies in SharePoint Online</a:t>
+              <a:t>Microsoft 365 admin center</a:t>
             </a:r>
           </a:p>
         </p:txBody>
@@ -6542,65 +6541,85 @@
         </p:nvSpPr>
         <p:spPr/>
         <p:txBody>
-          <a:bodyPr/>
+          <a:bodyPr>
+            <a:normAutofit/>
+          </a:bodyPr>
           <a:lstStyle/>
           <a:p>
             <a:r>
-              <a:rPr lang="en-US" dirty="0"/>
-              <a:t>Office 365 environment based on tenancies</a:t>
+              <a:rPr lang="en-US" sz="2400" dirty="0"/>
+              <a:t>Chores to accomplish in Microsoft 365 admin center</a:t>
             </a:r>
           </a:p>
           <a:p>
             <a:pPr lvl="1"/>
             <a:r>
-              <a:rPr lang="en-US" dirty="0"/>
-              <a:t>New tenancy is created for each customer organization</a:t>
+              <a:rPr lang="en-US" sz="2000" dirty="0"/>
+              <a:t>Accessible at </a:t>
+            </a:r>
+            <a:r>
+              <a:rPr lang="en-US" sz="2000" b="1" dirty="0"/>
+              <a:t>https://admin.microsoft.com/Adminportal</a:t>
             </a:r>
           </a:p>
           <a:p>
             <a:pPr lvl="1"/>
             <a:r>
-              <a:rPr lang="en-US" dirty="0"/>
-              <a:t>Tenancy provides scope for creating users and groups</a:t>
+              <a:rPr lang="en-US" sz="2000" dirty="0"/>
+              <a:t>Learn how to add secondary user accounts for testing</a:t>
             </a:r>
           </a:p>
           <a:p>
             <a:pPr lvl="1"/>
             <a:r>
-              <a:rPr lang="en-US" dirty="0"/>
-              <a:t>Tenancy provides scope for creating SharePoint sites</a:t>
-            </a:r>
-          </a:p>
-          <a:p>
-            <a:pPr lvl="1"/>
-            <a:r>
-              <a:rPr lang="en-US" dirty="0"/>
-              <a:t>Tenancy provides scope for SharePoint add-ins</a:t>
-            </a:r>
-          </a:p>
-          <a:p>
-            <a:pPr lvl="1"/>
-            <a:endParaRPr lang="en-US" dirty="0"/>
-          </a:p>
-          <a:p>
-            <a:r>
-              <a:rPr lang="en-US" dirty="0"/>
-              <a:t>Office 365 Developer should be tenant admin</a:t>
-            </a:r>
-          </a:p>
-          <a:p>
-            <a:pPr lvl="1"/>
-            <a:r>
-              <a:rPr lang="en-US" dirty="0"/>
-              <a:t>Provides permissions you need to develop and test</a:t>
-            </a:r>
-          </a:p>
-        </p:txBody>
-      </p:sp>
+              <a:rPr lang="en-US" sz="2000" dirty="0"/>
+              <a:t>Learn how to view and manage groups</a:t>
+            </a:r>
+          </a:p>
+        </p:txBody>
+      </p:sp>
+      <p:pic>
+        <p:nvPicPr>
+          <p:cNvPr id="4" name="Picture 3">
+            <a:extLst>
+              <a:ext uri="{FF2B5EF4-FFF2-40B4-BE49-F238E27FC236}">
+                <a16:creationId xmlns:a16="http://schemas.microsoft.com/office/drawing/2014/main" id="{74FE6344-EAD3-4F00-B29B-9926BC71C98E}"/>
+              </a:ext>
+            </a:extLst>
+          </p:cNvPr>
+          <p:cNvPicPr>
+            <a:picLocks noChangeAspect="1"/>
+          </p:cNvPicPr>
+          <p:nvPr/>
+        </p:nvPicPr>
+        <p:blipFill>
+          <a:blip r:embed="rId3"/>
+          <a:stretch>
+            <a:fillRect/>
+          </a:stretch>
+        </p:blipFill>
+        <p:spPr>
+          <a:xfrm>
+            <a:off x="772943" y="3200400"/>
+            <a:ext cx="7598113" cy="3200400"/>
+          </a:xfrm>
+          <a:prstGeom prst="rect">
+            <a:avLst/>
+          </a:prstGeom>
+          <a:ln>
+            <a:solidFill>
+              <a:schemeClr val="tx1">
+                <a:lumMod val="50000"/>
+                <a:lumOff val="50000"/>
+              </a:schemeClr>
+            </a:solidFill>
+          </a:ln>
+        </p:spPr>
+      </p:pic>
     </p:spTree>
     <p:extLst>
       <p:ext uri="{BB962C8B-B14F-4D97-AF65-F5344CB8AC3E}">
-        <p14:creationId xmlns:p14="http://schemas.microsoft.com/office/powerpoint/2010/main" val="898168267"/>
+        <p14:creationId xmlns:p14="http://schemas.microsoft.com/office/powerpoint/2010/main" val="2736410926"/>
       </p:ext>
     </p:extLst>
   </p:cSld>
@@ -6629,7 +6648,7 @@
       </p:grpSpPr>
       <p:sp>
         <p:nvSpPr>
-          <p:cNvPr id="4" name="Title 3"/>
+          <p:cNvPr id="2" name="Title 1"/>
           <p:cNvSpPr>
             <a:spLocks noGrp="1"/>
           </p:cNvSpPr>
@@ -6644,14 +6663,75 @@
           <a:p>
             <a:r>
               <a:rPr lang="en-US" dirty="0"/>
-              <a:t>Office 365 admin center</a:t>
+              <a:t>The New SharePoint admin center</a:t>
+            </a:r>
+          </a:p>
+        </p:txBody>
+      </p:sp>
+      <p:sp>
+        <p:nvSpPr>
+          <p:cNvPr id="7" name="Content Placeholder 6">
+            <a:extLst>
+              <a:ext uri="{FF2B5EF4-FFF2-40B4-BE49-F238E27FC236}">
+                <a16:creationId xmlns:a16="http://schemas.microsoft.com/office/drawing/2014/main" id="{89E5A6DB-40EF-4E8F-B659-95E8E1672D00}"/>
+              </a:ext>
+            </a:extLst>
+          </p:cNvPr>
+          <p:cNvSpPr>
+            <a:spLocks noGrp="1"/>
+          </p:cNvSpPr>
+          <p:nvPr>
+            <p:ph idx="1"/>
+          </p:nvPr>
+        </p:nvSpPr>
+        <p:spPr/>
+        <p:txBody>
+          <a:bodyPr>
+            <a:normAutofit/>
+          </a:bodyPr>
+          <a:lstStyle/>
+          <a:p>
+            <a:r>
+              <a:rPr lang="en-US" sz="2400" dirty="0"/>
+              <a:t>Provides tenant-level administrative features</a:t>
+            </a:r>
+          </a:p>
+          <a:p>
+            <a:pPr lvl="1"/>
+            <a:r>
+              <a:rPr lang="en-US" sz="2000" dirty="0"/>
+              <a:t>Accessible at </a:t>
+            </a:r>
+            <a:r>
+              <a:rPr lang="en-US" sz="2000" b="1" dirty="0"/>
+              <a:t>https://</a:t>
+            </a:r>
+            <a:r>
+              <a:rPr lang="en-US" sz="1800" b="1" dirty="0">
+                <a:solidFill>
+                  <a:schemeClr val="accent2">
+                    <a:lumMod val="75000"/>
+                  </a:schemeClr>
+                </a:solidFill>
+              </a:rPr>
+              <a:t>[TENANT_NAME]</a:t>
+            </a:r>
+            <a:r>
+              <a:rPr lang="en-US" sz="2000" b="1" dirty="0"/>
+              <a:t>-admin.sharepoint.com</a:t>
             </a:r>
           </a:p>
         </p:txBody>
       </p:sp>
       <p:pic>
         <p:nvPicPr>
-          <p:cNvPr id="5" name="Picture 4"/>
+          <p:cNvPr id="8" name="Picture 7">
+            <a:extLst>
+              <a:ext uri="{FF2B5EF4-FFF2-40B4-BE49-F238E27FC236}">
+                <a16:creationId xmlns:a16="http://schemas.microsoft.com/office/drawing/2014/main" id="{9BAE5CC2-42CA-4A83-9D65-32844113D388}"/>
+              </a:ext>
+            </a:extLst>
+          </p:cNvPr>
           <p:cNvPicPr>
             <a:picLocks noChangeAspect="1"/>
           </p:cNvPicPr>
@@ -6665,16 +6745,17 @@
         </p:blipFill>
         <p:spPr>
           <a:xfrm>
-            <a:off x="328887" y="1219200"/>
-            <a:ext cx="8413641" cy="5105400"/>
+            <a:off x="611841" y="2514600"/>
+            <a:ext cx="7691717" cy="2514600"/>
           </a:xfrm>
           <a:prstGeom prst="rect">
             <a:avLst/>
           </a:prstGeom>
           <a:ln>
             <a:solidFill>
-              <a:schemeClr val="bg1">
+              <a:schemeClr val="tx1">
                 <a:lumMod val="50000"/>
+                <a:lumOff val="50000"/>
               </a:schemeClr>
             </a:solidFill>
           </a:ln>
@@ -6683,7 +6764,7 @@
     </p:spTree>
     <p:extLst>
       <p:ext uri="{BB962C8B-B14F-4D97-AF65-F5344CB8AC3E}">
-        <p14:creationId xmlns:p14="http://schemas.microsoft.com/office/powerpoint/2010/main" val="2607410159"/>
+        <p14:creationId xmlns:p14="http://schemas.microsoft.com/office/powerpoint/2010/main" val="2910537742"/>
       </p:ext>
     </p:extLst>
   </p:cSld>
@@ -6727,37 +6808,129 @@
           <a:p>
             <a:r>
               <a:rPr lang="en-US" dirty="0"/>
-              <a:t>SharePoint admin center</a:t>
+              <a:t>SharePoint Online Management Shell</a:t>
+            </a:r>
+          </a:p>
+        </p:txBody>
+      </p:sp>
+      <p:sp>
+        <p:nvSpPr>
+          <p:cNvPr id="3" name="Content Placeholder 2">
+            <a:extLst>
+              <a:ext uri="{FF2B5EF4-FFF2-40B4-BE49-F238E27FC236}">
+                <a16:creationId xmlns:a16="http://schemas.microsoft.com/office/drawing/2014/main" id="{807CCC46-D717-41BA-9C0A-FD747F2F3352}"/>
+              </a:ext>
+            </a:extLst>
+          </p:cNvPr>
+          <p:cNvSpPr>
+            <a:spLocks noGrp="1"/>
+          </p:cNvSpPr>
+          <p:nvPr>
+            <p:ph idx="1"/>
+          </p:nvPr>
+        </p:nvSpPr>
+        <p:spPr/>
+        <p:txBody>
+          <a:bodyPr>
+            <a:normAutofit/>
+          </a:bodyPr>
+          <a:lstStyle/>
+          <a:p>
+            <a:r>
+              <a:rPr lang="en-US" sz="2000" dirty="0"/>
+              <a:t>Connect to admin site using </a:t>
+            </a:r>
+            <a:r>
+              <a:rPr lang="en-US" sz="2000" b="1" dirty="0"/>
+              <a:t>Connect-</a:t>
+            </a:r>
+            <a:r>
+              <a:rPr lang="en-US" sz="2000" b="1" dirty="0" err="1"/>
+              <a:t>SPOService</a:t>
+            </a:r>
+            <a:endParaRPr lang="en-US" sz="2000" b="1" dirty="0"/>
+          </a:p>
+          <a:p>
+            <a:r>
+              <a:rPr lang="en-US" sz="2000" dirty="0"/>
+              <a:t>Call SPO cmdlets to query and update SharePoint assets</a:t>
+            </a:r>
+          </a:p>
+          <a:p>
+            <a:endParaRPr lang="en-US" sz="2000" dirty="0"/>
+          </a:p>
+          <a:p>
+            <a:endParaRPr lang="en-US" sz="2000" dirty="0"/>
+          </a:p>
+          <a:p>
+            <a:endParaRPr lang="en-US" sz="2000" dirty="0"/>
+          </a:p>
+          <a:p>
+            <a:endParaRPr lang="en-US" sz="2000" dirty="0"/>
+          </a:p>
+          <a:p>
+            <a:endParaRPr lang="en-US" sz="2000" dirty="0"/>
+          </a:p>
+          <a:p>
+            <a:endParaRPr lang="en-US" sz="2000" dirty="0"/>
+          </a:p>
+          <a:p>
+            <a:r>
+              <a:rPr lang="en-US" sz="2000" dirty="0"/>
+              <a:t>Call </a:t>
+            </a:r>
+            <a:r>
+              <a:rPr lang="en-US" sz="2000" b="1" dirty="0"/>
+              <a:t>New-</a:t>
+            </a:r>
+            <a:r>
+              <a:rPr lang="en-US" sz="2000" b="1" dirty="0" err="1"/>
+              <a:t>SPOSite</a:t>
+            </a:r>
+            <a:r>
+              <a:rPr lang="en-US" sz="2000" dirty="0"/>
+              <a:t> to create a new SharePoint site</a:t>
             </a:r>
           </a:p>
         </p:txBody>
       </p:sp>
       <p:pic>
         <p:nvPicPr>
-          <p:cNvPr id="3" name="Picture 2"/>
-          <p:cNvPicPr>
-            <a:picLocks noChangeAspect="1"/>
-          </p:cNvPicPr>
+          <p:cNvPr id="5" name="Picture 4">
+            <a:extLst>
+              <a:ext uri="{FF2B5EF4-FFF2-40B4-BE49-F238E27FC236}">
+                <a16:creationId xmlns:a16="http://schemas.microsoft.com/office/drawing/2014/main" id="{53FDC0A7-1AC8-4A3A-A25E-2C90881733E3}"/>
+              </a:ext>
+            </a:extLst>
+          </p:cNvPr>
+          <p:cNvPicPr/>
           <p:nvPr/>
         </p:nvPicPr>
-        <p:blipFill>
-          <a:blip r:embed="rId2"/>
-          <a:stretch>
-            <a:fillRect/>
-          </a:stretch>
+        <p:blipFill rotWithShape="1">
+          <a:blip r:embed="rId2" cstate="print">
+            <a:extLst>
+              <a:ext uri="{28A0092B-C50C-407E-A947-70E740481C1C}">
+                <a14:useLocalDpi xmlns:a14="http://schemas.microsoft.com/office/drawing/2010/main" val="0"/>
+              </a:ext>
+            </a:extLst>
+          </a:blip>
+          <a:srcRect r="5441" b="59524"/>
+          <a:stretch/>
         </p:blipFill>
-        <p:spPr>
+        <p:spPr bwMode="auto">
           <a:xfrm>
-            <a:off x="208128" y="1219200"/>
-            <a:ext cx="1562669" cy="5453130"/>
+            <a:off x="848033" y="5105400"/>
+            <a:ext cx="7686368" cy="1306683"/>
           </a:xfrm>
           <a:prstGeom prst="rect">
             <a:avLst/>
           </a:prstGeom>
+          <a:noFill/>
           <a:ln>
             <a:solidFill>
-              <a:schemeClr val="bg1">
+              <a:schemeClr val="tx1">
                 <a:lumMod val="50000"/>
+                <a:lumOff val="50000"/>
               </a:schemeClr>
             </a:solidFill>
           </a:ln>
@@ -6765,247 +6938,40 @@
       </p:pic>
       <p:pic>
         <p:nvPicPr>
-          <p:cNvPr id="4" name="Picture 3"/>
-          <p:cNvPicPr>
-            <a:picLocks noChangeAspect="1"/>
-          </p:cNvPicPr>
+          <p:cNvPr id="6" name="Picture 5">
+            <a:extLst>
+              <a:ext uri="{FF2B5EF4-FFF2-40B4-BE49-F238E27FC236}">
+                <a16:creationId xmlns:a16="http://schemas.microsoft.com/office/drawing/2014/main" id="{B926794F-CEFD-4D2D-B0E6-4D1449EE9E52}"/>
+              </a:ext>
+            </a:extLst>
+          </p:cNvPr>
+          <p:cNvPicPr/>
           <p:nvPr/>
         </p:nvPicPr>
         <p:blipFill>
-          <a:blip r:embed="rId3"/>
+          <a:blip r:embed="rId3" cstate="print">
+            <a:extLst>
+              <a:ext uri="{28A0092B-C50C-407E-A947-70E740481C1C}">
+                <a14:useLocalDpi xmlns:a14="http://schemas.microsoft.com/office/drawing/2010/main" val="0"/>
+              </a:ext>
+            </a:extLst>
+          </a:blip>
+          <a:srcRect/>
           <a:stretch>
             <a:fillRect/>
           </a:stretch>
         </p:blipFill>
-        <p:spPr>
+        <p:spPr bwMode="auto">
           <a:xfrm>
-            <a:off x="2438400" y="1730758"/>
-            <a:ext cx="6334109" cy="4784342"/>
+            <a:off x="838200" y="2269134"/>
+            <a:ext cx="5262738" cy="2302865"/>
           </a:xfrm>
           <a:prstGeom prst="rect">
             <a:avLst/>
           </a:prstGeom>
+          <a:noFill/>
           <a:ln>
-            <a:solidFill>
-              <a:schemeClr val="bg1">
-                <a:lumMod val="50000"/>
-              </a:schemeClr>
-            </a:solidFill>
-          </a:ln>
-        </p:spPr>
-      </p:pic>
-      <p:sp>
-        <p:nvSpPr>
-          <p:cNvPr id="5" name="Oval 4"/>
-          <p:cNvSpPr/>
-          <p:nvPr/>
-        </p:nvSpPr>
-        <p:spPr>
-          <a:xfrm>
-            <a:off x="323496" y="5982056"/>
-            <a:ext cx="1066800" cy="304800"/>
-          </a:xfrm>
-          <a:prstGeom prst="ellipse">
-            <a:avLst/>
-          </a:prstGeom>
-          <a:noFill/>
-          <a:ln w="28575">
-            <a:solidFill>
-              <a:srgbClr val="FF0000"/>
-            </a:solidFill>
-            <a:prstDash val="sysDot"/>
-          </a:ln>
-        </p:spPr>
-        <p:style>
-          <a:lnRef idx="2">
-            <a:schemeClr val="accent1">
-              <a:shade val="50000"/>
-            </a:schemeClr>
-          </a:lnRef>
-          <a:fillRef idx="1">
-            <a:schemeClr val="accent1"/>
-          </a:fillRef>
-          <a:effectRef idx="0">
-            <a:schemeClr val="accent1"/>
-          </a:effectRef>
-          <a:fontRef idx="minor">
-            <a:schemeClr val="lt1"/>
-          </a:fontRef>
-        </p:style>
-        <p:txBody>
-          <a:bodyPr rtlCol="0" anchor="ctr"/>
-          <a:lstStyle/>
-          <a:p>
-            <a:pPr algn="ctr"/>
-            <a:endParaRPr lang="en-US">
-              <a:solidFill>
-                <a:srgbClr val="FF0000"/>
-              </a:solidFill>
-            </a:endParaRPr>
-          </a:p>
-        </p:txBody>
-      </p:sp>
-      <p:sp>
-        <p:nvSpPr>
-          <p:cNvPr id="6" name="Freeform 5"/>
-          <p:cNvSpPr/>
-          <p:nvPr/>
-        </p:nvSpPr>
-        <p:spPr>
-          <a:xfrm>
-            <a:off x="854579" y="4800601"/>
-            <a:ext cx="1431421" cy="1190002"/>
-          </a:xfrm>
-          <a:custGeom>
-            <a:avLst/>
-            <a:gdLst>
-              <a:gd name="connsiteX0" fmla="*/ 0 w 324741"/>
-              <a:gd name="connsiteY0" fmla="*/ 756303 h 756303"/>
-              <a:gd name="connsiteX1" fmla="*/ 324741 w 324741"/>
-              <a:gd name="connsiteY1" fmla="*/ 0 h 756303"/>
-            </a:gdLst>
-            <a:ahLst/>
-            <a:cxnLst>
-              <a:cxn ang="0">
-                <a:pos x="connsiteX0" y="connsiteY0"/>
-              </a:cxn>
-              <a:cxn ang="0">
-                <a:pos x="connsiteX1" y="connsiteY1"/>
-              </a:cxn>
-            </a:cxnLst>
-            <a:rect l="l" t="t" r="r" b="b"/>
-            <a:pathLst>
-              <a:path w="324741" h="756303">
-                <a:moveTo>
-                  <a:pt x="0" y="756303"/>
-                </a:moveTo>
-                <a:cubicBezTo>
-                  <a:pt x="53767" y="492451"/>
-                  <a:pt x="107535" y="228600"/>
-                  <a:pt x="324741" y="0"/>
-                </a:cubicBezTo>
-              </a:path>
-            </a:pathLst>
-          </a:custGeom>
-          <a:noFill/>
-          <a:ln w="28575">
-            <a:solidFill>
-              <a:srgbClr val="FF0000"/>
-            </a:solidFill>
-            <a:prstDash val="sysDot"/>
-            <a:headEnd type="none" w="med" len="med"/>
-            <a:tailEnd type="triangle" w="med" len="med"/>
-          </a:ln>
-        </p:spPr>
-        <p:style>
-          <a:lnRef idx="2">
-            <a:schemeClr val="accent1">
-              <a:shade val="50000"/>
-            </a:schemeClr>
-          </a:lnRef>
-          <a:fillRef idx="1">
-            <a:schemeClr val="accent1"/>
-          </a:fillRef>
-          <a:effectRef idx="0">
-            <a:schemeClr val="accent1"/>
-          </a:effectRef>
-          <a:fontRef idx="minor">
-            <a:schemeClr val="lt1"/>
-          </a:fontRef>
-        </p:style>
-        <p:txBody>
-          <a:bodyPr rtlCol="0" anchor="ctr"/>
-          <a:lstStyle/>
-          <a:p>
-            <a:pPr algn="ctr"/>
-            <a:endParaRPr lang="en-US">
-              <a:solidFill>
-                <a:srgbClr val="FF0000"/>
-              </a:solidFill>
-            </a:endParaRPr>
-          </a:p>
-        </p:txBody>
-      </p:sp>
-    </p:spTree>
-    <p:extLst>
-      <p:ext uri="{BB962C8B-B14F-4D97-AF65-F5344CB8AC3E}">
-        <p14:creationId xmlns:p14="http://schemas.microsoft.com/office/powerpoint/2010/main" val="2910537742"/>
-      </p:ext>
-    </p:extLst>
-  </p:cSld>
-  <p:clrMapOvr>
-    <a:masterClrMapping/>
-  </p:clrMapOvr>
-</p:sld>
-</file>
-
-<file path=ppt/slides/slide17.xml><?xml version="1.0" encoding="utf-8"?>
-<p:sld xmlns:a="http://schemas.openxmlformats.org/drawingml/2006/main" xmlns:r="http://schemas.openxmlformats.org/officeDocument/2006/relationships" xmlns:p="http://schemas.openxmlformats.org/presentationml/2006/main">
-  <p:cSld>
-    <p:spTree>
-      <p:nvGrpSpPr>
-        <p:cNvPr id="1" name=""/>
-        <p:cNvGrpSpPr/>
-        <p:nvPr/>
-      </p:nvGrpSpPr>
-      <p:grpSpPr>
-        <a:xfrm>
-          <a:off x="0" y="0"/>
-          <a:ext cx="0" cy="0"/>
-          <a:chOff x="0" y="0"/>
-          <a:chExt cx="0" cy="0"/>
-        </a:xfrm>
-      </p:grpSpPr>
-      <p:sp>
-        <p:nvSpPr>
-          <p:cNvPr id="2" name="Title 1"/>
-          <p:cNvSpPr>
-            <a:spLocks noGrp="1"/>
-          </p:cNvSpPr>
-          <p:nvPr>
-            <p:ph type="title"/>
-          </p:nvPr>
-        </p:nvSpPr>
-        <p:spPr/>
-        <p:txBody>
-          <a:bodyPr/>
-          <a:lstStyle/>
-          <a:p>
-            <a:r>
-              <a:rPr lang="en-US" dirty="0"/>
-              <a:t>SharePoint Online Management Shell</a:t>
-            </a:r>
-          </a:p>
-        </p:txBody>
-      </p:sp>
-      <p:pic>
-        <p:nvPicPr>
-          <p:cNvPr id="4" name="Picture 3"/>
-          <p:cNvPicPr>
-            <a:picLocks noChangeAspect="1"/>
-          </p:cNvPicPr>
-          <p:nvPr/>
-        </p:nvPicPr>
-        <p:blipFill>
-          <a:blip r:embed="rId2"/>
-          <a:stretch>
-            <a:fillRect/>
-          </a:stretch>
-        </p:blipFill>
-        <p:spPr>
-          <a:xfrm>
-            <a:off x="228600" y="1295400"/>
-            <a:ext cx="8458200" cy="4822940"/>
-          </a:xfrm>
-          <a:prstGeom prst="rect">
-            <a:avLst/>
-          </a:prstGeom>
-          <a:ln>
-            <a:solidFill>
-              <a:schemeClr val="bg1">
-                <a:lumMod val="50000"/>
-              </a:schemeClr>
-            </a:solidFill>
+            <a:noFill/>
           </a:ln>
         </p:spPr>
       </p:pic>
@@ -7022,7 +6988,7 @@
 </p:sld>
 </file>
 
-<file path=ppt/slides/slide18.xml><?xml version="1.0" encoding="utf-8"?>
+<file path=ppt/slides/slide17.xml><?xml version="1.0" encoding="utf-8"?>
 <p:sld xmlns:a="http://schemas.openxmlformats.org/drawingml/2006/main" xmlns:r="http://schemas.openxmlformats.org/officeDocument/2006/relationships" xmlns:p="http://schemas.openxmlformats.org/presentationml/2006/main">
   <p:cSld>
     <p:spTree>
@@ -7103,7 +7069,7 @@
 </p:sld>
 </file>
 
-<file path=ppt/slides/slide19.xml><?xml version="1.0" encoding="utf-8"?>
+<file path=ppt/slides/slide18.xml><?xml version="1.0" encoding="utf-8"?>
 <p:sld xmlns:a="http://schemas.openxmlformats.org/drawingml/2006/main" xmlns:r="http://schemas.openxmlformats.org/officeDocument/2006/relationships" xmlns:p="http://schemas.openxmlformats.org/presentationml/2006/main">
   <p:cSld>
     <p:spTree>
@@ -7549,6 +7515,121 @@
 </p:sld>
 </file>
 
+<file path=ppt/slides/slide19.xml><?xml version="1.0" encoding="utf-8"?>
+<p:sld xmlns:a="http://schemas.openxmlformats.org/drawingml/2006/main" xmlns:r="http://schemas.openxmlformats.org/officeDocument/2006/relationships" xmlns:p="http://schemas.openxmlformats.org/presentationml/2006/main">
+  <p:cSld>
+    <p:spTree>
+      <p:nvGrpSpPr>
+        <p:cNvPr id="1" name=""/>
+        <p:cNvGrpSpPr/>
+        <p:nvPr/>
+      </p:nvGrpSpPr>
+      <p:grpSpPr>
+        <a:xfrm>
+          <a:off x="0" y="0"/>
+          <a:ext cx="0" cy="0"/>
+          <a:chOff x="0" y="0"/>
+          <a:chExt cx="0" cy="0"/>
+        </a:xfrm>
+      </p:grpSpPr>
+      <p:sp>
+        <p:nvSpPr>
+          <p:cNvPr id="2" name="Title 1"/>
+          <p:cNvSpPr>
+            <a:spLocks noGrp="1"/>
+          </p:cNvSpPr>
+          <p:nvPr>
+            <p:ph type="title"/>
+          </p:nvPr>
+        </p:nvSpPr>
+        <p:spPr/>
+        <p:txBody>
+          <a:bodyPr/>
+          <a:lstStyle/>
+          <a:p>
+            <a:r>
+              <a:rPr lang="en-US"/>
+              <a:t>Agenda</a:t>
+            </a:r>
+            <a:endParaRPr lang="en-US" dirty="0"/>
+          </a:p>
+        </p:txBody>
+      </p:sp>
+      <p:sp>
+        <p:nvSpPr>
+          <p:cNvPr id="3" name="Content Placeholder 2"/>
+          <p:cNvSpPr>
+            <a:spLocks noGrp="1"/>
+          </p:cNvSpPr>
+          <p:nvPr>
+            <p:ph idx="1"/>
+          </p:nvPr>
+        </p:nvSpPr>
+        <p:spPr/>
+        <p:txBody>
+          <a:bodyPr>
+            <a:normAutofit/>
+          </a:bodyPr>
+          <a:lstStyle/>
+          <a:p>
+            <a:pPr lvl="0">
+              <a:buFont typeface="Wingdings" panose="05000000000000000000" pitchFamily="2" charset="2"/>
+              <a:buChar char="ü"/>
+            </a:pPr>
+            <a:r>
+              <a:rPr lang="en-US" sz="2400" dirty="0"/>
+              <a:t>Understanding SharePoint Development Strategies</a:t>
+            </a:r>
+          </a:p>
+          <a:p>
+            <a:pPr lvl="0">
+              <a:buFont typeface="Wingdings" panose="05000000000000000000" pitchFamily="2" charset="2"/>
+              <a:buChar char="ü"/>
+            </a:pPr>
+            <a:r>
+              <a:rPr lang="en-US" sz="2400" dirty="0"/>
+              <a:t>Creating a SharePoint Development Environment</a:t>
+            </a:r>
+          </a:p>
+          <a:p>
+            <a:pPr lvl="0">
+              <a:buFont typeface="Wingdings" panose="05000000000000000000" pitchFamily="2" charset="2"/>
+              <a:buChar char="Ø"/>
+            </a:pPr>
+            <a:r>
+              <a:rPr lang="en-US" sz="2400" dirty="0"/>
+              <a:t>Programming the Client-side Object Model (CSOM)</a:t>
+            </a:r>
+          </a:p>
+          <a:p>
+            <a:pPr lvl="0"/>
+            <a:r>
+              <a:rPr lang="en-US" sz="2400" dirty="0"/>
+              <a:t>Understanding Azure as a Development Platform</a:t>
+            </a:r>
+          </a:p>
+          <a:p>
+            <a:pPr lvl="0"/>
+            <a:r>
+              <a:rPr lang="en-US" sz="2400" dirty="0"/>
+              <a:t>Developing with TypeScript and Interfaces</a:t>
+            </a:r>
+          </a:p>
+        </p:txBody>
+      </p:sp>
+    </p:spTree>
+    <p:extLst>
+      <p:ext uri="{BB962C8B-B14F-4D97-AF65-F5344CB8AC3E}">
+        <p14:creationId xmlns:p14="http://schemas.microsoft.com/office/powerpoint/2010/main" val="776543680"/>
+      </p:ext>
+    </p:extLst>
+  </p:cSld>
+  <p:clrMapOvr>
+    <a:masterClrMapping/>
+  </p:clrMapOvr>
+</p:sld>
+</file>
+
 <file path=ppt/slides/slide2.xml><?xml version="1.0" encoding="utf-8"?>
 <p:sld xmlns:a="http://schemas.openxmlformats.org/drawingml/2006/main" xmlns:r="http://schemas.openxmlformats.org/officeDocument/2006/relationships" xmlns:p="http://schemas.openxmlformats.org/presentationml/2006/main">
   <p:cSld>
@@ -7663,7 +7744,7 @@
             <a:pPr lvl="1"/>
             <a:r>
               <a:rPr lang="en-US" sz="2000" dirty="0"/>
-              <a:t>SharePoint farm solution development</a:t>
+              <a:t>SharePoint farm solution and add-in development</a:t>
             </a:r>
           </a:p>
           <a:p>
@@ -7743,7 +7824,7 @@
           <a:p>
             <a:r>
               <a:rPr lang="en-US"/>
-              <a:t>Agenda</a:t>
+              <a:t>Why Client Object Model (CSOM)?</a:t>
             </a:r>
             <a:endParaRPr lang="en-US" dirty="0"/>
           </a:p>
@@ -7761,52 +7842,63 @@
         </p:nvSpPr>
         <p:spPr/>
         <p:txBody>
-          <a:bodyPr>
-            <a:normAutofit/>
-          </a:bodyPr>
+          <a:bodyPr/>
           <a:lstStyle/>
           <a:p>
-            <a:pPr lvl="0">
-              <a:buFont typeface="Wingdings" panose="05000000000000000000" pitchFamily="2" charset="2"/>
-              <a:buChar char="ü"/>
-            </a:pPr>
-            <a:r>
-              <a:rPr lang="en-US" sz="2400" dirty="0"/>
-              <a:t>Understanding SharePoint Development Strategies</a:t>
-            </a:r>
-          </a:p>
-          <a:p>
-            <a:pPr lvl="0">
-              <a:buFont typeface="Wingdings" panose="05000000000000000000" pitchFamily="2" charset="2"/>
-              <a:buChar char="ü"/>
-            </a:pPr>
-            <a:r>
-              <a:rPr lang="en-US" sz="2400" dirty="0"/>
-              <a:t>Creating a SharePoint Development Environment</a:t>
-            </a:r>
-          </a:p>
-          <a:p>
-            <a:pPr lvl="0">
-              <a:buFont typeface="Wingdings" panose="05000000000000000000" pitchFamily="2" charset="2"/>
-              <a:buChar char="Ø"/>
-            </a:pPr>
-            <a:r>
-              <a:rPr lang="en-US" sz="2400" dirty="0"/>
-              <a:t>Programming the Client-side Object Model (CSOM)</a:t>
-            </a:r>
-          </a:p>
-          <a:p>
-            <a:pPr lvl="0"/>
-            <a:r>
-              <a:rPr lang="en-US" sz="2400" dirty="0"/>
-              <a:t>Understanding Azure as a Development Platform</a:t>
-            </a:r>
-          </a:p>
-          <a:p>
-            <a:pPr lvl="0"/>
-            <a:r>
-              <a:rPr lang="en-US" sz="2400" dirty="0"/>
-              <a:t>Developing with TypeScript and Interfaces</a:t>
+            <a:r>
+              <a:rPr lang="en-US" dirty="0"/>
+              <a:t>Advantages of CSOM over the REST API</a:t>
+            </a:r>
+          </a:p>
+          <a:p>
+            <a:pPr lvl="1"/>
+            <a:r>
+              <a:rPr lang="en-US" dirty="0"/>
+              <a:t>Strongly-typed programming</a:t>
+            </a:r>
+          </a:p>
+          <a:p>
+            <a:pPr lvl="1"/>
+            <a:r>
+              <a:rPr lang="en-US" dirty="0"/>
+              <a:t>Format Digest managed automatically</a:t>
+            </a:r>
+          </a:p>
+          <a:p>
+            <a:pPr lvl="1"/>
+            <a:r>
+              <a:rPr lang="en-US" dirty="0"/>
+              <a:t>Higher productivity when writing C# or VB</a:t>
+            </a:r>
+          </a:p>
+          <a:p>
+            <a:pPr lvl="1"/>
+            <a:r>
+              <a:rPr lang="en-US" dirty="0"/>
+              <a:t>Provides ability to batch requests to web server</a:t>
+            </a:r>
+          </a:p>
+          <a:p>
+            <a:pPr lvl="1"/>
+            <a:r>
+              <a:rPr lang="en-US" dirty="0"/>
+              <a:t>CSOM provides functionality beyond REST APIs</a:t>
+            </a:r>
+          </a:p>
+          <a:p>
+            <a:endParaRPr lang="en-US" dirty="0"/>
+          </a:p>
+          <a:p>
+            <a:r>
+              <a:rPr lang="en-US" dirty="0"/>
+              <a:t>CSOM more preferable on server-side C#</a:t>
+            </a:r>
+          </a:p>
+          <a:p>
+            <a:pPr lvl="1"/>
+            <a:r>
+              <a:rPr lang="en-US" dirty="0"/>
+              <a:t>CSOM isn't best fit for JavaScript apps</a:t>
             </a:r>
           </a:p>
         </p:txBody>
@@ -7814,13 +7906,14 @@
     </p:spTree>
     <p:extLst>
       <p:ext uri="{BB962C8B-B14F-4D97-AF65-F5344CB8AC3E}">
-        <p14:creationId xmlns:p14="http://schemas.microsoft.com/office/powerpoint/2010/main" val="776543680"/>
+        <p14:creationId xmlns:p14="http://schemas.microsoft.com/office/powerpoint/2010/main" val="53475549"/>
       </p:ext>
     </p:extLst>
   </p:cSld>
   <p:clrMapOvr>
     <a:masterClrMapping/>
   </p:clrMapOvr>
+  <p:transition spd="slow"/>
 </p:sld>
 </file>
 
@@ -7857,133 +7950,6 @@
           <a:lstStyle/>
           <a:p>
             <a:r>
-              <a:rPr lang="en-US"/>
-              <a:t>Why Client Object Model (CSOM)?</a:t>
-            </a:r>
-            <a:endParaRPr lang="en-US" dirty="0"/>
-          </a:p>
-        </p:txBody>
-      </p:sp>
-      <p:sp>
-        <p:nvSpPr>
-          <p:cNvPr id="3" name="Content Placeholder 2"/>
-          <p:cNvSpPr>
-            <a:spLocks noGrp="1"/>
-          </p:cNvSpPr>
-          <p:nvPr>
-            <p:ph idx="1"/>
-          </p:nvPr>
-        </p:nvSpPr>
-        <p:spPr/>
-        <p:txBody>
-          <a:bodyPr/>
-          <a:lstStyle/>
-          <a:p>
-            <a:r>
-              <a:rPr lang="en-US" dirty="0"/>
-              <a:t>Advantages of CSOM over the REST API</a:t>
-            </a:r>
-          </a:p>
-          <a:p>
-            <a:pPr lvl="1"/>
-            <a:r>
-              <a:rPr lang="en-US" dirty="0"/>
-              <a:t>Strongly-typed programming</a:t>
-            </a:r>
-          </a:p>
-          <a:p>
-            <a:pPr lvl="1"/>
-            <a:r>
-              <a:rPr lang="en-US" dirty="0"/>
-              <a:t>Format Digest managed automatically</a:t>
-            </a:r>
-          </a:p>
-          <a:p>
-            <a:pPr lvl="1"/>
-            <a:r>
-              <a:rPr lang="en-US" dirty="0"/>
-              <a:t>Higher productivity when writing C# or VB</a:t>
-            </a:r>
-          </a:p>
-          <a:p>
-            <a:pPr lvl="1"/>
-            <a:r>
-              <a:rPr lang="en-US" dirty="0"/>
-              <a:t>Provides ability to batch requests to web server</a:t>
-            </a:r>
-          </a:p>
-          <a:p>
-            <a:pPr lvl="1"/>
-            <a:r>
-              <a:rPr lang="en-US" dirty="0"/>
-              <a:t>CSOM provides functionality beyond REST APIs</a:t>
-            </a:r>
-          </a:p>
-          <a:p>
-            <a:endParaRPr lang="en-US" dirty="0"/>
-          </a:p>
-          <a:p>
-            <a:r>
-              <a:rPr lang="en-US" dirty="0"/>
-              <a:t>CSOM more preferable on server-side C#</a:t>
-            </a:r>
-          </a:p>
-          <a:p>
-            <a:pPr lvl="1"/>
-            <a:r>
-              <a:rPr lang="en-US" dirty="0"/>
-              <a:t>CSOM isn't best fit for JavaScript apps</a:t>
-            </a:r>
-          </a:p>
-        </p:txBody>
-      </p:sp>
-    </p:spTree>
-    <p:extLst>
-      <p:ext uri="{BB962C8B-B14F-4D97-AF65-F5344CB8AC3E}">
-        <p14:creationId xmlns:p14="http://schemas.microsoft.com/office/powerpoint/2010/main" val="53475549"/>
-      </p:ext>
-    </p:extLst>
-  </p:cSld>
-  <p:clrMapOvr>
-    <a:masterClrMapping/>
-  </p:clrMapOvr>
-  <p:transition spd="slow"/>
-</p:sld>
-</file>
-
-<file path=ppt/slides/slide22.xml><?xml version="1.0" encoding="utf-8"?>
-<p:sld xmlns:a="http://schemas.openxmlformats.org/drawingml/2006/main" xmlns:r="http://schemas.openxmlformats.org/officeDocument/2006/relationships" xmlns:p="http://schemas.openxmlformats.org/presentationml/2006/main">
-  <p:cSld>
-    <p:spTree>
-      <p:nvGrpSpPr>
-        <p:cNvPr id="1" name=""/>
-        <p:cNvGrpSpPr/>
-        <p:nvPr/>
-      </p:nvGrpSpPr>
-      <p:grpSpPr>
-        <a:xfrm>
-          <a:off x="0" y="0"/>
-          <a:ext cx="0" cy="0"/>
-          <a:chOff x="0" y="0"/>
-          <a:chExt cx="0" cy="0"/>
-        </a:xfrm>
-      </p:grpSpPr>
-      <p:sp>
-        <p:nvSpPr>
-          <p:cNvPr id="2" name="Title 1"/>
-          <p:cNvSpPr>
-            <a:spLocks noGrp="1"/>
-          </p:cNvSpPr>
-          <p:nvPr>
-            <p:ph type="title"/>
-          </p:nvPr>
-        </p:nvSpPr>
-        <p:spPr/>
-        <p:txBody>
-          <a:bodyPr/>
-          <a:lstStyle/>
-          <a:p>
-            <a:r>
               <a:rPr lang="en-US" dirty="0"/>
               <a:t>Supported CSOM Functionality</a:t>
             </a:r>
@@ -8085,7 +8051,7 @@
 </p:sld>
 </file>
 
-<file path=ppt/slides/slide23.xml><?xml version="1.0" encoding="utf-8"?>
+<file path=ppt/slides/slide22.xml><?xml version="1.0" encoding="utf-8"?>
 <p:sld xmlns:a="http://schemas.openxmlformats.org/drawingml/2006/main" xmlns:r="http://schemas.openxmlformats.org/officeDocument/2006/relationships" xmlns:p="http://schemas.openxmlformats.org/presentationml/2006/main">
   <p:cSld>
     <p:spTree>
@@ -8261,7 +8227,7 @@
 </p:sld>
 </file>
 
-<file path=ppt/slides/slide24.xml><?xml version="1.0" encoding="utf-8"?>
+<file path=ppt/slides/slide23.xml><?xml version="1.0" encoding="utf-8"?>
 <p:sld xmlns:a="http://schemas.openxmlformats.org/drawingml/2006/main" xmlns:r="http://schemas.openxmlformats.org/officeDocument/2006/relationships" xmlns:p="http://schemas.openxmlformats.org/presentationml/2006/main">
   <p:cSld>
     <p:spTree>
@@ -8728,7 +8694,7 @@
 </p:sld>
 </file>
 
-<file path=ppt/slides/slide25.xml><?xml version="1.0" encoding="utf-8"?>
+<file path=ppt/slides/slide24.xml><?xml version="1.0" encoding="utf-8"?>
 <p:sld xmlns:a="http://schemas.openxmlformats.org/drawingml/2006/main" xmlns:r="http://schemas.openxmlformats.org/officeDocument/2006/relationships" xmlns:p="http://schemas.openxmlformats.org/presentationml/2006/main">
   <p:cSld>
     <p:spTree>
@@ -8857,7 +8823,7 @@
 </p:sld>
 </file>
 
-<file path=ppt/slides/slide26.xml><?xml version="1.0" encoding="utf-8"?>
+<file path=ppt/slides/slide25.xml><?xml version="1.0" encoding="utf-8"?>
 <p:sld xmlns:a="http://schemas.openxmlformats.org/drawingml/2006/main" xmlns:r="http://schemas.openxmlformats.org/officeDocument/2006/relationships" xmlns:p="http://schemas.openxmlformats.org/presentationml/2006/main">
   <p:cSld>
     <p:spTree>
@@ -9000,7 +8966,7 @@
 </p:sld>
 </file>
 
-<file path=ppt/slides/slide27.xml><?xml version="1.0" encoding="utf-8"?>
+<file path=ppt/slides/slide26.xml><?xml version="1.0" encoding="utf-8"?>
 <p:sld xmlns:a="http://schemas.openxmlformats.org/drawingml/2006/main" xmlns:r="http://schemas.openxmlformats.org/officeDocument/2006/relationships" xmlns:p="http://schemas.openxmlformats.org/presentationml/2006/main">
   <p:cSld>
     <p:spTree>
@@ -9085,7 +9051,7 @@
 </p:sld>
 </file>
 
-<file path=ppt/slides/slide28.xml><?xml version="1.0" encoding="utf-8"?>
+<file path=ppt/slides/slide27.xml><?xml version="1.0" encoding="utf-8"?>
 <p:sld xmlns:a="http://schemas.openxmlformats.org/drawingml/2006/main" xmlns:r="http://schemas.openxmlformats.org/officeDocument/2006/relationships" xmlns:p="http://schemas.openxmlformats.org/presentationml/2006/main">
   <p:cSld>
     <p:spTree>
@@ -9504,7 +9470,7 @@
 </p:sld>
 </file>
 
-<file path=ppt/slides/slide29.xml><?xml version="1.0" encoding="utf-8"?>
+<file path=ppt/slides/slide28.xml><?xml version="1.0" encoding="utf-8"?>
 <p:sld xmlns:a="http://schemas.openxmlformats.org/drawingml/2006/main" xmlns:r="http://schemas.openxmlformats.org/officeDocument/2006/relationships" xmlns:p="http://schemas.openxmlformats.org/presentationml/2006/main">
   <p:cSld>
     <p:spTree>
@@ -9587,113 +9553,7 @@
 </p:sld>
 </file>
 
-<file path=ppt/slides/slide3.xml><?xml version="1.0" encoding="utf-8"?>
-<p:sld xmlns:a="http://schemas.openxmlformats.org/drawingml/2006/main" xmlns:r="http://schemas.openxmlformats.org/officeDocument/2006/relationships" xmlns:p="http://schemas.openxmlformats.org/presentationml/2006/main">
-  <p:cSld>
-    <p:spTree>
-      <p:nvGrpSpPr>
-        <p:cNvPr id="1" name=""/>
-        <p:cNvGrpSpPr/>
-        <p:nvPr/>
-      </p:nvGrpSpPr>
-      <p:grpSpPr>
-        <a:xfrm>
-          <a:off x="0" y="0"/>
-          <a:ext cx="0" cy="0"/>
-          <a:chOff x="0" y="0"/>
-          <a:chExt cx="0" cy="0"/>
-        </a:xfrm>
-      </p:grpSpPr>
-      <p:sp>
-        <p:nvSpPr>
-          <p:cNvPr id="2" name="Title 1"/>
-          <p:cNvSpPr>
-            <a:spLocks noGrp="1"/>
-          </p:cNvSpPr>
-          <p:nvPr>
-            <p:ph type="title"/>
-          </p:nvPr>
-        </p:nvSpPr>
-        <p:spPr/>
-        <p:txBody>
-          <a:bodyPr/>
-          <a:lstStyle/>
-          <a:p>
-            <a:r>
-              <a:rPr lang="en-US"/>
-              <a:t>Agenda</a:t>
-            </a:r>
-            <a:endParaRPr lang="en-US" dirty="0"/>
-          </a:p>
-        </p:txBody>
-      </p:sp>
-      <p:sp>
-        <p:nvSpPr>
-          <p:cNvPr id="3" name="Content Placeholder 2"/>
-          <p:cNvSpPr>
-            <a:spLocks noGrp="1"/>
-          </p:cNvSpPr>
-          <p:nvPr>
-            <p:ph idx="1"/>
-          </p:nvPr>
-        </p:nvSpPr>
-        <p:spPr/>
-        <p:txBody>
-          <a:bodyPr>
-            <a:normAutofit/>
-          </a:bodyPr>
-          <a:lstStyle/>
-          <a:p>
-            <a:pPr lvl="0"/>
-            <a:r>
-              <a:rPr lang="en-US" sz="2400" dirty="0"/>
-              <a:t>Understanding SharePoint Development Strategies</a:t>
-            </a:r>
-          </a:p>
-          <a:p>
-            <a:pPr lvl="0"/>
-            <a:r>
-              <a:rPr lang="en-US" sz="2400" dirty="0"/>
-              <a:t>Creating a SharePoint Development Environment</a:t>
-            </a:r>
-          </a:p>
-          <a:p>
-            <a:pPr lvl="0"/>
-            <a:r>
-              <a:rPr lang="en-US" sz="2400" dirty="0"/>
-              <a:t>Programming the Client-side Object Model (CSOM)</a:t>
-            </a:r>
-          </a:p>
-          <a:p>
-            <a:pPr lvl="0"/>
-            <a:r>
-              <a:rPr lang="en-US" sz="2400" dirty="0"/>
-              <a:t>Understanding Azure as a Development Platform</a:t>
-            </a:r>
-          </a:p>
-          <a:p>
-            <a:pPr lvl="0"/>
-            <a:r>
-              <a:rPr lang="en-US" sz="2400" dirty="0"/>
-              <a:t>Developing with TypeScript and Interfaces</a:t>
-            </a:r>
-          </a:p>
-        </p:txBody>
-      </p:sp>
-    </p:spTree>
-    <p:extLst>
-      <p:ext uri="{BB962C8B-B14F-4D97-AF65-F5344CB8AC3E}">
-        <p14:creationId xmlns:p14="http://schemas.microsoft.com/office/powerpoint/2010/main" val="1814128482"/>
-      </p:ext>
-    </p:extLst>
-  </p:cSld>
-  <p:clrMapOvr>
-    <a:masterClrMapping/>
-  </p:clrMapOvr>
-</p:sld>
-</file>
-
-<file path=ppt/slides/slide30.xml><?xml version="1.0" encoding="utf-8"?>
+<file path=ppt/slides/slide29.xml><?xml version="1.0" encoding="utf-8"?>
 <p:sld xmlns:a="http://schemas.openxmlformats.org/drawingml/2006/main" xmlns:r="http://schemas.openxmlformats.org/officeDocument/2006/relationships" xmlns:p="http://schemas.openxmlformats.org/presentationml/2006/main">
   <p:cSld>
     <p:spTree>
@@ -9781,7 +9641,113 @@
 </p:sld>
 </file>
 
-<file path=ppt/slides/slide31.xml><?xml version="1.0" encoding="utf-8"?>
+<file path=ppt/slides/slide3.xml><?xml version="1.0" encoding="utf-8"?>
+<p:sld xmlns:a="http://schemas.openxmlformats.org/drawingml/2006/main" xmlns:r="http://schemas.openxmlformats.org/officeDocument/2006/relationships" xmlns:p="http://schemas.openxmlformats.org/presentationml/2006/main">
+  <p:cSld>
+    <p:spTree>
+      <p:nvGrpSpPr>
+        <p:cNvPr id="1" name=""/>
+        <p:cNvGrpSpPr/>
+        <p:nvPr/>
+      </p:nvGrpSpPr>
+      <p:grpSpPr>
+        <a:xfrm>
+          <a:off x="0" y="0"/>
+          <a:ext cx="0" cy="0"/>
+          <a:chOff x="0" y="0"/>
+          <a:chExt cx="0" cy="0"/>
+        </a:xfrm>
+      </p:grpSpPr>
+      <p:sp>
+        <p:nvSpPr>
+          <p:cNvPr id="2" name="Title 1"/>
+          <p:cNvSpPr>
+            <a:spLocks noGrp="1"/>
+          </p:cNvSpPr>
+          <p:nvPr>
+            <p:ph type="title"/>
+          </p:nvPr>
+        </p:nvSpPr>
+        <p:spPr/>
+        <p:txBody>
+          <a:bodyPr/>
+          <a:lstStyle/>
+          <a:p>
+            <a:r>
+              <a:rPr lang="en-US"/>
+              <a:t>Agenda</a:t>
+            </a:r>
+            <a:endParaRPr lang="en-US" dirty="0"/>
+          </a:p>
+        </p:txBody>
+      </p:sp>
+      <p:sp>
+        <p:nvSpPr>
+          <p:cNvPr id="3" name="Content Placeholder 2"/>
+          <p:cNvSpPr>
+            <a:spLocks noGrp="1"/>
+          </p:cNvSpPr>
+          <p:nvPr>
+            <p:ph idx="1"/>
+          </p:nvPr>
+        </p:nvSpPr>
+        <p:spPr/>
+        <p:txBody>
+          <a:bodyPr>
+            <a:normAutofit/>
+          </a:bodyPr>
+          <a:lstStyle/>
+          <a:p>
+            <a:pPr lvl="0"/>
+            <a:r>
+              <a:rPr lang="en-US" sz="2400" dirty="0"/>
+              <a:t>Understanding SharePoint Development Strategies</a:t>
+            </a:r>
+          </a:p>
+          <a:p>
+            <a:pPr lvl="0"/>
+            <a:r>
+              <a:rPr lang="en-US" sz="2400" dirty="0"/>
+              <a:t>Creating a SharePoint Development Environment</a:t>
+            </a:r>
+          </a:p>
+          <a:p>
+            <a:pPr lvl="0"/>
+            <a:r>
+              <a:rPr lang="en-US" sz="2400" dirty="0"/>
+              <a:t>Programming the Client-side Object Model (CSOM)</a:t>
+            </a:r>
+          </a:p>
+          <a:p>
+            <a:pPr lvl="0"/>
+            <a:r>
+              <a:rPr lang="en-US" sz="2400" dirty="0"/>
+              <a:t>Understanding Azure as a Development Platform</a:t>
+            </a:r>
+          </a:p>
+          <a:p>
+            <a:pPr lvl="0"/>
+            <a:r>
+              <a:rPr lang="en-US" sz="2400" dirty="0"/>
+              <a:t>Developing with TypeScript and Interfaces</a:t>
+            </a:r>
+          </a:p>
+        </p:txBody>
+      </p:sp>
+    </p:spTree>
+    <p:extLst>
+      <p:ext uri="{BB962C8B-B14F-4D97-AF65-F5344CB8AC3E}">
+        <p14:creationId xmlns:p14="http://schemas.microsoft.com/office/powerpoint/2010/main" val="1814128482"/>
+      </p:ext>
+    </p:extLst>
+  </p:cSld>
+  <p:clrMapOvr>
+    <a:masterClrMapping/>
+  </p:clrMapOvr>
+</p:sld>
+</file>
+
+<file path=ppt/slides/slide30.xml><?xml version="1.0" encoding="utf-8"?>
 <p:sld xmlns:a="http://schemas.openxmlformats.org/drawingml/2006/main" xmlns:r="http://schemas.openxmlformats.org/officeDocument/2006/relationships" xmlns:p="http://schemas.openxmlformats.org/presentationml/2006/main">
   <p:cSld>
     <p:spTree>
@@ -10637,7 +10603,7 @@
 </p:sld>
 </file>
 
-<file path=ppt/slides/slide32.xml><?xml version="1.0" encoding="utf-8"?>
+<file path=ppt/slides/slide31.xml><?xml version="1.0" encoding="utf-8"?>
 <p:sld xmlns:a="http://schemas.openxmlformats.org/drawingml/2006/main" xmlns:r="http://schemas.openxmlformats.org/officeDocument/2006/relationships" xmlns:p="http://schemas.openxmlformats.org/presentationml/2006/main">
   <p:cSld>
     <p:spTree>
@@ -10978,7 +10944,7 @@
 </p:sld>
 </file>
 
-<file path=ppt/slides/slide33.xml><?xml version="1.0" encoding="utf-8"?>
+<file path=ppt/slides/slide32.xml><?xml version="1.0" encoding="utf-8"?>
 <p:sld xmlns:a="http://schemas.openxmlformats.org/drawingml/2006/main" xmlns:r="http://schemas.openxmlformats.org/officeDocument/2006/relationships" xmlns:p="http://schemas.openxmlformats.org/presentationml/2006/main">
   <p:cSld>
     <p:spTree>
@@ -11176,7 +11142,7 @@
 </p:sld>
 </file>
 
-<file path=ppt/slides/slide34.xml><?xml version="1.0" encoding="utf-8"?>
+<file path=ppt/slides/slide33.xml><?xml version="1.0" encoding="utf-8"?>
 <p:sld xmlns:a="http://schemas.openxmlformats.org/drawingml/2006/main" xmlns:r="http://schemas.openxmlformats.org/officeDocument/2006/relationships" xmlns:p="http://schemas.openxmlformats.org/presentationml/2006/main">
   <p:cSld>
     <p:spTree>
@@ -11260,7 +11226,7 @@
 </p:sld>
 </file>
 
-<file path=ppt/slides/slide35.xml><?xml version="1.0" encoding="utf-8"?>
+<file path=ppt/slides/slide34.xml><?xml version="1.0" encoding="utf-8"?>
 <p:sld xmlns:a="http://schemas.openxmlformats.org/drawingml/2006/main" xmlns:r="http://schemas.openxmlformats.org/officeDocument/2006/relationships" xmlns:p="http://schemas.openxmlformats.org/presentationml/2006/main">
   <p:cSld>
     <p:spTree>
@@ -11348,7 +11314,7 @@
 </p:sld>
 </file>
 
-<file path=ppt/slides/slide36.xml><?xml version="1.0" encoding="utf-8"?>
+<file path=ppt/slides/slide35.xml><?xml version="1.0" encoding="utf-8"?>
 <p:sld xmlns:a="http://schemas.openxmlformats.org/drawingml/2006/main" xmlns:r="http://schemas.openxmlformats.org/officeDocument/2006/relationships" xmlns:p="http://schemas.openxmlformats.org/presentationml/2006/main">
   <p:cSld>
     <p:spTree>
@@ -11431,7 +11397,7 @@
 </p:sld>
 </file>
 
-<file path=ppt/slides/slide37.xml><?xml version="1.0" encoding="utf-8"?>
+<file path=ppt/slides/slide36.xml><?xml version="1.0" encoding="utf-8"?>
 <p:sld xmlns:a="http://schemas.openxmlformats.org/drawingml/2006/main" xmlns:r="http://schemas.openxmlformats.org/officeDocument/2006/relationships" xmlns:p="http://schemas.openxmlformats.org/presentationml/2006/main">
   <p:cSld>
     <p:spTree>
@@ -11514,7 +11480,7 @@
 </p:sld>
 </file>
 
-<file path=ppt/slides/slide38.xml><?xml version="1.0" encoding="utf-8"?>
+<file path=ppt/slides/slide37.xml><?xml version="1.0" encoding="utf-8"?>
 <p:sld xmlns:a="http://schemas.openxmlformats.org/drawingml/2006/main" xmlns:r="http://schemas.openxmlformats.org/officeDocument/2006/relationships" xmlns:p="http://schemas.openxmlformats.org/presentationml/2006/main">
   <p:cSld>
     <p:spTree>
@@ -11598,7 +11564,7 @@
 </p:sld>
 </file>
 
-<file path=ppt/slides/slide39.xml><?xml version="1.0" encoding="utf-8"?>
+<file path=ppt/slides/slide38.xml><?xml version="1.0" encoding="utf-8"?>
 <p:sld xmlns:a="http://schemas.openxmlformats.org/drawingml/2006/main" xmlns:r="http://schemas.openxmlformats.org/officeDocument/2006/relationships" xmlns:p="http://schemas.openxmlformats.org/presentationml/2006/main">
   <p:cSld>
     <p:spTree>
@@ -11691,6 +11657,90 @@
     <p:extLst>
       <p:ext uri="{BB962C8B-B14F-4D97-AF65-F5344CB8AC3E}">
         <p14:creationId xmlns:p14="http://schemas.microsoft.com/office/powerpoint/2010/main" val="1735521413"/>
+      </p:ext>
+    </p:extLst>
+  </p:cSld>
+  <p:clrMapOvr>
+    <a:masterClrMapping/>
+  </p:clrMapOvr>
+</p:sld>
+</file>
+
+<file path=ppt/slides/slide39.xml><?xml version="1.0" encoding="utf-8"?>
+<p:sld xmlns:a="http://schemas.openxmlformats.org/drawingml/2006/main" xmlns:r="http://schemas.openxmlformats.org/officeDocument/2006/relationships" xmlns:p="http://schemas.openxmlformats.org/presentationml/2006/main">
+  <p:cSld>
+    <p:spTree>
+      <p:nvGrpSpPr>
+        <p:cNvPr id="1" name=""/>
+        <p:cNvGrpSpPr/>
+        <p:nvPr/>
+      </p:nvGrpSpPr>
+      <p:grpSpPr>
+        <a:xfrm>
+          <a:off x="0" y="0"/>
+          <a:ext cx="0" cy="0"/>
+          <a:chOff x="0" y="0"/>
+          <a:chExt cx="0" cy="0"/>
+        </a:xfrm>
+      </p:grpSpPr>
+      <p:sp>
+        <p:nvSpPr>
+          <p:cNvPr id="2" name="Title 1"/>
+          <p:cNvSpPr>
+            <a:spLocks noGrp="1"/>
+          </p:cNvSpPr>
+          <p:nvPr>
+            <p:ph type="title"/>
+          </p:nvPr>
+        </p:nvSpPr>
+        <p:spPr/>
+        <p:txBody>
+          <a:bodyPr/>
+          <a:lstStyle/>
+          <a:p>
+            <a:r>
+              <a:rPr lang="en-US" dirty="0"/>
+              <a:t>Creating List with Content Type</a:t>
+            </a:r>
+          </a:p>
+        </p:txBody>
+      </p:sp>
+      <p:pic>
+        <p:nvPicPr>
+          <p:cNvPr id="4" name="Picture 3"/>
+          <p:cNvPicPr>
+            <a:picLocks noChangeAspect="1"/>
+          </p:cNvPicPr>
+          <p:nvPr/>
+        </p:nvPicPr>
+        <p:blipFill>
+          <a:blip r:embed="rId2"/>
+          <a:stretch>
+            <a:fillRect/>
+          </a:stretch>
+        </p:blipFill>
+        <p:spPr>
+          <a:xfrm>
+            <a:off x="609600" y="1447800"/>
+            <a:ext cx="7543800" cy="4876523"/>
+          </a:xfrm>
+          <a:prstGeom prst="rect">
+            <a:avLst/>
+          </a:prstGeom>
+          <a:noFill/>
+          <a:ln>
+            <a:solidFill>
+              <a:schemeClr val="bg1">
+                <a:lumMod val="50000"/>
+              </a:schemeClr>
+            </a:solidFill>
+          </a:ln>
+        </p:spPr>
+      </p:pic>
+    </p:spTree>
+    <p:extLst>
+      <p:ext uri="{BB962C8B-B14F-4D97-AF65-F5344CB8AC3E}">
+        <p14:creationId xmlns:p14="http://schemas.microsoft.com/office/powerpoint/2010/main" val="3017496853"/>
       </p:ext>
     </p:extLst>
   </p:cSld>
@@ -12173,90 +12223,6 @@
           <a:lstStyle/>
           <a:p>
             <a:r>
-              <a:rPr lang="en-US" dirty="0"/>
-              <a:t>Creating List with Content Type</a:t>
-            </a:r>
-          </a:p>
-        </p:txBody>
-      </p:sp>
-      <p:pic>
-        <p:nvPicPr>
-          <p:cNvPr id="4" name="Picture 3"/>
-          <p:cNvPicPr>
-            <a:picLocks noChangeAspect="1"/>
-          </p:cNvPicPr>
-          <p:nvPr/>
-        </p:nvPicPr>
-        <p:blipFill>
-          <a:blip r:embed="rId2"/>
-          <a:stretch>
-            <a:fillRect/>
-          </a:stretch>
-        </p:blipFill>
-        <p:spPr>
-          <a:xfrm>
-            <a:off x="609600" y="1447800"/>
-            <a:ext cx="7543800" cy="4876523"/>
-          </a:xfrm>
-          <a:prstGeom prst="rect">
-            <a:avLst/>
-          </a:prstGeom>
-          <a:noFill/>
-          <a:ln>
-            <a:solidFill>
-              <a:schemeClr val="bg1">
-                <a:lumMod val="50000"/>
-              </a:schemeClr>
-            </a:solidFill>
-          </a:ln>
-        </p:spPr>
-      </p:pic>
-    </p:spTree>
-    <p:extLst>
-      <p:ext uri="{BB962C8B-B14F-4D97-AF65-F5344CB8AC3E}">
-        <p14:creationId xmlns:p14="http://schemas.microsoft.com/office/powerpoint/2010/main" val="3017496853"/>
-      </p:ext>
-    </p:extLst>
-  </p:cSld>
-  <p:clrMapOvr>
-    <a:masterClrMapping/>
-  </p:clrMapOvr>
-</p:sld>
-</file>
-
-<file path=ppt/slides/slide41.xml><?xml version="1.0" encoding="utf-8"?>
-<p:sld xmlns:a="http://schemas.openxmlformats.org/drawingml/2006/main" xmlns:r="http://schemas.openxmlformats.org/officeDocument/2006/relationships" xmlns:p="http://schemas.openxmlformats.org/presentationml/2006/main">
-  <p:cSld>
-    <p:spTree>
-      <p:nvGrpSpPr>
-        <p:cNvPr id="1" name=""/>
-        <p:cNvGrpSpPr/>
-        <p:nvPr/>
-      </p:nvGrpSpPr>
-      <p:grpSpPr>
-        <a:xfrm>
-          <a:off x="0" y="0"/>
-          <a:ext cx="0" cy="0"/>
-          <a:chOff x="0" y="0"/>
-          <a:chExt cx="0" cy="0"/>
-        </a:xfrm>
-      </p:grpSpPr>
-      <p:sp>
-        <p:nvSpPr>
-          <p:cNvPr id="2" name="Title 1"/>
-          <p:cNvSpPr>
-            <a:spLocks noGrp="1"/>
-          </p:cNvSpPr>
-          <p:nvPr>
-            <p:ph type="title"/>
-          </p:nvPr>
-        </p:nvSpPr>
-        <p:spPr/>
-        <p:txBody>
-          <a:bodyPr/>
-          <a:lstStyle/>
-          <a:p>
-            <a:r>
               <a:rPr lang="en-US"/>
               <a:t>Agenda</a:t>
             </a:r>
@@ -12342,7 +12308,7 @@
 </p:sld>
 </file>
 
-<file path=ppt/slides/slide42.xml><?xml version="1.0" encoding="utf-8"?>
+<file path=ppt/slides/slide41.xml><?xml version="1.0" encoding="utf-8"?>
 <p:sld xmlns:a="http://schemas.openxmlformats.org/drawingml/2006/main" xmlns:r="http://schemas.openxmlformats.org/officeDocument/2006/relationships" xmlns:p="http://schemas.openxmlformats.org/presentationml/2006/main">
   <p:cSld>
     <p:spTree>
@@ -12511,7 +12477,7 @@
 </p:sld>
 </file>
 
-<file path=ppt/slides/slide43.xml><?xml version="1.0" encoding="utf-8"?>
+<file path=ppt/slides/slide42.xml><?xml version="1.0" encoding="utf-8"?>
 <p:sld xmlns:a="http://schemas.openxmlformats.org/drawingml/2006/main" xmlns:r="http://schemas.openxmlformats.org/officeDocument/2006/relationships" xmlns:p="http://schemas.openxmlformats.org/presentationml/2006/main">
   <p:cSld>
     <p:spTree>
@@ -12631,7 +12597,7 @@
 </p:sld>
 </file>
 
-<file path=ppt/slides/slide44.xml><?xml version="1.0" encoding="utf-8"?>
+<file path=ppt/slides/slide43.xml><?xml version="1.0" encoding="utf-8"?>
 <p:sld xmlns:a="http://schemas.openxmlformats.org/drawingml/2006/main" xmlns:r="http://schemas.openxmlformats.org/officeDocument/2006/relationships" xmlns:p="http://schemas.openxmlformats.org/presentationml/2006/main">
   <p:cSld>
     <p:spTree>
@@ -12770,7 +12736,7 @@
 </p:sld>
 </file>
 
-<file path=ppt/slides/slide45.xml><?xml version="1.0" encoding="utf-8"?>
+<file path=ppt/slides/slide44.xml><?xml version="1.0" encoding="utf-8"?>
 <p:sld xmlns:a="http://schemas.openxmlformats.org/drawingml/2006/main" xmlns:r="http://schemas.openxmlformats.org/officeDocument/2006/relationships" xmlns:p="http://schemas.openxmlformats.org/presentationml/2006/main">
   <p:cSld>
     <p:spTree>
@@ -12891,7 +12857,7 @@
 </p:sld>
 </file>
 
-<file path=ppt/slides/slide46.xml><?xml version="1.0" encoding="utf-8"?>
+<file path=ppt/slides/slide45.xml><?xml version="1.0" encoding="utf-8"?>
 <p:sld xmlns:a="http://schemas.openxmlformats.org/drawingml/2006/main" xmlns:r="http://schemas.openxmlformats.org/officeDocument/2006/relationships" xmlns:p="http://schemas.openxmlformats.org/presentationml/2006/main">
   <p:cSld>
     <p:spTree>
@@ -13258,7 +13224,7 @@
 </p:sld>
 </file>
 
-<file path=ppt/slides/slide47.xml><?xml version="1.0" encoding="utf-8"?>
+<file path=ppt/slides/slide46.xml><?xml version="1.0" encoding="utf-8"?>
 <p:sld xmlns:a="http://schemas.openxmlformats.org/drawingml/2006/main" xmlns:r="http://schemas.openxmlformats.org/officeDocument/2006/relationships" xmlns:p="http://schemas.openxmlformats.org/presentationml/2006/main">
   <p:cSld>
     <p:spTree>
@@ -13386,7 +13352,7 @@
 </p:sld>
 </file>
 
-<file path=ppt/slides/slide48.xml><?xml version="1.0" encoding="utf-8"?>
+<file path=ppt/slides/slide47.xml><?xml version="1.0" encoding="utf-8"?>
 <p:sld xmlns:a="http://schemas.openxmlformats.org/drawingml/2006/main" xmlns:r="http://schemas.openxmlformats.org/officeDocument/2006/relationships" xmlns:p="http://schemas.openxmlformats.org/presentationml/2006/main">
   <p:cSld>
     <p:spTree>
@@ -13578,7 +13544,7 @@
 </p:sld>
 </file>
 
-<file path=ppt/slides/slide49.xml><?xml version="1.0" encoding="utf-8"?>
+<file path=ppt/slides/slide48.xml><?xml version="1.0" encoding="utf-8"?>
 <p:sld xmlns:a="http://schemas.openxmlformats.org/drawingml/2006/main" xmlns:r="http://schemas.openxmlformats.org/officeDocument/2006/relationships" xmlns:p="http://schemas.openxmlformats.org/presentationml/2006/main">
   <p:cSld>
     <p:spTree>
@@ -13699,157 +13665,7 @@
 </p:sld>
 </file>
 
-<file path=ppt/slides/slide5.xml><?xml version="1.0" encoding="utf-8"?>
-<p:sld xmlns:a="http://schemas.openxmlformats.org/drawingml/2006/main" xmlns:r="http://schemas.openxmlformats.org/officeDocument/2006/relationships" xmlns:p="http://schemas.openxmlformats.org/presentationml/2006/main">
-  <p:cSld>
-    <p:spTree>
-      <p:nvGrpSpPr>
-        <p:cNvPr id="1" name=""/>
-        <p:cNvGrpSpPr/>
-        <p:nvPr/>
-      </p:nvGrpSpPr>
-      <p:grpSpPr>
-        <a:xfrm>
-          <a:off x="0" y="0"/>
-          <a:ext cx="0" cy="0"/>
-          <a:chOff x="0" y="0"/>
-          <a:chExt cx="0" cy="0"/>
-        </a:xfrm>
-      </p:grpSpPr>
-      <p:sp>
-        <p:nvSpPr>
-          <p:cNvPr id="2" name="Title 1"/>
-          <p:cNvSpPr>
-            <a:spLocks noGrp="1"/>
-          </p:cNvSpPr>
-          <p:nvPr>
-            <p:ph type="title"/>
-          </p:nvPr>
-        </p:nvSpPr>
-        <p:spPr/>
-        <p:txBody>
-          <a:bodyPr/>
-          <a:lstStyle/>
-          <a:p>
-            <a:r>
-              <a:rPr lang="en-US" dirty="0"/>
-              <a:t>SharePoint </a:t>
-            </a:r>
-            <a:r>
-              <a:rPr lang="en-US" strike="sngStrike" dirty="0"/>
-              <a:t>App</a:t>
-            </a:r>
-            <a:r>
-              <a:rPr lang="en-US" dirty="0"/>
-              <a:t> Add-in Model</a:t>
-            </a:r>
-          </a:p>
-        </p:txBody>
-      </p:sp>
-      <p:sp>
-        <p:nvSpPr>
-          <p:cNvPr id="3" name="Content Placeholder 2"/>
-          <p:cNvSpPr>
-            <a:spLocks noGrp="1"/>
-          </p:cNvSpPr>
-          <p:nvPr>
-            <p:ph idx="1"/>
-          </p:nvPr>
-        </p:nvSpPr>
-        <p:spPr/>
-        <p:txBody>
-          <a:bodyPr>
-            <a:normAutofit/>
-          </a:bodyPr>
-          <a:lstStyle/>
-          <a:p>
-            <a:r>
-              <a:rPr lang="en-US" sz="2400" dirty="0"/>
-              <a:t>SharePoint 2013 introduced new development model</a:t>
-            </a:r>
-          </a:p>
-          <a:p>
-            <a:pPr lvl="1"/>
-            <a:r>
-              <a:rPr lang="en-US" sz="2000" dirty="0"/>
-              <a:t>Originally introduced as "SharePoint App” model</a:t>
-            </a:r>
-          </a:p>
-          <a:p>
-            <a:pPr lvl="1"/>
-            <a:r>
-              <a:rPr lang="en-US" sz="2000" dirty="0"/>
-              <a:t>Marketing folks renamed "SharePoint App” to "SharePoint Add-in”</a:t>
-            </a:r>
-          </a:p>
-          <a:p>
-            <a:pPr lvl="1"/>
-            <a:endParaRPr lang="en-US" sz="2000" dirty="0"/>
-          </a:p>
-          <a:p>
-            <a:r>
-              <a:rPr lang="en-US" sz="2400" dirty="0"/>
-              <a:t>Add-in model designed to replace farm solutions</a:t>
-            </a:r>
-          </a:p>
-          <a:p>
-            <a:pPr lvl="1"/>
-            <a:r>
-              <a:rPr lang="en-US" sz="2000" dirty="0"/>
-              <a:t>Add-ins designed to supported SPO and SharePoint on-premises</a:t>
-            </a:r>
-          </a:p>
-          <a:p>
-            <a:pPr lvl="1"/>
-            <a:r>
-              <a:rPr lang="en-US" sz="2000" dirty="0"/>
-              <a:t>Add-in code not allowed to run on SharePoint host server</a:t>
-            </a:r>
-          </a:p>
-          <a:p>
-            <a:pPr lvl="1"/>
-            <a:r>
-              <a:rPr lang="en-US" sz="2000" dirty="0"/>
-              <a:t>Add-in talks to SharePoint using REST and CSOM</a:t>
-            </a:r>
-          </a:p>
-          <a:p>
-            <a:pPr lvl="1"/>
-            <a:r>
-              <a:rPr lang="en-US" sz="2000" dirty="0"/>
-              <a:t>Add-in authenticates and establishes add-in identity</a:t>
-            </a:r>
-          </a:p>
-          <a:p>
-            <a:pPr lvl="1"/>
-            <a:r>
-              <a:rPr lang="en-US" sz="2000" dirty="0"/>
-              <a:t>Add-in has permissions independent of user</a:t>
-            </a:r>
-          </a:p>
-          <a:p>
-            <a:pPr lvl="1"/>
-            <a:r>
-              <a:rPr lang="en-US" sz="2000" dirty="0"/>
-              <a:t>Add-ins deployed to catalogs using publishing scheme</a:t>
-            </a:r>
-          </a:p>
-        </p:txBody>
-      </p:sp>
-    </p:spTree>
-    <p:extLst>
-      <p:ext uri="{BB962C8B-B14F-4D97-AF65-F5344CB8AC3E}">
-        <p14:creationId xmlns:p14="http://schemas.microsoft.com/office/powerpoint/2010/main" val="278137820"/>
-      </p:ext>
-    </p:extLst>
-  </p:cSld>
-  <p:clrMapOvr>
-    <a:masterClrMapping/>
-  </p:clrMapOvr>
-</p:sld>
-</file>
-
-<file path=ppt/slides/slide50.xml><?xml version="1.0" encoding="utf-8"?>
+<file path=ppt/slides/slide49.xml><?xml version="1.0" encoding="utf-8"?>
 <p:sld xmlns:a="http://schemas.openxmlformats.org/drawingml/2006/main" xmlns:r="http://schemas.openxmlformats.org/officeDocument/2006/relationships" xmlns:p="http://schemas.openxmlformats.org/presentationml/2006/main">
   <p:cSld>
     <p:spTree>
@@ -14012,7 +13828,157 @@
 </p:sld>
 </file>
 
-<file path=ppt/slides/slide51.xml><?xml version="1.0" encoding="utf-8"?>
+<file path=ppt/slides/slide5.xml><?xml version="1.0" encoding="utf-8"?>
+<p:sld xmlns:a="http://schemas.openxmlformats.org/drawingml/2006/main" xmlns:r="http://schemas.openxmlformats.org/officeDocument/2006/relationships" xmlns:p="http://schemas.openxmlformats.org/presentationml/2006/main">
+  <p:cSld>
+    <p:spTree>
+      <p:nvGrpSpPr>
+        <p:cNvPr id="1" name=""/>
+        <p:cNvGrpSpPr/>
+        <p:nvPr/>
+      </p:nvGrpSpPr>
+      <p:grpSpPr>
+        <a:xfrm>
+          <a:off x="0" y="0"/>
+          <a:ext cx="0" cy="0"/>
+          <a:chOff x="0" y="0"/>
+          <a:chExt cx="0" cy="0"/>
+        </a:xfrm>
+      </p:grpSpPr>
+      <p:sp>
+        <p:nvSpPr>
+          <p:cNvPr id="2" name="Title 1"/>
+          <p:cNvSpPr>
+            <a:spLocks noGrp="1"/>
+          </p:cNvSpPr>
+          <p:nvPr>
+            <p:ph type="title"/>
+          </p:nvPr>
+        </p:nvSpPr>
+        <p:spPr/>
+        <p:txBody>
+          <a:bodyPr/>
+          <a:lstStyle/>
+          <a:p>
+            <a:r>
+              <a:rPr lang="en-US" dirty="0"/>
+              <a:t>SharePoint </a:t>
+            </a:r>
+            <a:r>
+              <a:rPr lang="en-US" strike="sngStrike" dirty="0"/>
+              <a:t>App</a:t>
+            </a:r>
+            <a:r>
+              <a:rPr lang="en-US" dirty="0"/>
+              <a:t> Add-in Model</a:t>
+            </a:r>
+          </a:p>
+        </p:txBody>
+      </p:sp>
+      <p:sp>
+        <p:nvSpPr>
+          <p:cNvPr id="3" name="Content Placeholder 2"/>
+          <p:cNvSpPr>
+            <a:spLocks noGrp="1"/>
+          </p:cNvSpPr>
+          <p:nvPr>
+            <p:ph idx="1"/>
+          </p:nvPr>
+        </p:nvSpPr>
+        <p:spPr/>
+        <p:txBody>
+          <a:bodyPr>
+            <a:normAutofit/>
+          </a:bodyPr>
+          <a:lstStyle/>
+          <a:p>
+            <a:r>
+              <a:rPr lang="en-US" sz="2400" dirty="0"/>
+              <a:t>SharePoint 2013 introduced new development model</a:t>
+            </a:r>
+          </a:p>
+          <a:p>
+            <a:pPr lvl="1"/>
+            <a:r>
+              <a:rPr lang="en-US" sz="2000" dirty="0"/>
+              <a:t>Originally introduced as "SharePoint App” model</a:t>
+            </a:r>
+          </a:p>
+          <a:p>
+            <a:pPr lvl="1"/>
+            <a:r>
+              <a:rPr lang="en-US" sz="2000" dirty="0"/>
+              <a:t>Marketing folks renamed "SharePoint App” to "SharePoint Add-in”</a:t>
+            </a:r>
+          </a:p>
+          <a:p>
+            <a:pPr lvl="1"/>
+            <a:endParaRPr lang="en-US" sz="2000" dirty="0"/>
+          </a:p>
+          <a:p>
+            <a:r>
+              <a:rPr lang="en-US" sz="2400" dirty="0"/>
+              <a:t>Add-in model designed to replace farm solutions</a:t>
+            </a:r>
+          </a:p>
+          <a:p>
+            <a:pPr lvl="1"/>
+            <a:r>
+              <a:rPr lang="en-US" sz="2000" dirty="0"/>
+              <a:t>Add-ins designed to supported SPO and SharePoint on-premises</a:t>
+            </a:r>
+          </a:p>
+          <a:p>
+            <a:pPr lvl="1"/>
+            <a:r>
+              <a:rPr lang="en-US" sz="2000" dirty="0"/>
+              <a:t>Add-in code not allowed to run on SharePoint host server</a:t>
+            </a:r>
+          </a:p>
+          <a:p>
+            <a:pPr lvl="1"/>
+            <a:r>
+              <a:rPr lang="en-US" sz="2000" dirty="0"/>
+              <a:t>Add-in talks to SharePoint using REST and CSOM</a:t>
+            </a:r>
+          </a:p>
+          <a:p>
+            <a:pPr lvl="1"/>
+            <a:r>
+              <a:rPr lang="en-US" sz="2000" dirty="0"/>
+              <a:t>Add-in authenticates and establishes add-in identity</a:t>
+            </a:r>
+          </a:p>
+          <a:p>
+            <a:pPr lvl="1"/>
+            <a:r>
+              <a:rPr lang="en-US" sz="2000" dirty="0"/>
+              <a:t>Add-in has permissions independent of user</a:t>
+            </a:r>
+          </a:p>
+          <a:p>
+            <a:pPr lvl="1"/>
+            <a:r>
+              <a:rPr lang="en-US" sz="2000" dirty="0"/>
+              <a:t>Add-ins deployed to catalogs using publishing scheme</a:t>
+            </a:r>
+          </a:p>
+        </p:txBody>
+      </p:sp>
+    </p:spTree>
+    <p:extLst>
+      <p:ext uri="{BB962C8B-B14F-4D97-AF65-F5344CB8AC3E}">
+        <p14:creationId xmlns:p14="http://schemas.microsoft.com/office/powerpoint/2010/main" val="278137820"/>
+      </p:ext>
+    </p:extLst>
+  </p:cSld>
+  <p:clrMapOvr>
+    <a:masterClrMapping/>
+  </p:clrMapOvr>
+</p:sld>
+</file>
+
+<file path=ppt/slides/slide50.xml><?xml version="1.0" encoding="utf-8"?>
 <p:sld xmlns:a="http://schemas.openxmlformats.org/drawingml/2006/main" xmlns:r="http://schemas.openxmlformats.org/officeDocument/2006/relationships" xmlns:p="http://schemas.openxmlformats.org/presentationml/2006/main">
   <p:cSld>
     <p:spTree>
@@ -14176,7 +14142,7 @@
 </p:sld>
 </file>
 
-<file path=ppt/slides/slide52.xml><?xml version="1.0" encoding="utf-8"?>
+<file path=ppt/slides/slide51.xml><?xml version="1.0" encoding="utf-8"?>
 <p:sld xmlns:a="http://schemas.openxmlformats.org/drawingml/2006/main" xmlns:r="http://schemas.openxmlformats.org/officeDocument/2006/relationships" xmlns:p="http://schemas.openxmlformats.org/presentationml/2006/main">
   <p:cSld>
     <p:spTree>
@@ -14388,7 +14354,7 @@
 </p:sld>
 </file>
 
-<file path=ppt/slides/slide53.xml><?xml version="1.0" encoding="utf-8"?>
+<file path=ppt/slides/slide52.xml><?xml version="1.0" encoding="utf-8"?>
 <p:sld xmlns:a="http://schemas.openxmlformats.org/drawingml/2006/main" xmlns:r="http://schemas.openxmlformats.org/officeDocument/2006/relationships" xmlns:p="http://schemas.openxmlformats.org/presentationml/2006/main">
   <p:cSld>
     <p:spTree>
@@ -14610,7 +14576,7 @@
 </p:sld>
 </file>
 
-<file path=ppt/slides/slide54.xml><?xml version="1.0" encoding="utf-8"?>
+<file path=ppt/slides/slide53.xml><?xml version="1.0" encoding="utf-8"?>
 <p:sld xmlns:a="http://schemas.openxmlformats.org/drawingml/2006/main" xmlns:r="http://schemas.openxmlformats.org/officeDocument/2006/relationships" xmlns:p="http://schemas.openxmlformats.org/presentationml/2006/main">
   <p:cSld>
     <p:spTree>
@@ -14803,7 +14769,7 @@
 </p:sld>
 </file>
 
-<file path=ppt/slides/slide55.xml><?xml version="1.0" encoding="utf-8"?>
+<file path=ppt/slides/slide54.xml><?xml version="1.0" encoding="utf-8"?>
 <p:sld xmlns:a="http://schemas.openxmlformats.org/drawingml/2006/main" xmlns:r="http://schemas.openxmlformats.org/officeDocument/2006/relationships" xmlns:p="http://schemas.openxmlformats.org/presentationml/2006/main">
   <p:cSld>
     <p:spTree>
@@ -15167,7 +15133,7 @@
 </p:sld>
 </file>
 
-<file path=ppt/slides/slide56.xml><?xml version="1.0" encoding="utf-8"?>
+<file path=ppt/slides/slide55.xml><?xml version="1.0" encoding="utf-8"?>
 <p:sld xmlns:a="http://schemas.openxmlformats.org/drawingml/2006/main" xmlns:r="http://schemas.openxmlformats.org/officeDocument/2006/relationships" xmlns:p="http://schemas.openxmlformats.org/presentationml/2006/main">
   <p:cSld>
     <p:spTree>
@@ -17618,12 +17584,6 @@
 </file>
 
 <file path=customXml/item1.xml><?xml version="1.0" encoding="utf-8"?>
-<p:properties xmlns:p="http://schemas.microsoft.com/office/2006/metadata/properties" xmlns:xsi="http://www.w3.org/2001/XMLSchema-instance">
-  <documentManagement/>
-</p:properties>
-</file>
-
-<file path=customXml/item2.xml><?xml version="1.0" encoding="utf-8"?>
 <ct:contentTypeSchema xmlns:ct="http://schemas.microsoft.com/office/2006/metadata/contentType" xmlns:ma="http://schemas.microsoft.com/office/2006/metadata/properties/metaAttributes" ct:_="" ma:_="" ma:contentTypeName="Document" ma:contentTypeID="0x01010043F7775CCE86F349BB7C51FB3CE6B150" ma:contentTypeVersion="0" ma:contentTypeDescription="Create a new document." ma:contentTypeScope="" ma:versionID="bb563817a2861b6b5994bd26a2ba9e40">
   <xsd:schema xmlns:xsd="http://www.w3.org/2001/XMLSchema" xmlns:xs="http://www.w3.org/2001/XMLSchema" xmlns:p="http://schemas.microsoft.com/office/2006/metadata/properties" targetNamespace="http://schemas.microsoft.com/office/2006/metadata/properties" ma:root="true" ma:fieldsID="c64490b4aec6201516c3a874156f37b2">
     <xsd:element name="properties">
@@ -17737,7 +17697,7 @@
 </ct:contentTypeSchema>
 </file>
 
-<file path=customXml/item3.xml><?xml version="1.0" encoding="utf-8"?>
+<file path=customXml/item2.xml><?xml version="1.0" encoding="utf-8"?>
 <outs:outSpaceData xmlns:outs="http://schemas.microsoft.com/office/2009/outspace/metadata">
   <outs:relatedDates>
     <outs:relatedDate>
@@ -17887,6 +17847,12 @@
 </outs:outSpaceData>
 </file>
 
+<file path=customXml/item3.xml><?xml version="1.0" encoding="utf-8"?>
+<p:properties xmlns:p="http://schemas.microsoft.com/office/2006/metadata/properties" xmlns:xsi="http://www.w3.org/2001/XMLSchema-instance">
+  <documentManagement/>
+</p:properties>
+</file>
+
 <file path=customXml/item4.xml><?xml version="1.0" encoding="utf-8"?>
 <?mso-contentType ?>
 <FormTemplates xmlns="http://schemas.microsoft.com/sharepoint/v3/contenttype/forms">
@@ -17897,21 +17863,6 @@
 </file>
 
 <file path=customXml/itemProps1.xml><?xml version="1.0" encoding="utf-8"?>
-<ds:datastoreItem xmlns:ds="http://schemas.openxmlformats.org/officeDocument/2006/customXml" ds:itemID="{A5547237-B119-45CA-BEFC-A2DA2BDB03E7}">
-  <ds:schemaRefs>
-    <ds:schemaRef ds:uri="http://schemas.microsoft.com/office/2006/documentManagement/types"/>
-    <ds:schemaRef ds:uri="http://purl.org/dc/elements/1.1/"/>
-    <ds:schemaRef ds:uri="http://www.w3.org/XML/1998/namespace"/>
-    <ds:schemaRef ds:uri="http://purl.org/dc/dcmitype/"/>
-    <ds:schemaRef ds:uri="http://schemas.openxmlformats.org/package/2006/metadata/core-properties"/>
-    <ds:schemaRef ds:uri="http://schemas.microsoft.com/office/infopath/2007/PartnerControls"/>
-    <ds:schemaRef ds:uri="http://schemas.microsoft.com/office/2006/metadata/properties"/>
-    <ds:schemaRef ds:uri="http://purl.org/dc/terms/"/>
-  </ds:schemaRefs>
-</ds:datastoreItem>
-</file>
-
-<file path=customXml/itemProps2.xml><?xml version="1.0" encoding="utf-8"?>
 <ds:datastoreItem xmlns:ds="http://schemas.openxmlformats.org/officeDocument/2006/customXml" ds:itemID="{E31B5E98-6A59-4EC7-A18B-B1626004080B}">
   <ds:schemaRefs>
     <ds:schemaRef ds:uri="http://schemas.microsoft.com/office/2006/metadata/contentType"/>
@@ -17927,10 +17878,25 @@
 </ds:datastoreItem>
 </file>
 
-<file path=customXml/itemProps3.xml><?xml version="1.0" encoding="utf-8"?>
+<file path=customXml/itemProps2.xml><?xml version="1.0" encoding="utf-8"?>
 <ds:datastoreItem xmlns:ds="http://schemas.openxmlformats.org/officeDocument/2006/customXml" ds:itemID="{8865FC99-B6BD-4E98-8312-F4F432C217EA}">
   <ds:schemaRefs>
     <ds:schemaRef ds:uri="http://schemas.microsoft.com/office/2009/outspace/metadata"/>
+  </ds:schemaRefs>
+</ds:datastoreItem>
+</file>
+
+<file path=customXml/itemProps3.xml><?xml version="1.0" encoding="utf-8"?>
+<ds:datastoreItem xmlns:ds="http://schemas.openxmlformats.org/officeDocument/2006/customXml" ds:itemID="{A5547237-B119-45CA-BEFC-A2DA2BDB03E7}">
+  <ds:schemaRefs>
+    <ds:schemaRef ds:uri="http://schemas.microsoft.com/office/2006/documentManagement/types"/>
+    <ds:schemaRef ds:uri="http://purl.org/dc/elements/1.1/"/>
+    <ds:schemaRef ds:uri="http://www.w3.org/XML/1998/namespace"/>
+    <ds:schemaRef ds:uri="http://purl.org/dc/dcmitype/"/>
+    <ds:schemaRef ds:uri="http://schemas.openxmlformats.org/package/2006/metadata/core-properties"/>
+    <ds:schemaRef ds:uri="http://schemas.microsoft.com/office/infopath/2007/PartnerControls"/>
+    <ds:schemaRef ds:uri="http://schemas.microsoft.com/office/2006/metadata/properties"/>
+    <ds:schemaRef ds:uri="http://purl.org/dc/terms/"/>
   </ds:schemaRefs>
 </ds:datastoreItem>
 </file>

--- a/01 GettingStarted.pptx
+++ b/01 GettingStarted.pptx
@@ -2078,7 +2078,7 @@
           <a:p>
             <a:fld id="{C5A2A3EB-BE87-4080-97A4-5341D2051EE4}" type="datetime1">
               <a:rPr lang="en-US" smtClean="0"/>
-              <a:t>4/21/2019</a:t>
+              <a:t>12/10/2019</a:t>
             </a:fld>
             <a:endParaRPr lang="en-US"/>
           </a:p>
@@ -12927,7 +12927,7 @@
           <a:p>
             <a:r>
               <a:rPr lang="en-US" sz="2000" dirty="0"/>
-              <a:t>It can be compiled into ECMAScript3, ECMAScript3 or ECMAScript 6</a:t>
+              <a:t>It can be compiled into ECMAScript3, ECMAScript5 or ECMAScript 6</a:t>
             </a:r>
           </a:p>
           <a:p>
@@ -17584,120 +17584,6 @@
 </file>
 
 <file path=customXml/item1.xml><?xml version="1.0" encoding="utf-8"?>
-<ct:contentTypeSchema xmlns:ct="http://schemas.microsoft.com/office/2006/metadata/contentType" xmlns:ma="http://schemas.microsoft.com/office/2006/metadata/properties/metaAttributes" ct:_="" ma:_="" ma:contentTypeName="Document" ma:contentTypeID="0x01010043F7775CCE86F349BB7C51FB3CE6B150" ma:contentTypeVersion="0" ma:contentTypeDescription="Create a new document." ma:contentTypeScope="" ma:versionID="bb563817a2861b6b5994bd26a2ba9e40">
-  <xsd:schema xmlns:xsd="http://www.w3.org/2001/XMLSchema" xmlns:xs="http://www.w3.org/2001/XMLSchema" xmlns:p="http://schemas.microsoft.com/office/2006/metadata/properties" targetNamespace="http://schemas.microsoft.com/office/2006/metadata/properties" ma:root="true" ma:fieldsID="c64490b4aec6201516c3a874156f37b2">
-    <xsd:element name="properties">
-      <xsd:complexType>
-        <xsd:sequence>
-          <xsd:element name="documentManagement">
-            <xsd:complexType>
-              <xsd:all/>
-            </xsd:complexType>
-          </xsd:element>
-        </xsd:sequence>
-      </xsd:complexType>
-    </xsd:element>
-  </xsd:schema>
-  <xsd:schema xmlns="http://schemas.openxmlformats.org/package/2006/metadata/core-properties" xmlns:xsd="http://www.w3.org/2001/XMLSchema" xmlns:xsi="http://www.w3.org/2001/XMLSchema-instance" xmlns:dc="http://purl.org/dc/elements/1.1/" xmlns:dcterms="http://purl.org/dc/terms/" xmlns:odoc="http://schemas.microsoft.com/internal/obd" targetNamespace="http://schemas.openxmlformats.org/package/2006/metadata/core-properties" elementFormDefault="qualified" attributeFormDefault="unqualified" blockDefault="#all">
-    <xsd:import namespace="http://purl.org/dc/elements/1.1/" schemaLocation="http://dublincore.org/schemas/xmls/qdc/2003/04/02/dc.xsd"/>
-    <xsd:import namespace="http://purl.org/dc/terms/" schemaLocation="http://dublincore.org/schemas/xmls/qdc/2003/04/02/dcterms.xsd"/>
-    <xsd:element name="coreProperties" type="CT_coreProperties"/>
-    <xsd:complexType name="CT_coreProperties">
-      <xsd:all>
-        <xsd:element ref="dc:creator" minOccurs="0" maxOccurs="1"/>
-        <xsd:element ref="dcterms:created" minOccurs="0" maxOccurs="1"/>
-        <xsd:element ref="dc:identifier" minOccurs="0" maxOccurs="1"/>
-        <xsd:element name="contentType" minOccurs="0" maxOccurs="1" type="xsd:string" ma:index="0" ma:displayName="Content Type"/>
-        <xsd:element ref="dc:title" minOccurs="0" maxOccurs="1" ma:index="4" ma:displayName="Title"/>
-        <xsd:element ref="dc:subject" minOccurs="0" maxOccurs="1"/>
-        <xsd:element ref="dc:description" minOccurs="0" maxOccurs="1"/>
-        <xsd:element name="keywords" minOccurs="0" maxOccurs="1" type="xsd:string"/>
-        <xsd:element ref="dc:language" minOccurs="0" maxOccurs="1"/>
-        <xsd:element name="category" minOccurs="0" maxOccurs="1" type="xsd:string"/>
-        <xsd:element name="version" minOccurs="0" maxOccurs="1" type="xsd:string"/>
-        <xsd:element name="revision" minOccurs="0" maxOccurs="1" type="xsd:string">
-          <xsd:annotation>
-            <xsd:documentation>
-                        This value indicates the number of saves or revisions. The application is responsible for updating this value after each revision.
-                    </xsd:documentation>
-          </xsd:annotation>
-        </xsd:element>
-        <xsd:element name="lastModifiedBy" minOccurs="0" maxOccurs="1" type="xsd:string"/>
-        <xsd:element ref="dcterms:modified" minOccurs="0" maxOccurs="1"/>
-        <xsd:element name="contentStatus" minOccurs="0" maxOccurs="1" type="xsd:string"/>
-      </xsd:all>
-    </xsd:complexType>
-  </xsd:schema>
-  <xs:schema xmlns:pc="http://schemas.microsoft.com/office/infopath/2007/PartnerControls" xmlns:xs="http://www.w3.org/2001/XMLSchema" targetNamespace="http://schemas.microsoft.com/office/infopath/2007/PartnerControls" elementFormDefault="qualified" attributeFormDefault="unqualified">
-    <xs:element name="Person">
-      <xs:complexType>
-        <xs:sequence>
-          <xs:element ref="pc:DisplayName" minOccurs="0"/>
-          <xs:element ref="pc:AccountId" minOccurs="0"/>
-          <xs:element ref="pc:AccountType" minOccurs="0"/>
-        </xs:sequence>
-      </xs:complexType>
-    </xs:element>
-    <xs:element name="DisplayName" type="xs:string"/>
-    <xs:element name="AccountId" type="xs:string"/>
-    <xs:element name="AccountType" type="xs:string"/>
-    <xs:element name="BDCAssociatedEntity">
-      <xs:complexType>
-        <xs:sequence>
-          <xs:element ref="pc:BDCEntity" minOccurs="0" maxOccurs="unbounded"/>
-        </xs:sequence>
-        <xs:attribute ref="pc:EntityNamespace"/>
-        <xs:attribute ref="pc:EntityName"/>
-        <xs:attribute ref="pc:SystemInstanceName"/>
-        <xs:attribute ref="pc:AssociationName"/>
-      </xs:complexType>
-    </xs:element>
-    <xs:attribute name="EntityNamespace" type="xs:string"/>
-    <xs:attribute name="EntityName" type="xs:string"/>
-    <xs:attribute name="SystemInstanceName" type="xs:string"/>
-    <xs:attribute name="AssociationName" type="xs:string"/>
-    <xs:element name="BDCEntity">
-      <xs:complexType>
-        <xs:sequence>
-          <xs:element ref="pc:EntityDisplayName" minOccurs="0"/>
-          <xs:element ref="pc:EntityInstanceReference" minOccurs="0"/>
-          <xs:element ref="pc:EntityId1" minOccurs="0"/>
-          <xs:element ref="pc:EntityId2" minOccurs="0"/>
-          <xs:element ref="pc:EntityId3" minOccurs="0"/>
-          <xs:element ref="pc:EntityId4" minOccurs="0"/>
-          <xs:element ref="pc:EntityId5" minOccurs="0"/>
-        </xs:sequence>
-      </xs:complexType>
-    </xs:element>
-    <xs:element name="EntityDisplayName" type="xs:string"/>
-    <xs:element name="EntityInstanceReference" type="xs:string"/>
-    <xs:element name="EntityId1" type="xs:string"/>
-    <xs:element name="EntityId2" type="xs:string"/>
-    <xs:element name="EntityId3" type="xs:string"/>
-    <xs:element name="EntityId4" type="xs:string"/>
-    <xs:element name="EntityId5" type="xs:string"/>
-    <xs:element name="Terms">
-      <xs:complexType>
-        <xs:sequence>
-          <xs:element ref="pc:TermInfo" minOccurs="0" maxOccurs="unbounded"/>
-        </xs:sequence>
-      </xs:complexType>
-    </xs:element>
-    <xs:element name="TermInfo">
-      <xs:complexType>
-        <xs:sequence>
-          <xs:element ref="pc:TermName" minOccurs="0"/>
-          <xs:element ref="pc:TermId" minOccurs="0"/>
-        </xs:sequence>
-      </xs:complexType>
-    </xs:element>
-    <xs:element name="TermName" type="xs:string"/>
-    <xs:element name="TermId" type="xs:string"/>
-  </xs:schema>
-</ct:contentTypeSchema>
-</file>
-
-<file path=customXml/item2.xml><?xml version="1.0" encoding="utf-8"?>
 <outs:outSpaceData xmlns:outs="http://schemas.microsoft.com/office/2009/outspace/metadata">
   <outs:relatedDates>
     <outs:relatedDate>
@@ -17847,10 +17733,124 @@
 </outs:outSpaceData>
 </file>
 
-<file path=customXml/item3.xml><?xml version="1.0" encoding="utf-8"?>
+<file path=customXml/item2.xml><?xml version="1.0" encoding="utf-8"?>
 <p:properties xmlns:p="http://schemas.microsoft.com/office/2006/metadata/properties" xmlns:xsi="http://www.w3.org/2001/XMLSchema-instance">
   <documentManagement/>
 </p:properties>
+</file>
+
+<file path=customXml/item3.xml><?xml version="1.0" encoding="utf-8"?>
+<ct:contentTypeSchema xmlns:ct="http://schemas.microsoft.com/office/2006/metadata/contentType" xmlns:ma="http://schemas.microsoft.com/office/2006/metadata/properties/metaAttributes" ct:_="" ma:_="" ma:contentTypeName="Document" ma:contentTypeID="0x01010043F7775CCE86F349BB7C51FB3CE6B150" ma:contentTypeVersion="0" ma:contentTypeDescription="Create a new document." ma:contentTypeScope="" ma:versionID="bb563817a2861b6b5994bd26a2ba9e40">
+  <xsd:schema xmlns:xsd="http://www.w3.org/2001/XMLSchema" xmlns:xs="http://www.w3.org/2001/XMLSchema" xmlns:p="http://schemas.microsoft.com/office/2006/metadata/properties" targetNamespace="http://schemas.microsoft.com/office/2006/metadata/properties" ma:root="true" ma:fieldsID="c64490b4aec6201516c3a874156f37b2">
+    <xsd:element name="properties">
+      <xsd:complexType>
+        <xsd:sequence>
+          <xsd:element name="documentManagement">
+            <xsd:complexType>
+              <xsd:all/>
+            </xsd:complexType>
+          </xsd:element>
+        </xsd:sequence>
+      </xsd:complexType>
+    </xsd:element>
+  </xsd:schema>
+  <xsd:schema xmlns="http://schemas.openxmlformats.org/package/2006/metadata/core-properties" xmlns:xsd="http://www.w3.org/2001/XMLSchema" xmlns:xsi="http://www.w3.org/2001/XMLSchema-instance" xmlns:dc="http://purl.org/dc/elements/1.1/" xmlns:dcterms="http://purl.org/dc/terms/" xmlns:odoc="http://schemas.microsoft.com/internal/obd" targetNamespace="http://schemas.openxmlformats.org/package/2006/metadata/core-properties" elementFormDefault="qualified" attributeFormDefault="unqualified" blockDefault="#all">
+    <xsd:import namespace="http://purl.org/dc/elements/1.1/" schemaLocation="http://dublincore.org/schemas/xmls/qdc/2003/04/02/dc.xsd"/>
+    <xsd:import namespace="http://purl.org/dc/terms/" schemaLocation="http://dublincore.org/schemas/xmls/qdc/2003/04/02/dcterms.xsd"/>
+    <xsd:element name="coreProperties" type="CT_coreProperties"/>
+    <xsd:complexType name="CT_coreProperties">
+      <xsd:all>
+        <xsd:element ref="dc:creator" minOccurs="0" maxOccurs="1"/>
+        <xsd:element ref="dcterms:created" minOccurs="0" maxOccurs="1"/>
+        <xsd:element ref="dc:identifier" minOccurs="0" maxOccurs="1"/>
+        <xsd:element name="contentType" minOccurs="0" maxOccurs="1" type="xsd:string" ma:index="0" ma:displayName="Content Type"/>
+        <xsd:element ref="dc:title" minOccurs="0" maxOccurs="1" ma:index="4" ma:displayName="Title"/>
+        <xsd:element ref="dc:subject" minOccurs="0" maxOccurs="1"/>
+        <xsd:element ref="dc:description" minOccurs="0" maxOccurs="1"/>
+        <xsd:element name="keywords" minOccurs="0" maxOccurs="1" type="xsd:string"/>
+        <xsd:element ref="dc:language" minOccurs="0" maxOccurs="1"/>
+        <xsd:element name="category" minOccurs="0" maxOccurs="1" type="xsd:string"/>
+        <xsd:element name="version" minOccurs="0" maxOccurs="1" type="xsd:string"/>
+        <xsd:element name="revision" minOccurs="0" maxOccurs="1" type="xsd:string">
+          <xsd:annotation>
+            <xsd:documentation>
+                        This value indicates the number of saves or revisions. The application is responsible for updating this value after each revision.
+                    </xsd:documentation>
+          </xsd:annotation>
+        </xsd:element>
+        <xsd:element name="lastModifiedBy" minOccurs="0" maxOccurs="1" type="xsd:string"/>
+        <xsd:element ref="dcterms:modified" minOccurs="0" maxOccurs="1"/>
+        <xsd:element name="contentStatus" minOccurs="0" maxOccurs="1" type="xsd:string"/>
+      </xsd:all>
+    </xsd:complexType>
+  </xsd:schema>
+  <xs:schema xmlns:pc="http://schemas.microsoft.com/office/infopath/2007/PartnerControls" xmlns:xs="http://www.w3.org/2001/XMLSchema" targetNamespace="http://schemas.microsoft.com/office/infopath/2007/PartnerControls" elementFormDefault="qualified" attributeFormDefault="unqualified">
+    <xs:element name="Person">
+      <xs:complexType>
+        <xs:sequence>
+          <xs:element ref="pc:DisplayName" minOccurs="0"/>
+          <xs:element ref="pc:AccountId" minOccurs="0"/>
+          <xs:element ref="pc:AccountType" minOccurs="0"/>
+        </xs:sequence>
+      </xs:complexType>
+    </xs:element>
+    <xs:element name="DisplayName" type="xs:string"/>
+    <xs:element name="AccountId" type="xs:string"/>
+    <xs:element name="AccountType" type="xs:string"/>
+    <xs:element name="BDCAssociatedEntity">
+      <xs:complexType>
+        <xs:sequence>
+          <xs:element ref="pc:BDCEntity" minOccurs="0" maxOccurs="unbounded"/>
+        </xs:sequence>
+        <xs:attribute ref="pc:EntityNamespace"/>
+        <xs:attribute ref="pc:EntityName"/>
+        <xs:attribute ref="pc:SystemInstanceName"/>
+        <xs:attribute ref="pc:AssociationName"/>
+      </xs:complexType>
+    </xs:element>
+    <xs:attribute name="EntityNamespace" type="xs:string"/>
+    <xs:attribute name="EntityName" type="xs:string"/>
+    <xs:attribute name="SystemInstanceName" type="xs:string"/>
+    <xs:attribute name="AssociationName" type="xs:string"/>
+    <xs:element name="BDCEntity">
+      <xs:complexType>
+        <xs:sequence>
+          <xs:element ref="pc:EntityDisplayName" minOccurs="0"/>
+          <xs:element ref="pc:EntityInstanceReference" minOccurs="0"/>
+          <xs:element ref="pc:EntityId1" minOccurs="0"/>
+          <xs:element ref="pc:EntityId2" minOccurs="0"/>
+          <xs:element ref="pc:EntityId3" minOccurs="0"/>
+          <xs:element ref="pc:EntityId4" minOccurs="0"/>
+          <xs:element ref="pc:EntityId5" minOccurs="0"/>
+        </xs:sequence>
+      </xs:complexType>
+    </xs:element>
+    <xs:element name="EntityDisplayName" type="xs:string"/>
+    <xs:element name="EntityInstanceReference" type="xs:string"/>
+    <xs:element name="EntityId1" type="xs:string"/>
+    <xs:element name="EntityId2" type="xs:string"/>
+    <xs:element name="EntityId3" type="xs:string"/>
+    <xs:element name="EntityId4" type="xs:string"/>
+    <xs:element name="EntityId5" type="xs:string"/>
+    <xs:element name="Terms">
+      <xs:complexType>
+        <xs:sequence>
+          <xs:element ref="pc:TermInfo" minOccurs="0" maxOccurs="unbounded"/>
+        </xs:sequence>
+      </xs:complexType>
+    </xs:element>
+    <xs:element name="TermInfo">
+      <xs:complexType>
+        <xs:sequence>
+          <xs:element ref="pc:TermName" minOccurs="0"/>
+          <xs:element ref="pc:TermId" minOccurs="0"/>
+        </xs:sequence>
+      </xs:complexType>
+    </xs:element>
+    <xs:element name="TermName" type="xs:string"/>
+    <xs:element name="TermId" type="xs:string"/>
+  </xs:schema>
+</ct:contentTypeSchema>
 </file>
 
 <file path=customXml/item4.xml><?xml version="1.0" encoding="utf-8"?>
@@ -17863,6 +17863,29 @@
 </file>
 
 <file path=customXml/itemProps1.xml><?xml version="1.0" encoding="utf-8"?>
+<ds:datastoreItem xmlns:ds="http://schemas.openxmlformats.org/officeDocument/2006/customXml" ds:itemID="{8865FC99-B6BD-4E98-8312-F4F432C217EA}">
+  <ds:schemaRefs>
+    <ds:schemaRef ds:uri="http://schemas.microsoft.com/office/2009/outspace/metadata"/>
+  </ds:schemaRefs>
+</ds:datastoreItem>
+</file>
+
+<file path=customXml/itemProps2.xml><?xml version="1.0" encoding="utf-8"?>
+<ds:datastoreItem xmlns:ds="http://schemas.openxmlformats.org/officeDocument/2006/customXml" ds:itemID="{A5547237-B119-45CA-BEFC-A2DA2BDB03E7}">
+  <ds:schemaRefs>
+    <ds:schemaRef ds:uri="http://schemas.microsoft.com/office/2006/documentManagement/types"/>
+    <ds:schemaRef ds:uri="http://purl.org/dc/elements/1.1/"/>
+    <ds:schemaRef ds:uri="http://www.w3.org/XML/1998/namespace"/>
+    <ds:schemaRef ds:uri="http://purl.org/dc/dcmitype/"/>
+    <ds:schemaRef ds:uri="http://schemas.openxmlformats.org/package/2006/metadata/core-properties"/>
+    <ds:schemaRef ds:uri="http://schemas.microsoft.com/office/infopath/2007/PartnerControls"/>
+    <ds:schemaRef ds:uri="http://schemas.microsoft.com/office/2006/metadata/properties"/>
+    <ds:schemaRef ds:uri="http://purl.org/dc/terms/"/>
+  </ds:schemaRefs>
+</ds:datastoreItem>
+</file>
+
+<file path=customXml/itemProps3.xml><?xml version="1.0" encoding="utf-8"?>
 <ds:datastoreItem xmlns:ds="http://schemas.openxmlformats.org/officeDocument/2006/customXml" ds:itemID="{E31B5E98-6A59-4EC7-A18B-B1626004080B}">
   <ds:schemaRefs>
     <ds:schemaRef ds:uri="http://schemas.microsoft.com/office/2006/metadata/contentType"/>
@@ -17878,29 +17901,6 @@
 </ds:datastoreItem>
 </file>
 
-<file path=customXml/itemProps2.xml><?xml version="1.0" encoding="utf-8"?>
-<ds:datastoreItem xmlns:ds="http://schemas.openxmlformats.org/officeDocument/2006/customXml" ds:itemID="{8865FC99-B6BD-4E98-8312-F4F432C217EA}">
-  <ds:schemaRefs>
-    <ds:schemaRef ds:uri="http://schemas.microsoft.com/office/2009/outspace/metadata"/>
-  </ds:schemaRefs>
-</ds:datastoreItem>
-</file>
-
-<file path=customXml/itemProps3.xml><?xml version="1.0" encoding="utf-8"?>
-<ds:datastoreItem xmlns:ds="http://schemas.openxmlformats.org/officeDocument/2006/customXml" ds:itemID="{A5547237-B119-45CA-BEFC-A2DA2BDB03E7}">
-  <ds:schemaRefs>
-    <ds:schemaRef ds:uri="http://schemas.microsoft.com/office/2006/documentManagement/types"/>
-    <ds:schemaRef ds:uri="http://purl.org/dc/elements/1.1/"/>
-    <ds:schemaRef ds:uri="http://www.w3.org/XML/1998/namespace"/>
-    <ds:schemaRef ds:uri="http://purl.org/dc/dcmitype/"/>
-    <ds:schemaRef ds:uri="http://schemas.openxmlformats.org/package/2006/metadata/core-properties"/>
-    <ds:schemaRef ds:uri="http://schemas.microsoft.com/office/infopath/2007/PartnerControls"/>
-    <ds:schemaRef ds:uri="http://schemas.microsoft.com/office/2006/metadata/properties"/>
-    <ds:schemaRef ds:uri="http://purl.org/dc/terms/"/>
-  </ds:schemaRefs>
-</ds:datastoreItem>
-</file>
-
 <file path=customXml/itemProps4.xml><?xml version="1.0" encoding="utf-8"?>
 <ds:datastoreItem xmlns:ds="http://schemas.openxmlformats.org/officeDocument/2006/customXml" ds:itemID="{6034B84F-8F8E-48B7-9EFF-C7DE1A66BD73}">
   <ds:schemaRefs>
